--- a/Olympic Track and Field Insights.pptx
+++ b/Olympic Track and Field Insights.pptx
@@ -7,12 +7,14 @@
   <p:sldIdLst>
     <p:sldId id="260" r:id="rId2"/>
     <p:sldId id="257" r:id="rId3"/>
-    <p:sldId id="258" r:id="rId4"/>
-    <p:sldId id="261" r:id="rId5"/>
-    <p:sldId id="262" r:id="rId6"/>
-    <p:sldId id="263" r:id="rId7"/>
-    <p:sldId id="259" r:id="rId8"/>
-    <p:sldId id="264" r:id="rId9"/>
+    <p:sldId id="265" r:id="rId4"/>
+    <p:sldId id="266" r:id="rId5"/>
+    <p:sldId id="258" r:id="rId6"/>
+    <p:sldId id="261" r:id="rId7"/>
+    <p:sldId id="262" r:id="rId8"/>
+    <p:sldId id="263" r:id="rId9"/>
+    <p:sldId id="259" r:id="rId10"/>
+    <p:sldId id="264" r:id="rId11"/>
   </p:sldIdLst>
   <p:sldSz cx="12192000" cy="6858000"/>
   <p:notesSz cx="6858000" cy="9144000"/>
@@ -6294,6 +6296,89 @@
 </p:sld>
 </file>
 
+<file path=ppt/slides/slide10.xml><?xml version="1.0" encoding="utf-8"?>
+<p:sld xmlns:a="http://schemas.openxmlformats.org/drawingml/2006/main" xmlns:r="http://schemas.openxmlformats.org/officeDocument/2006/relationships" xmlns:p="http://schemas.openxmlformats.org/presentationml/2006/main">
+  <p:cSld>
+    <p:spTree>
+      <p:nvGrpSpPr>
+        <p:cNvPr id="1" name=""/>
+        <p:cNvGrpSpPr/>
+        <p:nvPr/>
+      </p:nvGrpSpPr>
+      <p:grpSpPr>
+        <a:xfrm>
+          <a:off x="0" y="0"/>
+          <a:ext cx="0" cy="0"/>
+          <a:chOff x="0" y="0"/>
+          <a:chExt cx="0" cy="0"/>
+        </a:xfrm>
+      </p:grpSpPr>
+      <p:sp>
+        <p:nvSpPr>
+          <p:cNvPr id="2" name="Title 1">
+            <a:extLst>
+              <a:ext uri="{FF2B5EF4-FFF2-40B4-BE49-F238E27FC236}">
+                <a16:creationId xmlns:a16="http://schemas.microsoft.com/office/drawing/2014/main" id="{C82925B3-EEE5-4198-9B96-CEC71A014F71}"/>
+              </a:ext>
+            </a:extLst>
+          </p:cNvPr>
+          <p:cNvSpPr>
+            <a:spLocks noGrp="1"/>
+          </p:cNvSpPr>
+          <p:nvPr>
+            <p:ph type="title"/>
+          </p:nvPr>
+        </p:nvSpPr>
+        <p:spPr/>
+        <p:txBody>
+          <a:bodyPr/>
+          <a:lstStyle/>
+          <a:p>
+            <a:r>
+              <a:rPr lang="en-US" dirty="0"/>
+              <a:t>Conclusions</a:t>
+            </a:r>
+          </a:p>
+        </p:txBody>
+      </p:sp>
+      <p:sp>
+        <p:nvSpPr>
+          <p:cNvPr id="3" name="Content Placeholder 2">
+            <a:extLst>
+              <a:ext uri="{FF2B5EF4-FFF2-40B4-BE49-F238E27FC236}">
+                <a16:creationId xmlns:a16="http://schemas.microsoft.com/office/drawing/2014/main" id="{2C6396EC-23C7-4B0D-AA66-B3626BE86017}"/>
+              </a:ext>
+            </a:extLst>
+          </p:cNvPr>
+          <p:cNvSpPr>
+            <a:spLocks noGrp="1"/>
+          </p:cNvSpPr>
+          <p:nvPr>
+            <p:ph idx="1"/>
+          </p:nvPr>
+        </p:nvSpPr>
+        <p:spPr/>
+        <p:txBody>
+          <a:bodyPr/>
+          <a:lstStyle/>
+          <a:p>
+            <a:endParaRPr lang="en-US"/>
+          </a:p>
+        </p:txBody>
+      </p:sp>
+    </p:spTree>
+    <p:extLst>
+      <p:ext uri="{BB962C8B-B14F-4D97-AF65-F5344CB8AC3E}">
+        <p14:creationId xmlns:p14="http://schemas.microsoft.com/office/powerpoint/2010/main" val="3647098461"/>
+      </p:ext>
+    </p:extLst>
+  </p:cSld>
+  <p:clrMapOvr>
+    <a:masterClrMapping/>
+  </p:clrMapOvr>
+</p:sld>
+</file>
+
 <file path=ppt/slides/slide2.xml><?xml version="1.0" encoding="utf-8"?>
 <p:sld xmlns:a="http://schemas.openxmlformats.org/drawingml/2006/main" xmlns:r="http://schemas.openxmlformats.org/officeDocument/2006/relationships" xmlns:p="http://schemas.openxmlformats.org/presentationml/2006/main">
   <p:cSld>
@@ -6448,10 +6533,10 @@
       </p:grpSpPr>
       <p:sp>
         <p:nvSpPr>
-          <p:cNvPr id="2" name="Title 1">
+          <p:cNvPr id="5" name="Title 4">
             <a:extLst>
               <a:ext uri="{FF2B5EF4-FFF2-40B4-BE49-F238E27FC236}">
-                <a16:creationId xmlns:a16="http://schemas.microsoft.com/office/drawing/2014/main" id="{74D2A192-0A2D-462E-ADB2-2A9978F2CFAA}"/>
+                <a16:creationId xmlns:a16="http://schemas.microsoft.com/office/drawing/2014/main" id="{E53EBB39-8016-450D-84D9-AEB5AA050A89}"/>
               </a:ext>
             </a:extLst>
           </p:cNvPr>
@@ -6469,95 +6554,31 @@
           <a:p>
             <a:r>
               <a:rPr lang="en-US" dirty="0"/>
-              <a:t>Postgres Server through </a:t>
-            </a:r>
-            <a:r>
-              <a:rPr lang="en-US" dirty="0" err="1"/>
-              <a:t>SqlAlchemy</a:t>
-            </a:r>
-            <a:endParaRPr lang="en-US" dirty="0"/>
-          </a:p>
-        </p:txBody>
-      </p:sp>
-      <p:pic>
-        <p:nvPicPr>
-          <p:cNvPr id="10" name="Content Placeholder 9">
+              <a:t>Project Proposal</a:t>
+            </a:r>
+          </a:p>
+        </p:txBody>
+      </p:sp>
+      <p:sp>
+        <p:nvSpPr>
+          <p:cNvPr id="7" name="Content Placeholder 6">
             <a:extLst>
               <a:ext uri="{FF2B5EF4-FFF2-40B4-BE49-F238E27FC236}">
-                <a16:creationId xmlns:a16="http://schemas.microsoft.com/office/drawing/2014/main" id="{5D7BE704-E462-4450-A8B1-5322C164648E}"/>
+                <a16:creationId xmlns:a16="http://schemas.microsoft.com/office/drawing/2014/main" id="{3C3B28B8-6E0C-403C-9006-878EDA1A7A7B}"/>
               </a:ext>
             </a:extLst>
           </p:cNvPr>
-          <p:cNvPicPr>
-            <a:picLocks noGrp="1" noChangeAspect="1"/>
-          </p:cNvPicPr>
+          <p:cNvSpPr>
+            <a:spLocks noGrp="1"/>
+          </p:cNvSpPr>
           <p:nvPr>
             <p:ph idx="1"/>
           </p:nvPr>
-        </p:nvPicPr>
-        <p:blipFill>
-          <a:blip r:embed="rId2"/>
-          <a:stretch>
-            <a:fillRect/>
-          </a:stretch>
-        </p:blipFill>
-        <p:spPr>
-          <a:xfrm>
-            <a:off x="5262563" y="1928773"/>
-            <a:ext cx="6240462" cy="2619453"/>
-          </a:xfrm>
-        </p:spPr>
-      </p:pic>
-      <p:sp>
-        <p:nvSpPr>
-          <p:cNvPr id="4" name="Text Placeholder 3">
-            <a:extLst>
-              <a:ext uri="{FF2B5EF4-FFF2-40B4-BE49-F238E27FC236}">
-                <a16:creationId xmlns:a16="http://schemas.microsoft.com/office/drawing/2014/main" id="{16A0E12B-A7FE-47BC-AC09-D9238D763404}"/>
-              </a:ext>
-            </a:extLst>
-          </p:cNvPr>
-          <p:cNvSpPr>
-            <a:spLocks noGrp="1"/>
-          </p:cNvSpPr>
-          <p:nvPr>
-            <p:ph type="body" sz="half" idx="2"/>
-          </p:nvPr>
         </p:nvSpPr>
         <p:spPr/>
         <p:txBody>
           <a:bodyPr/>
           <a:lstStyle/>
-          <a:p>
-            <a:pPr algn="l"/>
-            <a:r>
-              <a:rPr lang="en-US" dirty="0">
-                <a:latin typeface="Arial" panose="020B0604020202020204" pitchFamily="34" charset="0"/>
-              </a:rPr>
-              <a:t>We </a:t>
-            </a:r>
-            <a:r>
-              <a:rPr lang="en-US" b="0" i="0" dirty="0">
-                <a:effectLst/>
-                <a:latin typeface="Arial" panose="020B0604020202020204" pitchFamily="34" charset="0"/>
-              </a:rPr>
-              <a:t>imported our Data it into Postgres, </a:t>
-            </a:r>
-            <a:r>
-              <a:rPr lang="en-US" b="0" i="0" dirty="0" err="1">
-                <a:effectLst/>
-                <a:latin typeface="Arial" panose="020B0604020202020204" pitchFamily="34" charset="0"/>
-              </a:rPr>
-              <a:t>SqlAlchemy</a:t>
-            </a:r>
-            <a:r>
-              <a:rPr lang="en-US" b="0" i="0" dirty="0">
-                <a:effectLst/>
-                <a:latin typeface="Arial" panose="020B0604020202020204" pitchFamily="34" charset="0"/>
-              </a:rPr>
-              <a:t>, to draw various insights </a:t>
-            </a:r>
-          </a:p>
           <a:p>
             <a:endParaRPr lang="en-US" dirty="0"/>
           </a:p>
@@ -6566,7 +6587,7 @@
     </p:spTree>
     <p:extLst>
       <p:ext uri="{BB962C8B-B14F-4D97-AF65-F5344CB8AC3E}">
-        <p14:creationId xmlns:p14="http://schemas.microsoft.com/office/powerpoint/2010/main" val="444081785"/>
+        <p14:creationId xmlns:p14="http://schemas.microsoft.com/office/powerpoint/2010/main" val="4018732374"/>
       </p:ext>
     </p:extLst>
   </p:cSld>
@@ -6598,7 +6619,7 @@
           <p:cNvPr id="2" name="Title 1">
             <a:extLst>
               <a:ext uri="{FF2B5EF4-FFF2-40B4-BE49-F238E27FC236}">
-                <a16:creationId xmlns:a16="http://schemas.microsoft.com/office/drawing/2014/main" id="{5430416B-CD4D-4CFD-B882-048350EA28D9}"/>
+                <a16:creationId xmlns:a16="http://schemas.microsoft.com/office/drawing/2014/main" id="{9AA4B187-3618-43AF-B2EB-DAFB115711DA}"/>
               </a:ext>
             </a:extLst>
           </p:cNvPr>
@@ -6616,79 +6637,40 @@
           <a:p>
             <a:r>
               <a:rPr lang="en-US" dirty="0"/>
-              <a:t>Creating Subsets to prepare for our </a:t>
-            </a:r>
-            <a:r>
-              <a:rPr lang="en-US" dirty="0" err="1"/>
-              <a:t>Viz’s</a:t>
-            </a:r>
-            <a:endParaRPr lang="en-US" dirty="0"/>
-          </a:p>
-        </p:txBody>
-      </p:sp>
-      <p:pic>
-        <p:nvPicPr>
-          <p:cNvPr id="5" name="Content Placeholder 4">
+              <a:t>Insights</a:t>
+            </a:r>
+          </a:p>
+        </p:txBody>
+      </p:sp>
+      <p:sp>
+        <p:nvSpPr>
+          <p:cNvPr id="4" name="Content Placeholder 3">
             <a:extLst>
               <a:ext uri="{FF2B5EF4-FFF2-40B4-BE49-F238E27FC236}">
-                <a16:creationId xmlns:a16="http://schemas.microsoft.com/office/drawing/2014/main" id="{25A9D835-93FC-4DFB-B05D-A7AD44391697}"/>
+                <a16:creationId xmlns:a16="http://schemas.microsoft.com/office/drawing/2014/main" id="{DDCE64CC-989B-47C3-99A0-2D7AC3FBAC5B}"/>
               </a:ext>
             </a:extLst>
           </p:cNvPr>
-          <p:cNvPicPr>
-            <a:picLocks noGrp="1" noChangeAspect="1"/>
-          </p:cNvPicPr>
+          <p:cNvSpPr>
+            <a:spLocks noGrp="1"/>
+          </p:cNvSpPr>
           <p:nvPr>
             <p:ph idx="1"/>
           </p:nvPr>
-        </p:nvPicPr>
-        <p:blipFill>
-          <a:blip r:embed="rId2"/>
-          <a:stretch>
-            <a:fillRect/>
-          </a:stretch>
-        </p:blipFill>
-        <p:spPr>
-          <a:xfrm>
-            <a:off x="838200" y="2184440"/>
-            <a:ext cx="5358412" cy="3834396"/>
-          </a:xfrm>
-        </p:spPr>
-      </p:pic>
-      <p:pic>
-        <p:nvPicPr>
-          <p:cNvPr id="7" name="Picture 6">
-            <a:extLst>
-              <a:ext uri="{FF2B5EF4-FFF2-40B4-BE49-F238E27FC236}">
-                <a16:creationId xmlns:a16="http://schemas.microsoft.com/office/drawing/2014/main" id="{ECAB7BAB-57CD-41AC-B602-F4F2E2BDA0EF}"/>
-              </a:ext>
-            </a:extLst>
-          </p:cNvPr>
-          <p:cNvPicPr>
-            <a:picLocks noChangeAspect="1"/>
-          </p:cNvPicPr>
-          <p:nvPr/>
-        </p:nvPicPr>
-        <p:blipFill>
-          <a:blip r:embed="rId3"/>
-          <a:stretch>
-            <a:fillRect/>
-          </a:stretch>
-        </p:blipFill>
-        <p:spPr>
-          <a:xfrm>
-            <a:off x="5019651" y="2184440"/>
-            <a:ext cx="7172349" cy="3521879"/>
-          </a:xfrm>
-          <a:prstGeom prst="rect">
-            <a:avLst/>
-          </a:prstGeom>
-        </p:spPr>
-      </p:pic>
+        </p:nvSpPr>
+        <p:spPr/>
+        <p:txBody>
+          <a:bodyPr/>
+          <a:lstStyle/>
+          <a:p>
+            <a:endParaRPr lang="en-US" dirty="0"/>
+          </a:p>
+        </p:txBody>
+      </p:sp>
     </p:spTree>
     <p:extLst>
       <p:ext uri="{BB962C8B-B14F-4D97-AF65-F5344CB8AC3E}">
-        <p14:creationId xmlns:p14="http://schemas.microsoft.com/office/powerpoint/2010/main" val="638317596"/>
+        <p14:creationId xmlns:p14="http://schemas.microsoft.com/office/powerpoint/2010/main" val="2503580864"/>
       </p:ext>
     </p:extLst>
   </p:cSld>
@@ -6717,10 +6699,10 @@
       </p:grpSpPr>
       <p:sp>
         <p:nvSpPr>
-          <p:cNvPr id="4" name="Title 3">
+          <p:cNvPr id="2" name="Title 1">
             <a:extLst>
               <a:ext uri="{FF2B5EF4-FFF2-40B4-BE49-F238E27FC236}">
-                <a16:creationId xmlns:a16="http://schemas.microsoft.com/office/drawing/2014/main" id="{82735FB9-2EFF-4593-9BFD-B356C25FAAC1}"/>
+                <a16:creationId xmlns:a16="http://schemas.microsoft.com/office/drawing/2014/main" id="{74D2A192-0A2D-462E-ADB2-2A9978F2CFAA}"/>
               </a:ext>
             </a:extLst>
           </p:cNvPr>
@@ -6731,29 +6713,29 @@
             <p:ph type="title"/>
           </p:nvPr>
         </p:nvSpPr>
-        <p:spPr>
-          <a:xfrm>
-            <a:off x="127322" y="457200"/>
-            <a:ext cx="5243331" cy="1600200"/>
-          </a:xfrm>
-        </p:spPr>
+        <p:spPr/>
         <p:txBody>
           <a:bodyPr/>
           <a:lstStyle/>
           <a:p>
             <a:r>
               <a:rPr lang="en-US" dirty="0"/>
-              <a:t>Converting from Csv to Json	</a:t>
-            </a:r>
+              <a:t>Postgres Server through </a:t>
+            </a:r>
+            <a:r>
+              <a:rPr lang="en-US" dirty="0" err="1"/>
+              <a:t>SqlAlchemy</a:t>
+            </a:r>
+            <a:endParaRPr lang="en-US" dirty="0"/>
           </a:p>
         </p:txBody>
       </p:sp>
       <p:pic>
         <p:nvPicPr>
-          <p:cNvPr id="8" name="Content Placeholder 7">
+          <p:cNvPr id="10" name="Content Placeholder 9">
             <a:extLst>
               <a:ext uri="{FF2B5EF4-FFF2-40B4-BE49-F238E27FC236}">
-                <a16:creationId xmlns:a16="http://schemas.microsoft.com/office/drawing/2014/main" id="{B71B28D7-148A-45CA-A010-F3332B8A2D84}"/>
+                <a16:creationId xmlns:a16="http://schemas.microsoft.com/office/drawing/2014/main" id="{5D7BE704-E462-4450-A8B1-5322C164648E}"/>
               </a:ext>
             </a:extLst>
           </p:cNvPr>
@@ -6772,17 +6754,17 @@
         </p:blipFill>
         <p:spPr>
           <a:xfrm>
-            <a:off x="6311315" y="685800"/>
-            <a:ext cx="4142958" cy="5105400"/>
+            <a:off x="5262563" y="1928773"/>
+            <a:ext cx="6240462" cy="2619453"/>
           </a:xfrm>
         </p:spPr>
       </p:pic>
       <p:sp>
         <p:nvSpPr>
-          <p:cNvPr id="6" name="Text Placeholder 5">
+          <p:cNvPr id="4" name="Text Placeholder 3">
             <a:extLst>
               <a:ext uri="{FF2B5EF4-FFF2-40B4-BE49-F238E27FC236}">
-                <a16:creationId xmlns:a16="http://schemas.microsoft.com/office/drawing/2014/main" id="{0E826771-12EF-42B2-9A75-C372863A09F3}"/>
+                <a16:creationId xmlns:a16="http://schemas.microsoft.com/office/drawing/2014/main" id="{16A0E12B-A7FE-47BC-AC09-D9238D763404}"/>
               </a:ext>
             </a:extLst>
           </p:cNvPr>
@@ -6798,33 +6780,44 @@
           <a:bodyPr/>
           <a:lstStyle/>
           <a:p>
-            <a:r>
-              <a:rPr lang="en-US" dirty="0"/>
-              <a:t>For us to use </a:t>
-            </a:r>
-            <a:r>
-              <a:rPr lang="en-US" dirty="0" err="1"/>
-              <a:t>plotly</a:t>
-            </a:r>
-            <a:r>
-              <a:rPr lang="en-US" dirty="0"/>
-              <a:t> for our visualization the </a:t>
-            </a:r>
-            <a:r>
-              <a:rPr lang="en-US" dirty="0" err="1"/>
-              <a:t>postgres</a:t>
-            </a:r>
-            <a:r>
-              <a:rPr lang="en-US" dirty="0"/>
-              <a:t> data was saved as Csv, converted to Json, to prepare for Plotly.js</a:t>
-            </a:r>
+            <a:pPr algn="l"/>
+            <a:r>
+              <a:rPr lang="en-US" dirty="0">
+                <a:latin typeface="Arial" panose="020B0604020202020204" pitchFamily="34" charset="0"/>
+              </a:rPr>
+              <a:t>We </a:t>
+            </a:r>
+            <a:r>
+              <a:rPr lang="en-US" b="0" i="0" dirty="0">
+                <a:effectLst/>
+                <a:latin typeface="Arial" panose="020B0604020202020204" pitchFamily="34" charset="0"/>
+              </a:rPr>
+              <a:t>imported our Data it into Postgres, </a:t>
+            </a:r>
+            <a:r>
+              <a:rPr lang="en-US" b="0" i="0" dirty="0" err="1">
+                <a:effectLst/>
+                <a:latin typeface="Arial" panose="020B0604020202020204" pitchFamily="34" charset="0"/>
+              </a:rPr>
+              <a:t>SqlAlchemy</a:t>
+            </a:r>
+            <a:r>
+              <a:rPr lang="en-US" b="0" i="0" dirty="0">
+                <a:effectLst/>
+                <a:latin typeface="Arial" panose="020B0604020202020204" pitchFamily="34" charset="0"/>
+              </a:rPr>
+              <a:t>, to draw various insights </a:t>
+            </a:r>
+          </a:p>
+          <a:p>
+            <a:endParaRPr lang="en-US" dirty="0"/>
           </a:p>
         </p:txBody>
       </p:sp>
     </p:spTree>
     <p:extLst>
       <p:ext uri="{BB962C8B-B14F-4D97-AF65-F5344CB8AC3E}">
-        <p14:creationId xmlns:p14="http://schemas.microsoft.com/office/powerpoint/2010/main" val="3970619744"/>
+        <p14:creationId xmlns:p14="http://schemas.microsoft.com/office/powerpoint/2010/main" val="444081785"/>
       </p:ext>
     </p:extLst>
   </p:cSld>
@@ -6853,10 +6846,10 @@
       </p:grpSpPr>
       <p:sp>
         <p:nvSpPr>
-          <p:cNvPr id="6" name="Title 5">
+          <p:cNvPr id="2" name="Title 1">
             <a:extLst>
               <a:ext uri="{FF2B5EF4-FFF2-40B4-BE49-F238E27FC236}">
-                <a16:creationId xmlns:a16="http://schemas.microsoft.com/office/drawing/2014/main" id="{5C61113E-98C1-4019-B1F1-D060DC75A117}"/>
+                <a16:creationId xmlns:a16="http://schemas.microsoft.com/office/drawing/2014/main" id="{5430416B-CD4D-4CFD-B882-048350EA28D9}"/>
               </a:ext>
             </a:extLst>
           </p:cNvPr>
@@ -6873,13 +6866,14 @@
           <a:lstStyle/>
           <a:p>
             <a:r>
+              <a:rPr lang="en-US" dirty="0"/>
+              <a:t>Creating Subsets to prepare for our </a:t>
+            </a:r>
+            <a:r>
               <a:rPr lang="en-US" dirty="0" err="1"/>
-              <a:t>Plotly</a:t>
-            </a:r>
-            <a:r>
-              <a:rPr lang="en-US" dirty="0"/>
-              <a:t> 	</a:t>
-            </a:r>
+              <a:t>Viz’s</a:t>
+            </a:r>
+            <a:endParaRPr lang="en-US" dirty="0"/>
           </a:p>
         </p:txBody>
       </p:sp>
@@ -6888,7 +6882,7 @@
           <p:cNvPr id="5" name="Content Placeholder 4">
             <a:extLst>
               <a:ext uri="{FF2B5EF4-FFF2-40B4-BE49-F238E27FC236}">
-                <a16:creationId xmlns:a16="http://schemas.microsoft.com/office/drawing/2014/main" id="{CE13A489-1AE4-42EA-B6A8-45EC4FD48EA8}"/>
+                <a16:creationId xmlns:a16="http://schemas.microsoft.com/office/drawing/2014/main" id="{25A9D835-93FC-4DFB-B05D-A7AD44391697}"/>
               </a:ext>
             </a:extLst>
           </p:cNvPr>
@@ -6907,51 +6901,45 @@
         </p:blipFill>
         <p:spPr>
           <a:xfrm>
-            <a:off x="5477669" y="1119187"/>
-            <a:ext cx="5810250" cy="4238625"/>
+            <a:off x="457481" y="2139738"/>
+            <a:ext cx="5115783" cy="3660775"/>
           </a:xfrm>
         </p:spPr>
       </p:pic>
-      <p:sp>
-        <p:nvSpPr>
-          <p:cNvPr id="7" name="Text Placeholder 6">
+      <p:pic>
+        <p:nvPicPr>
+          <p:cNvPr id="7" name="Picture 6">
             <a:extLst>
               <a:ext uri="{FF2B5EF4-FFF2-40B4-BE49-F238E27FC236}">
-                <a16:creationId xmlns:a16="http://schemas.microsoft.com/office/drawing/2014/main" id="{3F383E9E-DFD5-423D-8192-3B24621BB75A}"/>
+                <a16:creationId xmlns:a16="http://schemas.microsoft.com/office/drawing/2014/main" id="{ECAB7BAB-57CD-41AC-B602-F4F2E2BDA0EF}"/>
               </a:ext>
             </a:extLst>
           </p:cNvPr>
-          <p:cNvSpPr>
-            <a:spLocks noGrp="1"/>
-          </p:cNvSpPr>
-          <p:nvPr>
-            <p:ph type="body" sz="half" idx="2"/>
-          </p:nvPr>
-        </p:nvSpPr>
-        <p:spPr/>
-        <p:txBody>
-          <a:bodyPr/>
-          <a:lstStyle/>
-          <a:p>
-            <a:r>
-              <a:rPr lang="en-US" dirty="0"/>
-              <a:t>Then we wrote the </a:t>
-            </a:r>
-            <a:r>
-              <a:rPr lang="en-US" dirty="0" err="1"/>
-              <a:t>plotly</a:t>
-            </a:r>
-            <a:r>
-              <a:rPr lang="en-US" dirty="0"/>
-              <a:t> script to visualize our data</a:t>
-            </a:r>
-          </a:p>
-        </p:txBody>
-      </p:sp>
+          <p:cNvPicPr>
+            <a:picLocks noChangeAspect="1"/>
+          </p:cNvPicPr>
+          <p:nvPr/>
+        </p:nvPicPr>
+        <p:blipFill>
+          <a:blip r:embed="rId3"/>
+          <a:stretch>
+            <a:fillRect/>
+          </a:stretch>
+        </p:blipFill>
+        <p:spPr>
+          <a:xfrm>
+            <a:off x="4810538" y="2139738"/>
+            <a:ext cx="7455212" cy="3660775"/>
+          </a:xfrm>
+          <a:prstGeom prst="rect">
+            <a:avLst/>
+          </a:prstGeom>
+        </p:spPr>
+      </p:pic>
     </p:spTree>
     <p:extLst>
       <p:ext uri="{BB962C8B-B14F-4D97-AF65-F5344CB8AC3E}">
-        <p14:creationId xmlns:p14="http://schemas.microsoft.com/office/powerpoint/2010/main" val="199489122"/>
+        <p14:creationId xmlns:p14="http://schemas.microsoft.com/office/powerpoint/2010/main" val="638317596"/>
       </p:ext>
     </p:extLst>
   </p:cSld>
@@ -6980,10 +6968,10 @@
       </p:grpSpPr>
       <p:sp>
         <p:nvSpPr>
-          <p:cNvPr id="5" name="Title 4">
+          <p:cNvPr id="4" name="Title 3">
             <a:extLst>
               <a:ext uri="{FF2B5EF4-FFF2-40B4-BE49-F238E27FC236}">
-                <a16:creationId xmlns:a16="http://schemas.microsoft.com/office/drawing/2014/main" id="{0D7D8DEA-6614-4308-BDDF-2B7DE807DF1C}"/>
+                <a16:creationId xmlns:a16="http://schemas.microsoft.com/office/drawing/2014/main" id="{82735FB9-2EFF-4593-9BFD-B356C25FAAC1}"/>
               </a:ext>
             </a:extLst>
           </p:cNvPr>
@@ -6994,33 +6982,67 @@
             <p:ph type="title"/>
           </p:nvPr>
         </p:nvSpPr>
-        <p:spPr/>
+        <p:spPr>
+          <a:xfrm>
+            <a:off x="127322" y="457200"/>
+            <a:ext cx="5243331" cy="1600200"/>
+          </a:xfrm>
+        </p:spPr>
         <p:txBody>
           <a:bodyPr/>
           <a:lstStyle/>
           <a:p>
             <a:r>
               <a:rPr lang="en-US" dirty="0"/>
-              <a:t>Challenges</a:t>
-            </a:r>
-          </a:p>
-        </p:txBody>
-      </p:sp>
-      <p:sp>
-        <p:nvSpPr>
-          <p:cNvPr id="6" name="Content Placeholder 5">
+              <a:t>Converting from Csv to Json	</a:t>
+            </a:r>
+          </a:p>
+        </p:txBody>
+      </p:sp>
+      <p:pic>
+        <p:nvPicPr>
+          <p:cNvPr id="8" name="Content Placeholder 7">
             <a:extLst>
               <a:ext uri="{FF2B5EF4-FFF2-40B4-BE49-F238E27FC236}">
-                <a16:creationId xmlns:a16="http://schemas.microsoft.com/office/drawing/2014/main" id="{05DBBA15-5A07-4C6F-B2C2-D9635F974B67}"/>
+                <a16:creationId xmlns:a16="http://schemas.microsoft.com/office/drawing/2014/main" id="{B71B28D7-148A-45CA-A010-F3332B8A2D84}"/>
               </a:ext>
             </a:extLst>
           </p:cNvPr>
-          <p:cNvSpPr>
-            <a:spLocks noGrp="1"/>
-          </p:cNvSpPr>
+          <p:cNvPicPr>
+            <a:picLocks noGrp="1" noChangeAspect="1"/>
+          </p:cNvPicPr>
           <p:nvPr>
             <p:ph idx="1"/>
           </p:nvPr>
+        </p:nvPicPr>
+        <p:blipFill>
+          <a:blip r:embed="rId2"/>
+          <a:stretch>
+            <a:fillRect/>
+          </a:stretch>
+        </p:blipFill>
+        <p:spPr>
+          <a:xfrm>
+            <a:off x="6311315" y="685800"/>
+            <a:ext cx="4142958" cy="5105400"/>
+          </a:xfrm>
+        </p:spPr>
+      </p:pic>
+      <p:sp>
+        <p:nvSpPr>
+          <p:cNvPr id="6" name="Text Placeholder 5">
+            <a:extLst>
+              <a:ext uri="{FF2B5EF4-FFF2-40B4-BE49-F238E27FC236}">
+                <a16:creationId xmlns:a16="http://schemas.microsoft.com/office/drawing/2014/main" id="{0E826771-12EF-42B2-9A75-C372863A09F3}"/>
+              </a:ext>
+            </a:extLst>
+          </p:cNvPr>
+          <p:cNvSpPr>
+            <a:spLocks noGrp="1"/>
+          </p:cNvSpPr>
+          <p:nvPr>
+            <p:ph type="body" sz="half" idx="2"/>
+          </p:nvPr>
         </p:nvSpPr>
         <p:spPr/>
         <p:txBody>
@@ -7029,56 +7051,31 @@
           <a:p>
             <a:r>
               <a:rPr lang="en-US" dirty="0"/>
-              <a:t>Flask</a:t>
-            </a:r>
-          </a:p>
-          <a:p>
-            <a:pPr lvl="1"/>
+              <a:t>For us to use </a:t>
+            </a:r>
+            <a:r>
+              <a:rPr lang="en-US" dirty="0" err="1"/>
+              <a:t>plotly</a:t>
+            </a:r>
             <a:r>
               <a:rPr lang="en-US" dirty="0"/>
-              <a:t>Unfortunately on our last day Project </a:t>
+              <a:t> for our visualization the </a:t>
             </a:r>
             <a:r>
               <a:rPr lang="en-US" dirty="0" err="1"/>
-              <a:t>workclass</a:t>
+              <a:t>postgres</a:t>
             </a:r>
             <a:r>
               <a:rPr lang="en-US" dirty="0"/>
-              <a:t> we ran out of time with figuring out the Flask Server </a:t>
-            </a:r>
-          </a:p>
-          <a:p>
-            <a:r>
-              <a:rPr lang="en-US" dirty="0"/>
-              <a:t>Datatypes</a:t>
-            </a:r>
-          </a:p>
-          <a:p>
-            <a:pPr lvl="1"/>
-            <a:r>
-              <a:rPr lang="en-US" dirty="0"/>
-              <a:t>We has an issue visualizing the results column dealing with the datatypes between </a:t>
-            </a:r>
-            <a:r>
-              <a:rPr lang="en-US" dirty="0" err="1"/>
-              <a:t>Sql</a:t>
-            </a:r>
-            <a:r>
-              <a:rPr lang="en-US" dirty="0"/>
-              <a:t> and Python </a:t>
-            </a:r>
-            <a:r>
-              <a:rPr lang="en-US" dirty="0" err="1"/>
-              <a:t>SqlAlchemy</a:t>
-            </a:r>
-            <a:endParaRPr lang="en-US" dirty="0"/>
+              <a:t> data was saved as Csv, converted to Json, to prepare for Plotly.js</a:t>
+            </a:r>
           </a:p>
         </p:txBody>
       </p:sp>
     </p:spTree>
     <p:extLst>
       <p:ext uri="{BB962C8B-B14F-4D97-AF65-F5344CB8AC3E}">
-        <p14:creationId xmlns:p14="http://schemas.microsoft.com/office/powerpoint/2010/main" val="1504774796"/>
+        <p14:creationId xmlns:p14="http://schemas.microsoft.com/office/powerpoint/2010/main" val="3970619744"/>
       </p:ext>
     </p:extLst>
   </p:cSld>
@@ -7107,10 +7104,10 @@
       </p:grpSpPr>
       <p:sp>
         <p:nvSpPr>
-          <p:cNvPr id="2" name="Title 1">
+          <p:cNvPr id="6" name="Title 5">
             <a:extLst>
               <a:ext uri="{FF2B5EF4-FFF2-40B4-BE49-F238E27FC236}">
-                <a16:creationId xmlns:a16="http://schemas.microsoft.com/office/drawing/2014/main" id="{C82925B3-EEE5-4198-9B96-CEC71A014F71}"/>
+                <a16:creationId xmlns:a16="http://schemas.microsoft.com/office/drawing/2014/main" id="{5C61113E-98C1-4019-B1F1-D060DC75A117}"/>
               </a:ext>
             </a:extLst>
           </p:cNvPr>
@@ -7126,39 +7123,213 @@
           <a:bodyPr/>
           <a:lstStyle/>
           <a:p>
-            <a:endParaRPr lang="en-US"/>
-          </a:p>
-        </p:txBody>
-      </p:sp>
-      <p:sp>
-        <p:nvSpPr>
-          <p:cNvPr id="3" name="Content Placeholder 2">
+            <a:r>
+              <a:rPr lang="en-US" dirty="0" err="1"/>
+              <a:t>Plotly</a:t>
+            </a:r>
+            <a:r>
+              <a:rPr lang="en-US" dirty="0"/>
+              <a:t> 	</a:t>
+            </a:r>
+          </a:p>
+        </p:txBody>
+      </p:sp>
+      <p:pic>
+        <p:nvPicPr>
+          <p:cNvPr id="5" name="Content Placeholder 4">
             <a:extLst>
               <a:ext uri="{FF2B5EF4-FFF2-40B4-BE49-F238E27FC236}">
-                <a16:creationId xmlns:a16="http://schemas.microsoft.com/office/drawing/2014/main" id="{2C6396EC-23C7-4B0D-AA66-B3626BE86017}"/>
+                <a16:creationId xmlns:a16="http://schemas.microsoft.com/office/drawing/2014/main" id="{CE13A489-1AE4-42EA-B6A8-45EC4FD48EA8}"/>
               </a:ext>
             </a:extLst>
           </p:cNvPr>
-          <p:cNvSpPr>
-            <a:spLocks noGrp="1"/>
-          </p:cNvSpPr>
+          <p:cNvPicPr>
+            <a:picLocks noGrp="1" noChangeAspect="1"/>
+          </p:cNvPicPr>
           <p:nvPr>
             <p:ph idx="1"/>
           </p:nvPr>
+        </p:nvPicPr>
+        <p:blipFill>
+          <a:blip r:embed="rId2"/>
+          <a:stretch>
+            <a:fillRect/>
+          </a:stretch>
+        </p:blipFill>
+        <p:spPr>
+          <a:xfrm>
+            <a:off x="5477669" y="1119187"/>
+            <a:ext cx="5810250" cy="4238625"/>
+          </a:xfrm>
+        </p:spPr>
+      </p:pic>
+      <p:sp>
+        <p:nvSpPr>
+          <p:cNvPr id="7" name="Text Placeholder 6">
+            <a:extLst>
+              <a:ext uri="{FF2B5EF4-FFF2-40B4-BE49-F238E27FC236}">
+                <a16:creationId xmlns:a16="http://schemas.microsoft.com/office/drawing/2014/main" id="{3F383E9E-DFD5-423D-8192-3B24621BB75A}"/>
+              </a:ext>
+            </a:extLst>
+          </p:cNvPr>
+          <p:cNvSpPr>
+            <a:spLocks noGrp="1"/>
+          </p:cNvSpPr>
+          <p:nvPr>
+            <p:ph type="body" sz="half" idx="2"/>
+          </p:nvPr>
         </p:nvSpPr>
         <p:spPr/>
         <p:txBody>
           <a:bodyPr/>
           <a:lstStyle/>
           <a:p>
-            <a:endParaRPr lang="en-US"/>
+            <a:r>
+              <a:rPr lang="en-US" dirty="0"/>
+              <a:t>Then we wrote the </a:t>
+            </a:r>
+            <a:r>
+              <a:rPr lang="en-US" dirty="0" err="1"/>
+              <a:t>plotly</a:t>
+            </a:r>
+            <a:r>
+              <a:rPr lang="en-US" dirty="0"/>
+              <a:t> script to visualize our data</a:t>
+            </a:r>
           </a:p>
         </p:txBody>
       </p:sp>
     </p:spTree>
     <p:extLst>
       <p:ext uri="{BB962C8B-B14F-4D97-AF65-F5344CB8AC3E}">
-        <p14:creationId xmlns:p14="http://schemas.microsoft.com/office/powerpoint/2010/main" val="3647098461"/>
+        <p14:creationId xmlns:p14="http://schemas.microsoft.com/office/powerpoint/2010/main" val="199489122"/>
+      </p:ext>
+    </p:extLst>
+  </p:cSld>
+  <p:clrMapOvr>
+    <a:masterClrMapping/>
+  </p:clrMapOvr>
+</p:sld>
+</file>
+
+<file path=ppt/slides/slide9.xml><?xml version="1.0" encoding="utf-8"?>
+<p:sld xmlns:a="http://schemas.openxmlformats.org/drawingml/2006/main" xmlns:r="http://schemas.openxmlformats.org/officeDocument/2006/relationships" xmlns:p="http://schemas.openxmlformats.org/presentationml/2006/main">
+  <p:cSld>
+    <p:spTree>
+      <p:nvGrpSpPr>
+        <p:cNvPr id="1" name=""/>
+        <p:cNvGrpSpPr/>
+        <p:nvPr/>
+      </p:nvGrpSpPr>
+      <p:grpSpPr>
+        <a:xfrm>
+          <a:off x="0" y="0"/>
+          <a:ext cx="0" cy="0"/>
+          <a:chOff x="0" y="0"/>
+          <a:chExt cx="0" cy="0"/>
+        </a:xfrm>
+      </p:grpSpPr>
+      <p:sp>
+        <p:nvSpPr>
+          <p:cNvPr id="5" name="Title 4">
+            <a:extLst>
+              <a:ext uri="{FF2B5EF4-FFF2-40B4-BE49-F238E27FC236}">
+                <a16:creationId xmlns:a16="http://schemas.microsoft.com/office/drawing/2014/main" id="{0D7D8DEA-6614-4308-BDDF-2B7DE807DF1C}"/>
+              </a:ext>
+            </a:extLst>
+          </p:cNvPr>
+          <p:cNvSpPr>
+            <a:spLocks noGrp="1"/>
+          </p:cNvSpPr>
+          <p:nvPr>
+            <p:ph type="title"/>
+          </p:nvPr>
+        </p:nvSpPr>
+        <p:spPr/>
+        <p:txBody>
+          <a:bodyPr/>
+          <a:lstStyle/>
+          <a:p>
+            <a:r>
+              <a:rPr lang="en-US" dirty="0"/>
+              <a:t>Challenges</a:t>
+            </a:r>
+          </a:p>
+        </p:txBody>
+      </p:sp>
+      <p:sp>
+        <p:nvSpPr>
+          <p:cNvPr id="6" name="Content Placeholder 5">
+            <a:extLst>
+              <a:ext uri="{FF2B5EF4-FFF2-40B4-BE49-F238E27FC236}">
+                <a16:creationId xmlns:a16="http://schemas.microsoft.com/office/drawing/2014/main" id="{05DBBA15-5A07-4C6F-B2C2-D9635F974B67}"/>
+              </a:ext>
+            </a:extLst>
+          </p:cNvPr>
+          <p:cNvSpPr>
+            <a:spLocks noGrp="1"/>
+          </p:cNvSpPr>
+          <p:nvPr>
+            <p:ph idx="1"/>
+          </p:nvPr>
+        </p:nvSpPr>
+        <p:spPr/>
+        <p:txBody>
+          <a:bodyPr/>
+          <a:lstStyle/>
+          <a:p>
+            <a:r>
+              <a:rPr lang="en-US" dirty="0"/>
+              <a:t>Flask</a:t>
+            </a:r>
+          </a:p>
+          <a:p>
+            <a:pPr lvl="1"/>
+            <a:r>
+              <a:rPr lang="en-US" dirty="0"/>
+              <a:t>Unfortunately on our last day Project </a:t>
+            </a:r>
+            <a:r>
+              <a:rPr lang="en-US" dirty="0" err="1"/>
+              <a:t>workclass</a:t>
+            </a:r>
+            <a:r>
+              <a:rPr lang="en-US" dirty="0"/>
+              <a:t> we ran out of time with figuring out the Flask Server </a:t>
+            </a:r>
+          </a:p>
+          <a:p>
+            <a:r>
+              <a:rPr lang="en-US" dirty="0"/>
+              <a:t>Datatypes</a:t>
+            </a:r>
+          </a:p>
+          <a:p>
+            <a:pPr lvl="1"/>
+            <a:r>
+              <a:rPr lang="en-US" dirty="0"/>
+              <a:t>We has an issue visualizing the results column dealing with the datatypes between </a:t>
+            </a:r>
+            <a:r>
+              <a:rPr lang="en-US" dirty="0" err="1"/>
+              <a:t>Sql</a:t>
+            </a:r>
+            <a:r>
+              <a:rPr lang="en-US" dirty="0"/>
+              <a:t> and Python </a:t>
+            </a:r>
+            <a:r>
+              <a:rPr lang="en-US" dirty="0" err="1"/>
+              <a:t>SqlAlchemy</a:t>
+            </a:r>
+            <a:endParaRPr lang="en-US" dirty="0"/>
+          </a:p>
+        </p:txBody>
+      </p:sp>
+    </p:spTree>
+    <p:extLst>
+      <p:ext uri="{BB962C8B-B14F-4D97-AF65-F5344CB8AC3E}">
+        <p14:creationId xmlns:p14="http://schemas.microsoft.com/office/powerpoint/2010/main" val="1504774796"/>
       </p:ext>
     </p:extLst>
   </p:cSld>

--- a/Olympic Track and Field Insights.pptx
+++ b/Olympic Track and Field Insights.pptx
@@ -2,12 +2,12 @@
 <file path=ppt/presentation.xml><?xml version="1.0" encoding="utf-8"?>
 <p:presentation xmlns:a="http://schemas.openxmlformats.org/drawingml/2006/main" xmlns:r="http://schemas.openxmlformats.org/officeDocument/2006/relationships" xmlns:p="http://schemas.openxmlformats.org/presentationml/2006/main" saveSubsetFonts="1">
   <p:sldMasterIdLst>
-    <p:sldMasterId id="2147483692" r:id="rId1"/>
+    <p:sldMasterId id="2147484805" r:id="rId1"/>
   </p:sldMasterIdLst>
   <p:sldIdLst>
     <p:sldId id="260" r:id="rId2"/>
-    <p:sldId id="257" r:id="rId3"/>
-    <p:sldId id="265" r:id="rId4"/>
+    <p:sldId id="265" r:id="rId3"/>
+    <p:sldId id="257" r:id="rId4"/>
     <p:sldId id="266" r:id="rId5"/>
     <p:sldId id="258" r:id="rId6"/>
     <p:sldId id="261" r:id="rId7"/>
@@ -113,11 +113,16 @@
       </a:defRPr>
     </a:lvl9pPr>
   </p:defaultTextStyle>
+  <p:extLst>
+    <p:ext uri="{EFAFB233-063F-42B5-8137-9DF3F51BA10A}">
+      <p15:sldGuideLst xmlns:p15="http://schemas.microsoft.com/office/powerpoint/2012/main"/>
+    </p:ext>
+  </p:extLst>
 </p:presentation>
 </file>
 
 <file path=ppt/slideLayouts/slideLayout1.xml><?xml version="1.0" encoding="utf-8"?>
-<p:sldLayout xmlns:a="http://schemas.openxmlformats.org/drawingml/2006/main" xmlns:r="http://schemas.openxmlformats.org/officeDocument/2006/relationships" xmlns:p="http://schemas.openxmlformats.org/presentationml/2006/main" showMasterSp="0" type="title" preserve="1">
+<p:sldLayout xmlns:a="http://schemas.openxmlformats.org/drawingml/2006/main" xmlns:r="http://schemas.openxmlformats.org/officeDocument/2006/relationships" xmlns:p="http://schemas.openxmlformats.org/presentationml/2006/main" type="title" preserve="1">
   <p:cSld name="Title Slide">
     <p:spTree>
       <p:nvGrpSpPr>
@@ -133,319 +138,6 @@
           <a:chExt cx="0" cy="0"/>
         </a:xfrm>
       </p:grpSpPr>
-      <p:grpSp>
-        <p:nvGrpSpPr>
-          <p:cNvPr id="19" name="Group 18"/>
-          <p:cNvGrpSpPr/>
-          <p:nvPr/>
-        </p:nvGrpSpPr>
-        <p:grpSpPr>
-          <a:xfrm>
-            <a:off x="546100" y="-4763"/>
-            <a:ext cx="5014912" cy="6862763"/>
-            <a:chOff x="2928938" y="-4763"/>
-            <a:chExt cx="5014912" cy="6862763"/>
-          </a:xfrm>
-        </p:grpSpPr>
-        <p:sp>
-          <p:nvSpPr>
-            <p:cNvPr id="22" name="Freeform 6"/>
-            <p:cNvSpPr/>
-            <p:nvPr/>
-          </p:nvSpPr>
-          <p:spPr bwMode="auto">
-            <a:xfrm>
-              <a:off x="3367088" y="-4763"/>
-              <a:ext cx="1063625" cy="2782888"/>
-            </a:xfrm>
-            <a:custGeom>
-              <a:avLst/>
-              <a:gdLst/>
-              <a:ahLst/>
-              <a:cxnLst/>
-              <a:rect l="0" t="0" r="r" b="b"/>
-              <a:pathLst>
-                <a:path w="670" h="1753">
-                  <a:moveTo>
-                    <a:pt x="0" y="1696"/>
-                  </a:moveTo>
-                  <a:lnTo>
-                    <a:pt x="225" y="1753"/>
-                  </a:lnTo>
-                  <a:lnTo>
-                    <a:pt x="670" y="0"/>
-                  </a:lnTo>
-                  <a:lnTo>
-                    <a:pt x="430" y="0"/>
-                  </a:lnTo>
-                  <a:lnTo>
-                    <a:pt x="0" y="1696"/>
-                  </a:lnTo>
-                  <a:close/>
-                </a:path>
-              </a:pathLst>
-            </a:custGeom>
-            <a:solidFill>
-              <a:schemeClr val="accent1"/>
-            </a:solidFill>
-            <a:ln>
-              <a:noFill/>
-            </a:ln>
-          </p:spPr>
-        </p:sp>
-        <p:sp>
-          <p:nvSpPr>
-            <p:cNvPr id="23" name="Freeform 7"/>
-            <p:cNvSpPr/>
-            <p:nvPr/>
-          </p:nvSpPr>
-          <p:spPr bwMode="auto">
-            <a:xfrm>
-              <a:off x="2928938" y="-4763"/>
-              <a:ext cx="1035050" cy="2673350"/>
-            </a:xfrm>
-            <a:custGeom>
-              <a:avLst/>
-              <a:gdLst/>
-              <a:ahLst/>
-              <a:cxnLst/>
-              <a:rect l="0" t="0" r="r" b="b"/>
-              <a:pathLst>
-                <a:path w="652" h="1684">
-                  <a:moveTo>
-                    <a:pt x="225" y="1684"/>
-                  </a:moveTo>
-                  <a:lnTo>
-                    <a:pt x="652" y="0"/>
-                  </a:lnTo>
-                  <a:lnTo>
-                    <a:pt x="411" y="0"/>
-                  </a:lnTo>
-                  <a:lnTo>
-                    <a:pt x="0" y="1627"/>
-                  </a:lnTo>
-                  <a:lnTo>
-                    <a:pt x="219" y="1681"/>
-                  </a:lnTo>
-                  <a:lnTo>
-                    <a:pt x="225" y="1684"/>
-                  </a:lnTo>
-                  <a:close/>
-                </a:path>
-              </a:pathLst>
-            </a:custGeom>
-            <a:solidFill>
-              <a:schemeClr val="tx1">
-                <a:lumMod val="65000"/>
-                <a:lumOff val="35000"/>
-              </a:schemeClr>
-            </a:solidFill>
-            <a:ln>
-              <a:noFill/>
-            </a:ln>
-          </p:spPr>
-        </p:sp>
-        <p:sp>
-          <p:nvSpPr>
-            <p:cNvPr id="24" name="Freeform 9"/>
-            <p:cNvSpPr/>
-            <p:nvPr/>
-          </p:nvSpPr>
-          <p:spPr bwMode="auto">
-            <a:xfrm>
-              <a:off x="2928938" y="2582862"/>
-              <a:ext cx="2693987" cy="4275138"/>
-            </a:xfrm>
-            <a:custGeom>
-              <a:avLst/>
-              <a:gdLst/>
-              <a:ahLst/>
-              <a:cxnLst/>
-              <a:rect l="0" t="0" r="r" b="b"/>
-              <a:pathLst>
-                <a:path w="1697" h="2693">
-                  <a:moveTo>
-                    <a:pt x="0" y="0"/>
-                  </a:moveTo>
-                  <a:lnTo>
-                    <a:pt x="1622" y="2693"/>
-                  </a:lnTo>
-                  <a:lnTo>
-                    <a:pt x="1697" y="2693"/>
-                  </a:lnTo>
-                  <a:lnTo>
-                    <a:pt x="0" y="0"/>
-                  </a:lnTo>
-                  <a:close/>
-                </a:path>
-              </a:pathLst>
-            </a:custGeom>
-            <a:solidFill>
-              <a:schemeClr val="tx1">
-                <a:lumMod val="85000"/>
-                <a:lumOff val="15000"/>
-              </a:schemeClr>
-            </a:solidFill>
-            <a:ln>
-              <a:noFill/>
-            </a:ln>
-          </p:spPr>
-        </p:sp>
-        <p:sp>
-          <p:nvSpPr>
-            <p:cNvPr id="25" name="Freeform 10"/>
-            <p:cNvSpPr/>
-            <p:nvPr/>
-          </p:nvSpPr>
-          <p:spPr bwMode="auto">
-            <a:xfrm>
-              <a:off x="3371850" y="2692400"/>
-              <a:ext cx="3332162" cy="4165600"/>
-            </a:xfrm>
-            <a:custGeom>
-              <a:avLst/>
-              <a:gdLst/>
-              <a:ahLst/>
-              <a:cxnLst/>
-              <a:rect l="0" t="0" r="r" b="b"/>
-              <a:pathLst>
-                <a:path w="2099" h="2624">
-                  <a:moveTo>
-                    <a:pt x="2099" y="2624"/>
-                  </a:moveTo>
-                  <a:lnTo>
-                    <a:pt x="0" y="0"/>
-                  </a:lnTo>
-                  <a:lnTo>
-                    <a:pt x="2021" y="2624"/>
-                  </a:lnTo>
-                  <a:lnTo>
-                    <a:pt x="2099" y="2624"/>
-                  </a:lnTo>
-                  <a:close/>
-                </a:path>
-              </a:pathLst>
-            </a:custGeom>
-            <a:solidFill>
-              <a:schemeClr val="accent1">
-                <a:lumMod val="50000"/>
-              </a:schemeClr>
-            </a:solidFill>
-            <a:ln>
-              <a:noFill/>
-            </a:ln>
-          </p:spPr>
-        </p:sp>
-        <p:sp>
-          <p:nvSpPr>
-            <p:cNvPr id="26" name="Freeform 11"/>
-            <p:cNvSpPr/>
-            <p:nvPr/>
-          </p:nvSpPr>
-          <p:spPr bwMode="auto">
-            <a:xfrm>
-              <a:off x="3367088" y="2687637"/>
-              <a:ext cx="4576762" cy="4170363"/>
-            </a:xfrm>
-            <a:custGeom>
-              <a:avLst/>
-              <a:gdLst/>
-              <a:ahLst/>
-              <a:cxnLst/>
-              <a:rect l="0" t="0" r="r" b="b"/>
-              <a:pathLst>
-                <a:path w="2883" h="2627">
-                  <a:moveTo>
-                    <a:pt x="0" y="0"/>
-                  </a:moveTo>
-                  <a:lnTo>
-                    <a:pt x="3" y="3"/>
-                  </a:lnTo>
-                  <a:lnTo>
-                    <a:pt x="2102" y="2627"/>
-                  </a:lnTo>
-                  <a:lnTo>
-                    <a:pt x="2883" y="2627"/>
-                  </a:lnTo>
-                  <a:lnTo>
-                    <a:pt x="225" y="57"/>
-                  </a:lnTo>
-                  <a:lnTo>
-                    <a:pt x="0" y="0"/>
-                  </a:lnTo>
-                  <a:close/>
-                </a:path>
-              </a:pathLst>
-            </a:custGeom>
-            <a:solidFill>
-              <a:schemeClr val="accent1">
-                <a:lumMod val="75000"/>
-              </a:schemeClr>
-            </a:solidFill>
-            <a:ln>
-              <a:noFill/>
-            </a:ln>
-          </p:spPr>
-        </p:sp>
-        <p:sp>
-          <p:nvSpPr>
-            <p:cNvPr id="27" name="Freeform 12"/>
-            <p:cNvSpPr/>
-            <p:nvPr/>
-          </p:nvSpPr>
-          <p:spPr bwMode="auto">
-            <a:xfrm>
-              <a:off x="2928938" y="2578100"/>
-              <a:ext cx="3584575" cy="4279900"/>
-            </a:xfrm>
-            <a:custGeom>
-              <a:avLst/>
-              <a:gdLst/>
-              <a:ahLst/>
-              <a:cxnLst/>
-              <a:rect l="0" t="0" r="r" b="b"/>
-              <a:pathLst>
-                <a:path w="2258" h="2696">
-                  <a:moveTo>
-                    <a:pt x="2258" y="2696"/>
-                  </a:moveTo>
-                  <a:lnTo>
-                    <a:pt x="264" y="111"/>
-                  </a:lnTo>
-                  <a:lnTo>
-                    <a:pt x="228" y="60"/>
-                  </a:lnTo>
-                  <a:lnTo>
-                    <a:pt x="225" y="57"/>
-                  </a:lnTo>
-                  <a:lnTo>
-                    <a:pt x="0" y="0"/>
-                  </a:lnTo>
-                  <a:lnTo>
-                    <a:pt x="0" y="3"/>
-                  </a:lnTo>
-                  <a:lnTo>
-                    <a:pt x="1697" y="2696"/>
-                  </a:lnTo>
-                  <a:lnTo>
-                    <a:pt x="2258" y="2696"/>
-                  </a:lnTo>
-                  <a:close/>
-                </a:path>
-              </a:pathLst>
-            </a:custGeom>
-            <a:solidFill>
-              <a:schemeClr val="tx1">
-                <a:lumMod val="75000"/>
-                <a:lumOff val="25000"/>
-              </a:schemeClr>
-            </a:solidFill>
-            <a:ln>
-              <a:noFill/>
-            </a:ln>
-          </p:spPr>
-        </p:sp>
-      </p:grpSp>
       <p:sp>
         <p:nvSpPr>
           <p:cNvPr id="2" name="Title 1"/>
@@ -458,19 +150,15 @@
         </p:nvSpPr>
         <p:spPr>
           <a:xfrm>
-            <a:off x="2928401" y="1380068"/>
-            <a:ext cx="8574622" cy="2616199"/>
-          </a:xfrm>
-        </p:spPr>
-        <p:txBody>
-          <a:bodyPr anchor="b">
-            <a:normAutofit/>
-          </a:bodyPr>
+            <a:off x="1154955" y="1447800"/>
+            <a:ext cx="8825658" cy="3329581"/>
+          </a:xfrm>
+        </p:spPr>
+        <p:txBody>
+          <a:bodyPr anchor="b"/>
           <a:lstStyle>
-            <a:lvl1pPr algn="r">
-              <a:defRPr sz="6000">
-                <a:effectLst/>
-              </a:defRPr>
+            <a:lvl1pPr>
+              <a:defRPr sz="7200"/>
             </a:lvl1pPr>
           </a:lstStyle>
           <a:p>
@@ -494,20 +182,21 @@
         </p:nvSpPr>
         <p:spPr>
           <a:xfrm>
-            <a:off x="4515377" y="3996267"/>
-            <a:ext cx="6987645" cy="1388534"/>
-          </a:xfrm>
-        </p:spPr>
-        <p:txBody>
-          <a:bodyPr anchor="t">
-            <a:normAutofit/>
-          </a:bodyPr>
+            <a:off x="1154955" y="4777380"/>
+            <a:ext cx="8825658" cy="861420"/>
+          </a:xfrm>
+        </p:spPr>
+        <p:txBody>
+          <a:bodyPr anchor="t"/>
           <a:lstStyle>
-            <a:lvl1pPr marL="0" indent="0" algn="r">
-              <a:buNone/>
-              <a:defRPr sz="2100">
+            <a:lvl1pPr marL="0" indent="0" algn="l">
+              <a:buNone/>
+              <a:defRPr cap="all">
                 <a:solidFill>
-                  <a:schemeClr val="tx1"/>
+                  <a:schemeClr val="bg2">
+                    <a:lumMod val="40000"/>
+                    <a:lumOff val="60000"/>
+                  </a:schemeClr>
                 </a:solidFill>
               </a:defRPr>
             </a:lvl1pPr>
@@ -618,7 +307,7 @@
           <a:p>
             <a:fld id="{A5069159-9A21-43DE-98CD-556719D78758}" type="datetimeFigureOut">
               <a:rPr lang="en-US" smtClean="0"/>
-              <a:t>7/21/2021</a:t>
+              <a:t>7/22/21</a:t>
             </a:fld>
             <a:endParaRPr lang="en-US"/>
           </a:p>
@@ -634,12 +323,7 @@
             <p:ph type="ftr" sz="quarter" idx="11"/>
           </p:nvPr>
         </p:nvSpPr>
-        <p:spPr>
-          <a:xfrm>
-            <a:off x="5332412" y="5883275"/>
-            <a:ext cx="4324044" cy="365125"/>
-          </a:xfrm>
-        </p:spPr>
+        <p:spPr/>
         <p:txBody>
           <a:bodyPr/>
           <a:lstStyle/>
@@ -674,7 +358,7 @@
     </p:spTree>
     <p:extLst>
       <p:ext uri="{BB962C8B-B14F-4D97-AF65-F5344CB8AC3E}">
-        <p14:creationId xmlns:p14="http://schemas.microsoft.com/office/powerpoint/2010/main" val="3582848420"/>
+        <p14:creationId xmlns:p14="http://schemas.microsoft.com/office/powerpoint/2010/main" val="3010746636"/>
       </p:ext>
     </p:extLst>
   </p:cSld>
@@ -713,8 +397,8 @@
         </p:nvSpPr>
         <p:spPr>
           <a:xfrm>
-            <a:off x="1484311" y="4732865"/>
-            <a:ext cx="10018711" cy="566738"/>
+            <a:off x="1154956" y="4800587"/>
+            <a:ext cx="8825657" cy="566738"/>
           </a:xfrm>
         </p:spPr>
         <p:txBody>
@@ -722,7 +406,7 @@
             <a:normAutofit/>
           </a:bodyPr>
           <a:lstStyle>
-            <a:lvl1pPr algn="ctr">
+            <a:lvl1pPr algn="l">
               <a:defRPr sz="2400" b="0"/>
             </a:lvl1pPr>
           </a:lstStyle>
@@ -747,36 +431,20 @@
         </p:nvSpPr>
         <p:spPr>
           <a:xfrm>
-            <a:off x="2386012" y="932112"/>
-            <a:ext cx="8225944" cy="3164976"/>
+            <a:off x="1154955" y="685800"/>
+            <a:ext cx="8825658" cy="3640666"/>
           </a:xfrm>
           <a:prstGeom prst="roundRect">
             <a:avLst>
-              <a:gd name="adj" fmla="val 4380"/>
+              <a:gd name="adj" fmla="val 1858"/>
             </a:avLst>
           </a:prstGeom>
-          <a:ln w="38100">
-            <a:gradFill flip="none" rotWithShape="1">
-              <a:gsLst>
-                <a:gs pos="0">
-                  <a:schemeClr val="bg2"/>
-                </a:gs>
-                <a:gs pos="100000">
-                  <a:schemeClr val="bg2">
-                    <a:lumMod val="75000"/>
-                  </a:schemeClr>
-                </a:gs>
-              </a:gsLst>
-              <a:lin ang="5400000" scaled="0"/>
-              <a:tileRect/>
-            </a:gradFill>
-          </a:ln>
           <a:effectLst>
-            <a:innerShdw blurRad="57150" dist="38100" dir="14460000">
+            <a:outerShdw blurRad="50800" dist="50800" dir="5400000" algn="tl" rotWithShape="0">
               <a:srgbClr val="000000">
-                <a:alpha val="70000"/>
+                <a:alpha val="43000"/>
               </a:srgbClr>
-            </a:innerShdw>
+            </a:outerShdw>
           </a:effectLst>
         </p:spPr>
         <p:txBody>
@@ -842,8 +510,8 @@
         </p:nvSpPr>
         <p:spPr>
           <a:xfrm>
-            <a:off x="1484311" y="5299603"/>
-            <a:ext cx="10018711" cy="493712"/>
+            <a:off x="1154956" y="5367325"/>
+            <a:ext cx="8825656" cy="493712"/>
           </a:xfrm>
         </p:spPr>
         <p:txBody>
@@ -851,9 +519,9 @@
             <a:normAutofit/>
           </a:bodyPr>
           <a:lstStyle>
-            <a:lvl1pPr marL="0" indent="0" algn="ctr">
-              <a:buNone/>
-              <a:defRPr sz="1400"/>
+            <a:lvl1pPr marL="0" indent="0">
+              <a:buNone/>
+              <a:defRPr sz="1200"/>
             </a:lvl1pPr>
             <a:lvl2pPr marL="457200" indent="0">
               <a:buNone/>
@@ -892,7 +560,7 @@
             <a:pPr lvl="0"/>
             <a:r>
               <a:rPr lang="en-US"/>
-              <a:t>Click to edit Master text styles</a:t>
+              <a:t>Edit Master text styles</a:t>
             </a:r>
           </a:p>
         </p:txBody>
@@ -914,7 +582,7 @@
           <a:p>
             <a:fld id="{A5069159-9A21-43DE-98CD-556719D78758}" type="datetimeFigureOut">
               <a:rPr lang="en-US" smtClean="0"/>
-              <a:t>7/21/2021</a:t>
+              <a:t>7/22/21</a:t>
             </a:fld>
             <a:endParaRPr lang="en-US"/>
           </a:p>
@@ -965,7 +633,7 @@
     </p:spTree>
     <p:extLst>
       <p:ext uri="{BB962C8B-B14F-4D97-AF65-F5344CB8AC3E}">
-        <p14:creationId xmlns:p14="http://schemas.microsoft.com/office/powerpoint/2010/main" val="640255819"/>
+        <p14:creationId xmlns:p14="http://schemas.microsoft.com/office/powerpoint/2010/main" val="3050125404"/>
       </p:ext>
     </p:extLst>
   </p:cSld>
@@ -1004,8 +672,40 @@
         </p:nvSpPr>
         <p:spPr>
           <a:xfrm>
-            <a:off x="1484312" y="685800"/>
-            <a:ext cx="10018711" cy="3048000"/>
+            <a:off x="1154954" y="1447800"/>
+            <a:ext cx="8825659" cy="1981200"/>
+          </a:xfrm>
+        </p:spPr>
+        <p:txBody>
+          <a:bodyPr/>
+          <a:lstStyle>
+            <a:lvl1pPr>
+              <a:defRPr sz="4800"/>
+            </a:lvl1pPr>
+          </a:lstStyle>
+          <a:p>
+            <a:r>
+              <a:rPr lang="en-US"/>
+              <a:t>Click to edit Master title style</a:t>
+            </a:r>
+            <a:endParaRPr lang="en-US" dirty="0"/>
+          </a:p>
+        </p:txBody>
+      </p:sp>
+      <p:sp>
+        <p:nvSpPr>
+          <p:cNvPr id="8" name="Text Placeholder 3"/>
+          <p:cNvSpPr>
+            <a:spLocks noGrp="1"/>
+          </p:cNvSpPr>
+          <p:nvPr>
+            <p:ph type="body" sz="half" idx="2"/>
+          </p:nvPr>
+        </p:nvSpPr>
+        <p:spPr>
+          <a:xfrm>
+            <a:off x="1154954" y="3657600"/>
+            <a:ext cx="8825659" cy="2362200"/>
           </a:xfrm>
         </p:spPr>
         <p:txBody>
@@ -1013,134 +713,48 @@
             <a:normAutofit/>
           </a:bodyPr>
           <a:lstStyle>
-            <a:lvl1pPr algn="ctr">
-              <a:defRPr sz="3200" b="0" cap="none"/>
-            </a:lvl1pPr>
-          </a:lstStyle>
-          <a:p>
-            <a:r>
-              <a:rPr lang="en-US"/>
-              <a:t>Click to edit Master title style</a:t>
-            </a:r>
-            <a:endParaRPr lang="en-US" dirty="0"/>
-          </a:p>
-        </p:txBody>
-      </p:sp>
-      <p:sp>
-        <p:nvSpPr>
-          <p:cNvPr id="3" name="Text Placeholder 2"/>
-          <p:cNvSpPr>
-            <a:spLocks noGrp="1"/>
-          </p:cNvSpPr>
-          <p:nvPr>
-            <p:ph type="body" idx="1"/>
-          </p:nvPr>
-        </p:nvSpPr>
-        <p:spPr>
-          <a:xfrm>
-            <a:off x="1484312" y="4343400"/>
-            <a:ext cx="10018713" cy="1447800"/>
-          </a:xfrm>
-        </p:spPr>
-        <p:txBody>
-          <a:bodyPr anchor="ctr">
-            <a:normAutofit/>
-          </a:bodyPr>
-          <a:lstStyle>
-            <a:lvl1pPr marL="0" indent="0" algn="ctr">
-              <a:buNone/>
-              <a:defRPr sz="2000">
-                <a:solidFill>
-                  <a:schemeClr val="tx1"/>
-                </a:solidFill>
-              </a:defRPr>
+            <a:lvl1pPr marL="0" indent="0">
+              <a:buNone/>
+              <a:defRPr sz="1800"/>
             </a:lvl1pPr>
             <a:lvl2pPr marL="457200" indent="0">
               <a:buNone/>
-              <a:defRPr sz="1800">
-                <a:solidFill>
-                  <a:schemeClr val="tx1">
-                    <a:tint val="75000"/>
-                  </a:schemeClr>
-                </a:solidFill>
-              </a:defRPr>
+              <a:defRPr sz="1200"/>
             </a:lvl2pPr>
             <a:lvl3pPr marL="914400" indent="0">
               <a:buNone/>
-              <a:defRPr sz="1600">
-                <a:solidFill>
-                  <a:schemeClr val="tx1">
-                    <a:tint val="75000"/>
-                  </a:schemeClr>
-                </a:solidFill>
-              </a:defRPr>
+              <a:defRPr sz="1000"/>
             </a:lvl3pPr>
             <a:lvl4pPr marL="1371600" indent="0">
               <a:buNone/>
-              <a:defRPr sz="1400">
-                <a:solidFill>
-                  <a:schemeClr val="tx1">
-                    <a:tint val="75000"/>
-                  </a:schemeClr>
-                </a:solidFill>
-              </a:defRPr>
+              <a:defRPr sz="900"/>
             </a:lvl4pPr>
             <a:lvl5pPr marL="1828800" indent="0">
               <a:buNone/>
-              <a:defRPr sz="1400">
-                <a:solidFill>
-                  <a:schemeClr val="tx1">
-                    <a:tint val="75000"/>
-                  </a:schemeClr>
-                </a:solidFill>
-              </a:defRPr>
+              <a:defRPr sz="900"/>
             </a:lvl5pPr>
             <a:lvl6pPr marL="2286000" indent="0">
               <a:buNone/>
-              <a:defRPr sz="1400">
-                <a:solidFill>
-                  <a:schemeClr val="tx1">
-                    <a:tint val="75000"/>
-                  </a:schemeClr>
-                </a:solidFill>
-              </a:defRPr>
+              <a:defRPr sz="900"/>
             </a:lvl6pPr>
             <a:lvl7pPr marL="2743200" indent="0">
               <a:buNone/>
-              <a:defRPr sz="1400">
-                <a:solidFill>
-                  <a:schemeClr val="tx1">
-                    <a:tint val="75000"/>
-                  </a:schemeClr>
-                </a:solidFill>
-              </a:defRPr>
+              <a:defRPr sz="900"/>
             </a:lvl7pPr>
             <a:lvl8pPr marL="3200400" indent="0">
               <a:buNone/>
-              <a:defRPr sz="1400">
-                <a:solidFill>
-                  <a:schemeClr val="tx1">
-                    <a:tint val="75000"/>
-                  </a:schemeClr>
-                </a:solidFill>
-              </a:defRPr>
+              <a:defRPr sz="900"/>
             </a:lvl8pPr>
             <a:lvl9pPr marL="3657600" indent="0">
               <a:buNone/>
-              <a:defRPr sz="1400">
-                <a:solidFill>
-                  <a:schemeClr val="tx1">
-                    <a:tint val="75000"/>
-                  </a:schemeClr>
-                </a:solidFill>
-              </a:defRPr>
+              <a:defRPr sz="900"/>
             </a:lvl9pPr>
           </a:lstStyle>
           <a:p>
             <a:pPr lvl="0"/>
             <a:r>
               <a:rPr lang="en-US"/>
-              <a:t>Click to edit Master text styles</a:t>
+              <a:t>Edit Master text styles</a:t>
             </a:r>
           </a:p>
         </p:txBody>
@@ -1162,7 +776,7 @@
           <a:p>
             <a:fld id="{A5069159-9A21-43DE-98CD-556719D78758}" type="datetimeFigureOut">
               <a:rPr lang="en-US" smtClean="0"/>
-              <a:t>7/21/2021</a:t>
+              <a:t>7/22/21</a:t>
             </a:fld>
             <a:endParaRPr lang="en-US"/>
           </a:p>
@@ -1213,7 +827,7 @@
     </p:spTree>
     <p:extLst>
       <p:ext uri="{BB962C8B-B14F-4D97-AF65-F5344CB8AC3E}">
-        <p14:creationId xmlns:p14="http://schemas.microsoft.com/office/powerpoint/2010/main" val="2326946444"/>
+        <p14:creationId xmlns:p14="http://schemas.microsoft.com/office/powerpoint/2010/main" val="2259173291"/>
       </p:ext>
     </p:extLst>
   </p:cSld>
@@ -1242,288 +856,129 @@
       </p:grpSpPr>
       <p:sp>
         <p:nvSpPr>
-          <p:cNvPr id="14" name="TextBox 13"/>
-          <p:cNvSpPr txBox="1"/>
-          <p:nvPr/>
-        </p:nvSpPr>
-        <p:spPr>
-          <a:xfrm>
-            <a:off x="1598612" y="863023"/>
-            <a:ext cx="609600" cy="584776"/>
-          </a:xfrm>
-          <a:prstGeom prst="rect">
-            <a:avLst/>
-          </a:prstGeom>
-        </p:spPr>
-        <p:txBody>
-          <a:bodyPr vert="horz" lIns="91440" tIns="45720" rIns="91440" bIns="45720" rtlCol="0" anchor="ctr">
-            <a:noAutofit/>
-          </a:bodyPr>
+          <p:cNvPr id="2" name="Title 1"/>
+          <p:cNvSpPr>
+            <a:spLocks noGrp="1"/>
+          </p:cNvSpPr>
+          <p:nvPr>
+            <p:ph type="title"/>
+          </p:nvPr>
+        </p:nvSpPr>
+        <p:spPr>
+          <a:xfrm>
+            <a:off x="1574801" y="1447800"/>
+            <a:ext cx="7999315" cy="2323374"/>
+          </a:xfrm>
+        </p:spPr>
+        <p:txBody>
+          <a:bodyPr/>
           <a:lstStyle>
             <a:lvl1pPr>
-              <a:spcBef>
-                <a:spcPct val="0"/>
-              </a:spcBef>
-              <a:buNone/>
-              <a:defRPr sz="3200" b="0" cap="all">
-                <a:ln w="3175" cmpd="sng">
-                  <a:noFill/>
-                </a:ln>
-                <a:effectLst>
-                  <a:glow rad="38100">
-                    <a:schemeClr val="bg1">
-                      <a:lumMod val="65000"/>
-                      <a:lumOff val="35000"/>
-                      <a:alpha val="40000"/>
-                    </a:schemeClr>
-                  </a:glow>
-                  <a:outerShdw blurRad="28575" dist="38100" dir="14040000" algn="tl" rotWithShape="0">
-                    <a:srgbClr val="000000">
-                      <a:alpha val="25000"/>
-                    </a:srgbClr>
-                  </a:outerShdw>
-                </a:effectLst>
-              </a:defRPr>
+              <a:defRPr sz="4800"/>
             </a:lvl1pPr>
-            <a:lvl2pPr>
-              <a:defRPr>
-                <a:solidFill>
-                  <a:schemeClr val="tx2"/>
-                </a:solidFill>
-              </a:defRPr>
-            </a:lvl2pPr>
-            <a:lvl3pPr>
-              <a:defRPr>
-                <a:solidFill>
-                  <a:schemeClr val="tx2"/>
-                </a:solidFill>
-              </a:defRPr>
-            </a:lvl3pPr>
-            <a:lvl4pPr>
-              <a:defRPr>
-                <a:solidFill>
-                  <a:schemeClr val="tx2"/>
-                </a:solidFill>
-              </a:defRPr>
-            </a:lvl4pPr>
-            <a:lvl5pPr>
-              <a:defRPr>
-                <a:solidFill>
-                  <a:schemeClr val="tx2"/>
-                </a:solidFill>
-              </a:defRPr>
-            </a:lvl5pPr>
-            <a:lvl6pPr>
-              <a:defRPr>
-                <a:solidFill>
-                  <a:schemeClr val="tx2"/>
-                </a:solidFill>
-              </a:defRPr>
-            </a:lvl6pPr>
-            <a:lvl7pPr>
-              <a:defRPr>
-                <a:solidFill>
-                  <a:schemeClr val="tx2"/>
-                </a:solidFill>
-              </a:defRPr>
-            </a:lvl7pPr>
-            <a:lvl8pPr>
-              <a:defRPr>
-                <a:solidFill>
-                  <a:schemeClr val="tx2"/>
-                </a:solidFill>
-              </a:defRPr>
-            </a:lvl8pPr>
-            <a:lvl9pPr>
-              <a:defRPr>
-                <a:solidFill>
-                  <a:schemeClr val="tx2"/>
-                </a:solidFill>
-              </a:defRPr>
-            </a:lvl9pPr>
           </a:lstStyle>
           <a:p>
-            <a:pPr lvl="0"/>
-            <a:r>
-              <a:rPr lang="en-US" sz="8000" dirty="0">
-                <a:solidFill>
-                  <a:schemeClr val="tx1"/>
-                </a:solidFill>
-                <a:effectLst/>
-              </a:rPr>
-              <a:t>“</a:t>
-            </a:r>
-          </a:p>
-        </p:txBody>
-      </p:sp>
-      <p:sp>
-        <p:nvSpPr>
-          <p:cNvPr id="15" name="TextBox 14"/>
-          <p:cNvSpPr txBox="1"/>
-          <p:nvPr/>
-        </p:nvSpPr>
-        <p:spPr>
-          <a:xfrm>
-            <a:off x="10893425" y="2819399"/>
-            <a:ext cx="609600" cy="584776"/>
-          </a:xfrm>
-          <a:prstGeom prst="rect">
-            <a:avLst/>
-          </a:prstGeom>
-        </p:spPr>
-        <p:txBody>
-          <a:bodyPr vert="horz" lIns="91440" tIns="45720" rIns="91440" bIns="45720" rtlCol="0" anchor="ctr">
-            <a:noAutofit/>
-          </a:bodyPr>
-          <a:lstStyle>
-            <a:lvl1pPr>
-              <a:spcBef>
-                <a:spcPct val="0"/>
-              </a:spcBef>
-              <a:buNone/>
-              <a:defRPr sz="3200" b="0" cap="all">
-                <a:ln w="3175" cmpd="sng">
-                  <a:noFill/>
-                </a:ln>
-                <a:effectLst>
-                  <a:glow rad="38100">
-                    <a:schemeClr val="bg1">
-                      <a:lumMod val="65000"/>
-                      <a:lumOff val="35000"/>
-                      <a:alpha val="40000"/>
-                    </a:schemeClr>
-                  </a:glow>
-                  <a:outerShdw blurRad="28575" dist="38100" dir="14040000" algn="tl" rotWithShape="0">
-                    <a:srgbClr val="000000">
-                      <a:alpha val="25000"/>
-                    </a:srgbClr>
-                  </a:outerShdw>
-                </a:effectLst>
-              </a:defRPr>
-            </a:lvl1pPr>
-            <a:lvl2pPr>
-              <a:defRPr>
-                <a:solidFill>
-                  <a:schemeClr val="tx2"/>
-                </a:solidFill>
-              </a:defRPr>
-            </a:lvl2pPr>
-            <a:lvl3pPr>
-              <a:defRPr>
-                <a:solidFill>
-                  <a:schemeClr val="tx2"/>
-                </a:solidFill>
-              </a:defRPr>
-            </a:lvl3pPr>
-            <a:lvl4pPr>
-              <a:defRPr>
-                <a:solidFill>
-                  <a:schemeClr val="tx2"/>
-                </a:solidFill>
-              </a:defRPr>
-            </a:lvl4pPr>
-            <a:lvl5pPr>
-              <a:defRPr>
-                <a:solidFill>
-                  <a:schemeClr val="tx2"/>
-                </a:solidFill>
-              </a:defRPr>
-            </a:lvl5pPr>
-            <a:lvl6pPr>
-              <a:defRPr>
-                <a:solidFill>
-                  <a:schemeClr val="tx2"/>
-                </a:solidFill>
-              </a:defRPr>
-            </a:lvl6pPr>
-            <a:lvl7pPr>
-              <a:defRPr>
-                <a:solidFill>
-                  <a:schemeClr val="tx2"/>
-                </a:solidFill>
-              </a:defRPr>
-            </a:lvl7pPr>
-            <a:lvl8pPr>
-              <a:defRPr>
-                <a:solidFill>
-                  <a:schemeClr val="tx2"/>
-                </a:solidFill>
-              </a:defRPr>
-            </a:lvl8pPr>
-            <a:lvl9pPr>
-              <a:defRPr>
-                <a:solidFill>
-                  <a:schemeClr val="tx2"/>
-                </a:solidFill>
-              </a:defRPr>
-            </a:lvl9pPr>
-          </a:lstStyle>
-          <a:p>
-            <a:pPr lvl="0" algn="r"/>
-            <a:r>
-              <a:rPr lang="en-US" sz="8000" dirty="0">
-                <a:solidFill>
-                  <a:schemeClr val="tx1"/>
-                </a:solidFill>
-                <a:effectLst/>
-              </a:rPr>
-              <a:t>”</a:t>
-            </a:r>
-          </a:p>
-        </p:txBody>
-      </p:sp>
-      <p:sp>
-        <p:nvSpPr>
-          <p:cNvPr id="2" name="Title 1"/>
-          <p:cNvSpPr>
-            <a:spLocks noGrp="1"/>
-          </p:cNvSpPr>
-          <p:nvPr>
-            <p:ph type="title"/>
-          </p:nvPr>
-        </p:nvSpPr>
-        <p:spPr>
-          <a:xfrm>
-            <a:off x="2208212" y="685800"/>
-            <a:ext cx="8990012" cy="2743199"/>
-          </a:xfrm>
-        </p:spPr>
-        <p:txBody>
-          <a:bodyPr anchor="ctr">
+            <a:r>
+              <a:rPr lang="en-US"/>
+              <a:t>Click to edit Master title style</a:t>
+            </a:r>
+            <a:endParaRPr lang="en-US" dirty="0"/>
+          </a:p>
+        </p:txBody>
+      </p:sp>
+      <p:sp>
+        <p:nvSpPr>
+          <p:cNvPr id="11" name="Text Placeholder 3"/>
+          <p:cNvSpPr>
+            <a:spLocks noGrp="1"/>
+          </p:cNvSpPr>
+          <p:nvPr>
+            <p:ph type="body" sz="half" idx="14"/>
+          </p:nvPr>
+        </p:nvSpPr>
+        <p:spPr>
+          <a:xfrm>
+            <a:off x="1930400" y="3771174"/>
+            <a:ext cx="7279649" cy="342174"/>
+          </a:xfrm>
+        </p:spPr>
+        <p:txBody>
+          <a:bodyPr vert="horz" lIns="91440" tIns="45720" rIns="91440" bIns="45720" rtlCol="0" anchor="t">
             <a:normAutofit/>
           </a:bodyPr>
           <a:lstStyle>
-            <a:lvl1pPr algn="ctr">
-              <a:defRPr sz="3200" b="0" cap="none">
+            <a:lvl1pPr marL="0" indent="0">
+              <a:buNone/>
+              <a:defRPr lang="en-US" sz="1400" b="0" i="0" kern="1200" cap="small" dirty="0">
                 <a:solidFill>
-                  <a:schemeClr val="tx1"/>
+                  <a:schemeClr val="bg2">
+                    <a:lumMod val="40000"/>
+                    <a:lumOff val="60000"/>
+                  </a:schemeClr>
                 </a:solidFill>
+                <a:latin typeface="+mj-lt"/>
+                <a:ea typeface="+mj-ea"/>
+                <a:cs typeface="+mj-cs"/>
               </a:defRPr>
             </a:lvl1pPr>
+            <a:lvl2pPr marL="457200" indent="0">
+              <a:buNone/>
+              <a:defRPr sz="1200"/>
+            </a:lvl2pPr>
+            <a:lvl3pPr marL="914400" indent="0">
+              <a:buNone/>
+              <a:defRPr sz="1000"/>
+            </a:lvl3pPr>
+            <a:lvl4pPr marL="1371600" indent="0">
+              <a:buNone/>
+              <a:defRPr sz="900"/>
+            </a:lvl4pPr>
+            <a:lvl5pPr marL="1828800" indent="0">
+              <a:buNone/>
+              <a:defRPr sz="900"/>
+            </a:lvl5pPr>
+            <a:lvl6pPr marL="2286000" indent="0">
+              <a:buNone/>
+              <a:defRPr sz="900"/>
+            </a:lvl6pPr>
+            <a:lvl7pPr marL="2743200" indent="0">
+              <a:buNone/>
+              <a:defRPr sz="900"/>
+            </a:lvl7pPr>
+            <a:lvl8pPr marL="3200400" indent="0">
+              <a:buNone/>
+              <a:defRPr sz="900"/>
+            </a:lvl8pPr>
+            <a:lvl9pPr marL="3657600" indent="0">
+              <a:buNone/>
+              <a:defRPr sz="900"/>
+            </a:lvl9pPr>
           </a:lstStyle>
           <a:p>
-            <a:r>
-              <a:rPr lang="en-US"/>
-              <a:t>Click to edit Master title style</a:t>
-            </a:r>
-            <a:endParaRPr lang="en-US" dirty="0"/>
-          </a:p>
-        </p:txBody>
-      </p:sp>
-      <p:sp>
-        <p:nvSpPr>
-          <p:cNvPr id="10" name="Text Placeholder 9"/>
-          <p:cNvSpPr>
-            <a:spLocks noGrp="1"/>
-          </p:cNvSpPr>
-          <p:nvPr>
-            <p:ph type="body" sz="quarter" idx="13"/>
-          </p:nvPr>
-        </p:nvSpPr>
-        <p:spPr>
-          <a:xfrm>
-            <a:off x="2436811" y="3428999"/>
-            <a:ext cx="8532815" cy="381000"/>
+            <a:pPr marL="0" lvl="0" indent="0">
+              <a:buNone/>
+            </a:pPr>
+            <a:r>
+              <a:rPr lang="en-US"/>
+              <a:t>Edit Master text styles</a:t>
+            </a:r>
+          </a:p>
+        </p:txBody>
+      </p:sp>
+      <p:sp>
+        <p:nvSpPr>
+          <p:cNvPr id="10" name="Text Placeholder 3"/>
+          <p:cNvSpPr>
+            <a:spLocks noGrp="1"/>
+          </p:cNvSpPr>
+          <p:nvPr>
+            <p:ph type="body" sz="half" idx="2"/>
+          </p:nvPr>
+        </p:nvSpPr>
+        <p:spPr>
+          <a:xfrm>
+            <a:off x="1154954" y="4350657"/>
+            <a:ext cx="8825659" cy="1676400"/>
           </a:xfrm>
         </p:spPr>
         <p:txBody>
@@ -1532,155 +987,47 @@
           </a:bodyPr>
           <a:lstStyle>
             <a:lvl1pPr marL="0" indent="0">
-              <a:buFontTx/>
               <a:buNone/>
               <a:defRPr sz="1800"/>
             </a:lvl1pPr>
             <a:lvl2pPr marL="457200" indent="0">
-              <a:buFontTx/>
-              <a:buNone/>
-              <a:defRPr/>
+              <a:buNone/>
+              <a:defRPr sz="1200"/>
             </a:lvl2pPr>
             <a:lvl3pPr marL="914400" indent="0">
-              <a:buFontTx/>
-              <a:buNone/>
-              <a:defRPr/>
+              <a:buNone/>
+              <a:defRPr sz="1000"/>
             </a:lvl3pPr>
             <a:lvl4pPr marL="1371600" indent="0">
-              <a:buFontTx/>
-              <a:buNone/>
-              <a:defRPr/>
+              <a:buNone/>
+              <a:defRPr sz="900"/>
             </a:lvl4pPr>
             <a:lvl5pPr marL="1828800" indent="0">
-              <a:buFontTx/>
-              <a:buNone/>
-              <a:defRPr/>
-            </a:lvl5pPr>
-          </a:lstStyle>
-          <a:p>
-            <a:pPr lvl="0"/>
-            <a:r>
-              <a:rPr lang="en-US"/>
-              <a:t>Click to edit Master text styles</a:t>
-            </a:r>
-          </a:p>
-        </p:txBody>
-      </p:sp>
-      <p:sp>
-        <p:nvSpPr>
-          <p:cNvPr id="3" name="Text Placeholder 2"/>
-          <p:cNvSpPr>
-            <a:spLocks noGrp="1"/>
-          </p:cNvSpPr>
-          <p:nvPr>
-            <p:ph type="body" idx="1"/>
-          </p:nvPr>
-        </p:nvSpPr>
-        <p:spPr>
-          <a:xfrm>
-            <a:off x="1484311" y="4343400"/>
-            <a:ext cx="10018711" cy="1447800"/>
-          </a:xfrm>
-        </p:spPr>
-        <p:txBody>
-          <a:bodyPr anchor="ctr">
-            <a:normAutofit/>
-          </a:bodyPr>
-          <a:lstStyle>
-            <a:lvl1pPr marL="0" indent="0" algn="ctr">
-              <a:buNone/>
-              <a:defRPr sz="2000">
-                <a:solidFill>
-                  <a:schemeClr val="tx1"/>
-                </a:solidFill>
-              </a:defRPr>
-            </a:lvl1pPr>
-            <a:lvl2pPr marL="457200" indent="0">
-              <a:buNone/>
-              <a:defRPr sz="1800">
-                <a:solidFill>
-                  <a:schemeClr val="tx1">
-                    <a:tint val="75000"/>
-                  </a:schemeClr>
-                </a:solidFill>
-              </a:defRPr>
-            </a:lvl2pPr>
-            <a:lvl3pPr marL="914400" indent="0">
-              <a:buNone/>
-              <a:defRPr sz="1600">
-                <a:solidFill>
-                  <a:schemeClr val="tx1">
-                    <a:tint val="75000"/>
-                  </a:schemeClr>
-                </a:solidFill>
-              </a:defRPr>
-            </a:lvl3pPr>
-            <a:lvl4pPr marL="1371600" indent="0">
-              <a:buNone/>
-              <a:defRPr sz="1400">
-                <a:solidFill>
-                  <a:schemeClr val="tx1">
-                    <a:tint val="75000"/>
-                  </a:schemeClr>
-                </a:solidFill>
-              </a:defRPr>
-            </a:lvl4pPr>
-            <a:lvl5pPr marL="1828800" indent="0">
-              <a:buNone/>
-              <a:defRPr sz="1400">
-                <a:solidFill>
-                  <a:schemeClr val="tx1">
-                    <a:tint val="75000"/>
-                  </a:schemeClr>
-                </a:solidFill>
-              </a:defRPr>
+              <a:buNone/>
+              <a:defRPr sz="900"/>
             </a:lvl5pPr>
             <a:lvl6pPr marL="2286000" indent="0">
               <a:buNone/>
-              <a:defRPr sz="1400">
-                <a:solidFill>
-                  <a:schemeClr val="tx1">
-                    <a:tint val="75000"/>
-                  </a:schemeClr>
-                </a:solidFill>
-              </a:defRPr>
+              <a:defRPr sz="900"/>
             </a:lvl6pPr>
             <a:lvl7pPr marL="2743200" indent="0">
               <a:buNone/>
-              <a:defRPr sz="1400">
-                <a:solidFill>
-                  <a:schemeClr val="tx1">
-                    <a:tint val="75000"/>
-                  </a:schemeClr>
-                </a:solidFill>
-              </a:defRPr>
+              <a:defRPr sz="900"/>
             </a:lvl7pPr>
             <a:lvl8pPr marL="3200400" indent="0">
               <a:buNone/>
-              <a:defRPr sz="1400">
-                <a:solidFill>
-                  <a:schemeClr val="tx1">
-                    <a:tint val="75000"/>
-                  </a:schemeClr>
-                </a:solidFill>
-              </a:defRPr>
+              <a:defRPr sz="900"/>
             </a:lvl8pPr>
             <a:lvl9pPr marL="3657600" indent="0">
               <a:buNone/>
-              <a:defRPr sz="1400">
-                <a:solidFill>
-                  <a:schemeClr val="tx1">
-                    <a:tint val="75000"/>
-                  </a:schemeClr>
-                </a:solidFill>
-              </a:defRPr>
+              <a:defRPr sz="900"/>
             </a:lvl9pPr>
           </a:lstStyle>
           <a:p>
             <a:pPr lvl="0"/>
             <a:r>
               <a:rPr lang="en-US"/>
-              <a:t>Click to edit Master text styles</a:t>
+              <a:t>Edit Master text styles</a:t>
             </a:r>
           </a:p>
         </p:txBody>
@@ -1702,7 +1049,7 @@
           <a:p>
             <a:fld id="{A5069159-9A21-43DE-98CD-556719D78758}" type="datetimeFigureOut">
               <a:rPr lang="en-US" smtClean="0"/>
-              <a:t>7/21/2021</a:t>
+              <a:t>7/22/21</a:t>
             </a:fld>
             <a:endParaRPr lang="en-US"/>
           </a:p>
@@ -1750,10 +1097,104 @@
           </a:p>
         </p:txBody>
       </p:sp>
+      <p:sp>
+        <p:nvSpPr>
+          <p:cNvPr id="12" name="TextBox 11"/>
+          <p:cNvSpPr txBox="1"/>
+          <p:nvPr/>
+        </p:nvSpPr>
+        <p:spPr>
+          <a:xfrm>
+            <a:off x="898295" y="971253"/>
+            <a:ext cx="801912" cy="1969770"/>
+          </a:xfrm>
+          <a:prstGeom prst="rect">
+            <a:avLst/>
+          </a:prstGeom>
+          <a:noFill/>
+        </p:spPr>
+        <p:txBody>
+          <a:bodyPr wrap="square" rtlCol="0">
+            <a:spAutoFit/>
+          </a:bodyPr>
+          <a:lstStyle>
+            <a:defPPr>
+              <a:defRPr lang="en-US"/>
+            </a:defPPr>
+            <a:lvl1pPr algn="r">
+              <a:defRPr sz="12200" b="0" i="0">
+                <a:solidFill>
+                  <a:schemeClr val="bg2">
+                    <a:lumMod val="40000"/>
+                    <a:lumOff val="60000"/>
+                  </a:schemeClr>
+                </a:solidFill>
+                <a:latin typeface="Arial"/>
+                <a:ea typeface="+mj-ea"/>
+                <a:cs typeface="+mj-cs"/>
+              </a:defRPr>
+            </a:lvl1pPr>
+          </a:lstStyle>
+          <a:p>
+            <a:pPr lvl="0"/>
+            <a:r>
+              <a:rPr lang="en-US" dirty="0"/>
+              <a:t>“</a:t>
+            </a:r>
+          </a:p>
+        </p:txBody>
+      </p:sp>
+      <p:sp>
+        <p:nvSpPr>
+          <p:cNvPr id="15" name="TextBox 14"/>
+          <p:cNvSpPr txBox="1"/>
+          <p:nvPr/>
+        </p:nvSpPr>
+        <p:spPr>
+          <a:xfrm>
+            <a:off x="9330490" y="2613787"/>
+            <a:ext cx="801912" cy="1969770"/>
+          </a:xfrm>
+          <a:prstGeom prst="rect">
+            <a:avLst/>
+          </a:prstGeom>
+          <a:noFill/>
+        </p:spPr>
+        <p:txBody>
+          <a:bodyPr wrap="square" rtlCol="0">
+            <a:spAutoFit/>
+          </a:bodyPr>
+          <a:lstStyle>
+            <a:defPPr>
+              <a:defRPr lang="en-US"/>
+            </a:defPPr>
+            <a:lvl1pPr algn="r">
+              <a:defRPr sz="12200" b="0" i="0">
+                <a:solidFill>
+                  <a:schemeClr val="bg2">
+                    <a:lumMod val="40000"/>
+                    <a:lumOff val="60000"/>
+                  </a:schemeClr>
+                </a:solidFill>
+                <a:latin typeface="Arial"/>
+                <a:ea typeface="+mj-ea"/>
+                <a:cs typeface="+mj-cs"/>
+              </a:defRPr>
+            </a:lvl1pPr>
+          </a:lstStyle>
+          <a:p>
+            <a:pPr lvl="0"/>
+            <a:r>
+              <a:rPr lang="en-US" dirty="0"/>
+              <a:t>”</a:t>
+            </a:r>
+          </a:p>
+        </p:txBody>
+      </p:sp>
     </p:spTree>
     <p:extLst>
       <p:ext uri="{BB962C8B-B14F-4D97-AF65-F5344CB8AC3E}">
-        <p14:creationId xmlns:p14="http://schemas.microsoft.com/office/powerpoint/2010/main" val="3163716987"/>
+        <p14:creationId xmlns:p14="http://schemas.microsoft.com/office/powerpoint/2010/main" val="2254132369"/>
       </p:ext>
     </p:extLst>
   </p:cSld>
@@ -1792,17 +1233,15 @@
         </p:nvSpPr>
         <p:spPr>
           <a:xfrm>
-            <a:off x="1484313" y="3308581"/>
-            <a:ext cx="10018709" cy="1468800"/>
-          </a:xfrm>
-        </p:spPr>
-        <p:txBody>
-          <a:bodyPr anchor="b">
-            <a:normAutofit/>
-          </a:bodyPr>
+            <a:off x="1154954" y="3124201"/>
+            <a:ext cx="8825660" cy="1653180"/>
+          </a:xfrm>
+        </p:spPr>
+        <p:txBody>
+          <a:bodyPr anchor="b"/>
           <a:lstStyle>
-            <a:lvl1pPr algn="r">
-              <a:defRPr sz="3200" b="0" cap="none"/>
+            <a:lvl1pPr algn="l">
+              <a:defRPr sz="4000" b="0" cap="none"/>
             </a:lvl1pPr>
           </a:lstStyle>
           <a:p>
@@ -1826,20 +1265,21 @@
         </p:nvSpPr>
         <p:spPr>
           <a:xfrm>
-            <a:off x="1484312" y="4777381"/>
-            <a:ext cx="10018710" cy="860400"/>
-          </a:xfrm>
-        </p:spPr>
-        <p:txBody>
-          <a:bodyPr anchor="t">
-            <a:normAutofit/>
-          </a:bodyPr>
+            <a:off x="1154954" y="4777381"/>
+            <a:ext cx="8825659" cy="860400"/>
+          </a:xfrm>
+        </p:spPr>
+        <p:txBody>
+          <a:bodyPr anchor="t"/>
           <a:lstStyle>
-            <a:lvl1pPr marL="0" indent="0" algn="r">
-              <a:buNone/>
-              <a:defRPr sz="2000">
+            <a:lvl1pPr marL="0" indent="0" algn="l">
+              <a:buNone/>
+              <a:defRPr sz="2000" cap="none">
                 <a:solidFill>
-                  <a:schemeClr val="tx1"/>
+                  <a:schemeClr val="bg2">
+                    <a:lumMod val="40000"/>
+                    <a:lumOff val="60000"/>
+                  </a:schemeClr>
                 </a:solidFill>
               </a:defRPr>
             </a:lvl1pPr>
@@ -1928,7 +1368,7 @@
             <a:pPr lvl="0"/>
             <a:r>
               <a:rPr lang="en-US"/>
-              <a:t>Click to edit Master text styles</a:t>
+              <a:t>Edit Master text styles</a:t>
             </a:r>
           </a:p>
         </p:txBody>
@@ -1950,7 +1390,7 @@
           <a:p>
             <a:fld id="{A5069159-9A21-43DE-98CD-556719D78758}" type="datetimeFigureOut">
               <a:rPr lang="en-US" smtClean="0"/>
-              <a:t>7/21/2021</a:t>
+              <a:t>7/22/21</a:t>
             </a:fld>
             <a:endParaRPr lang="en-US"/>
           </a:p>
@@ -2001,7 +1441,7 @@
     </p:spTree>
     <p:extLst>
       <p:ext uri="{BB962C8B-B14F-4D97-AF65-F5344CB8AC3E}">
-        <p14:creationId xmlns:p14="http://schemas.microsoft.com/office/powerpoint/2010/main" val="3731804663"/>
+        <p14:creationId xmlns:p14="http://schemas.microsoft.com/office/powerpoint/2010/main" val="2441748328"/>
       </p:ext>
     </p:extLst>
   </p:cSld>
@@ -2013,7 +1453,7 @@
 
 <file path=ppt/slideLayouts/slideLayout14.xml><?xml version="1.0" encoding="utf-8"?>
 <p:sldLayout xmlns:a="http://schemas.openxmlformats.org/drawingml/2006/main" xmlns:r="http://schemas.openxmlformats.org/officeDocument/2006/relationships" xmlns:p="http://schemas.openxmlformats.org/presentationml/2006/main" preserve="1">
-  <p:cSld name="Quote Name Card">
+  <p:cSld name="3 Column">
     <p:spTree>
       <p:nvGrpSpPr>
         <p:cNvPr id="1" name=""/>
@@ -2030,336 +1470,119 @@
       </p:grpSpPr>
       <p:sp>
         <p:nvSpPr>
-          <p:cNvPr id="14" name="TextBox 13"/>
-          <p:cNvSpPr txBox="1"/>
-          <p:nvPr/>
-        </p:nvSpPr>
-        <p:spPr>
-          <a:xfrm>
-            <a:off x="1598612" y="863023"/>
-            <a:ext cx="609600" cy="584776"/>
-          </a:xfrm>
-          <a:prstGeom prst="rect">
-            <a:avLst/>
-          </a:prstGeom>
-        </p:spPr>
-        <p:txBody>
-          <a:bodyPr vert="horz" lIns="91440" tIns="45720" rIns="91440" bIns="45720" rtlCol="0" anchor="ctr">
+          <p:cNvPr id="2" name="Title 1"/>
+          <p:cNvSpPr>
+            <a:spLocks noGrp="1"/>
+          </p:cNvSpPr>
+          <p:nvPr>
+            <p:ph type="title"/>
+          </p:nvPr>
+        </p:nvSpPr>
+        <p:spPr/>
+        <p:txBody>
+          <a:bodyPr/>
+          <a:lstStyle>
+            <a:lvl1pPr>
+              <a:defRPr sz="4200"/>
+            </a:lvl1pPr>
+          </a:lstStyle>
+          <a:p>
+            <a:r>
+              <a:rPr lang="en-US"/>
+              <a:t>Click to edit Master title style</a:t>
+            </a:r>
+            <a:endParaRPr lang="en-US" dirty="0"/>
+          </a:p>
+        </p:txBody>
+      </p:sp>
+      <p:sp>
+        <p:nvSpPr>
+          <p:cNvPr id="3" name="Text Placeholder 2"/>
+          <p:cNvSpPr>
+            <a:spLocks noGrp="1"/>
+          </p:cNvSpPr>
+          <p:nvPr>
+            <p:ph type="body" idx="1"/>
+          </p:nvPr>
+        </p:nvSpPr>
+        <p:spPr>
+          <a:xfrm>
+            <a:off x="632947" y="1981200"/>
+            <a:ext cx="2946866" cy="576262"/>
+          </a:xfrm>
+        </p:spPr>
+        <p:txBody>
+          <a:bodyPr anchor="b">
             <a:noAutofit/>
           </a:bodyPr>
           <a:lstStyle>
-            <a:lvl1pPr>
-              <a:spcBef>
-                <a:spcPct val="0"/>
-              </a:spcBef>
-              <a:buNone/>
-              <a:defRPr sz="3200" b="0" cap="all">
-                <a:ln w="3175" cmpd="sng">
-                  <a:noFill/>
-                </a:ln>
-                <a:effectLst>
-                  <a:glow rad="38100">
-                    <a:schemeClr val="bg1">
-                      <a:lumMod val="65000"/>
-                      <a:lumOff val="35000"/>
-                      <a:alpha val="40000"/>
-                    </a:schemeClr>
-                  </a:glow>
-                  <a:outerShdw blurRad="28575" dist="38100" dir="14040000" algn="tl" rotWithShape="0">
-                    <a:srgbClr val="000000">
-                      <a:alpha val="25000"/>
-                    </a:srgbClr>
-                  </a:outerShdw>
-                </a:effectLst>
-              </a:defRPr>
-            </a:lvl1pPr>
-            <a:lvl2pPr>
-              <a:defRPr>
+            <a:lvl1pPr marL="0" indent="0">
+              <a:buNone/>
+              <a:defRPr sz="2400" b="0">
                 <a:solidFill>
-                  <a:schemeClr val="tx2"/>
-                </a:solidFill>
-              </a:defRPr>
-            </a:lvl2pPr>
-            <a:lvl3pPr>
-              <a:defRPr>
-                <a:solidFill>
-                  <a:schemeClr val="tx2"/>
-                </a:solidFill>
-              </a:defRPr>
-            </a:lvl3pPr>
-            <a:lvl4pPr>
-              <a:defRPr>
-                <a:solidFill>
-                  <a:schemeClr val="tx2"/>
-                </a:solidFill>
-              </a:defRPr>
-            </a:lvl4pPr>
-            <a:lvl5pPr>
-              <a:defRPr>
-                <a:solidFill>
-                  <a:schemeClr val="tx2"/>
-                </a:solidFill>
-              </a:defRPr>
-            </a:lvl5pPr>
-            <a:lvl6pPr>
-              <a:defRPr>
-                <a:solidFill>
-                  <a:schemeClr val="tx2"/>
-                </a:solidFill>
-              </a:defRPr>
-            </a:lvl6pPr>
-            <a:lvl7pPr>
-              <a:defRPr>
-                <a:solidFill>
-                  <a:schemeClr val="tx2"/>
-                </a:solidFill>
-              </a:defRPr>
-            </a:lvl7pPr>
-            <a:lvl8pPr>
-              <a:defRPr>
-                <a:solidFill>
-                  <a:schemeClr val="tx2"/>
-                </a:solidFill>
-              </a:defRPr>
-            </a:lvl8pPr>
-            <a:lvl9pPr>
-              <a:defRPr>
-                <a:solidFill>
-                  <a:schemeClr val="tx2"/>
-                </a:solidFill>
-              </a:defRPr>
-            </a:lvl9pPr>
-          </a:lstStyle>
-          <a:p>
-            <a:pPr lvl="0"/>
-            <a:r>
-              <a:rPr lang="en-US" sz="8000" dirty="0">
-                <a:solidFill>
-                  <a:schemeClr val="tx1"/>
-                </a:solidFill>
-                <a:effectLst/>
-              </a:rPr>
-              <a:t>“</a:t>
-            </a:r>
-          </a:p>
-        </p:txBody>
-      </p:sp>
-      <p:sp>
-        <p:nvSpPr>
-          <p:cNvPr id="15" name="TextBox 14"/>
-          <p:cNvSpPr txBox="1"/>
-          <p:nvPr/>
-        </p:nvSpPr>
-        <p:spPr>
-          <a:xfrm>
-            <a:off x="10893425" y="2819399"/>
-            <a:ext cx="609600" cy="584776"/>
-          </a:xfrm>
-          <a:prstGeom prst="rect">
-            <a:avLst/>
-          </a:prstGeom>
-        </p:spPr>
-        <p:txBody>
-          <a:bodyPr vert="horz" lIns="91440" tIns="45720" rIns="91440" bIns="45720" rtlCol="0" anchor="ctr">
-            <a:noAutofit/>
-          </a:bodyPr>
-          <a:lstStyle>
-            <a:lvl1pPr>
-              <a:spcBef>
-                <a:spcPct val="0"/>
-              </a:spcBef>
-              <a:buNone/>
-              <a:defRPr sz="3200" b="0" cap="all">
-                <a:ln w="3175" cmpd="sng">
-                  <a:noFill/>
-                </a:ln>
-                <a:effectLst>
-                  <a:glow rad="38100">
-                    <a:schemeClr val="bg1">
-                      <a:lumMod val="65000"/>
-                      <a:lumOff val="35000"/>
-                      <a:alpha val="40000"/>
-                    </a:schemeClr>
-                  </a:glow>
-                  <a:outerShdw blurRad="28575" dist="38100" dir="14040000" algn="tl" rotWithShape="0">
-                    <a:srgbClr val="000000">
-                      <a:alpha val="25000"/>
-                    </a:srgbClr>
-                  </a:outerShdw>
-                </a:effectLst>
-              </a:defRPr>
-            </a:lvl1pPr>
-            <a:lvl2pPr>
-              <a:defRPr>
-                <a:solidFill>
-                  <a:schemeClr val="tx2"/>
-                </a:solidFill>
-              </a:defRPr>
-            </a:lvl2pPr>
-            <a:lvl3pPr>
-              <a:defRPr>
-                <a:solidFill>
-                  <a:schemeClr val="tx2"/>
-                </a:solidFill>
-              </a:defRPr>
-            </a:lvl3pPr>
-            <a:lvl4pPr>
-              <a:defRPr>
-                <a:solidFill>
-                  <a:schemeClr val="tx2"/>
-                </a:solidFill>
-              </a:defRPr>
-            </a:lvl4pPr>
-            <a:lvl5pPr>
-              <a:defRPr>
-                <a:solidFill>
-                  <a:schemeClr val="tx2"/>
-                </a:solidFill>
-              </a:defRPr>
-            </a:lvl5pPr>
-            <a:lvl6pPr>
-              <a:defRPr>
-                <a:solidFill>
-                  <a:schemeClr val="tx2"/>
-                </a:solidFill>
-              </a:defRPr>
-            </a:lvl6pPr>
-            <a:lvl7pPr>
-              <a:defRPr>
-                <a:solidFill>
-                  <a:schemeClr val="tx2"/>
-                </a:solidFill>
-              </a:defRPr>
-            </a:lvl7pPr>
-            <a:lvl8pPr>
-              <a:defRPr>
-                <a:solidFill>
-                  <a:schemeClr val="tx2"/>
-                </a:solidFill>
-              </a:defRPr>
-            </a:lvl8pPr>
-            <a:lvl9pPr>
-              <a:defRPr>
-                <a:solidFill>
-                  <a:schemeClr val="tx2"/>
-                </a:solidFill>
-              </a:defRPr>
-            </a:lvl9pPr>
-          </a:lstStyle>
-          <a:p>
-            <a:pPr lvl="0" algn="r"/>
-            <a:r>
-              <a:rPr lang="en-US" sz="8000" dirty="0">
-                <a:solidFill>
-                  <a:schemeClr val="tx1"/>
-                </a:solidFill>
-                <a:effectLst/>
-              </a:rPr>
-              <a:t>”</a:t>
-            </a:r>
-          </a:p>
-        </p:txBody>
-      </p:sp>
-      <p:sp>
-        <p:nvSpPr>
-          <p:cNvPr id="2" name="Title 1"/>
-          <p:cNvSpPr>
-            <a:spLocks noGrp="1"/>
-          </p:cNvSpPr>
-          <p:nvPr>
-            <p:ph type="title"/>
-          </p:nvPr>
-        </p:nvSpPr>
-        <p:spPr>
-          <a:xfrm>
-            <a:off x="2208212" y="685800"/>
-            <a:ext cx="8990012" cy="2743199"/>
-          </a:xfrm>
-        </p:spPr>
-        <p:txBody>
-          <a:bodyPr anchor="ctr">
-            <a:normAutofit/>
-          </a:bodyPr>
-          <a:lstStyle>
-            <a:lvl1pPr algn="ctr">
-              <a:defRPr sz="3200" b="0" cap="none">
-                <a:solidFill>
-                  <a:schemeClr val="tx1"/>
+                  <a:schemeClr val="bg2">
+                    <a:lumMod val="40000"/>
+                    <a:lumOff val="60000"/>
+                  </a:schemeClr>
                 </a:solidFill>
               </a:defRPr>
             </a:lvl1pPr>
+            <a:lvl2pPr marL="457200" indent="0">
+              <a:buNone/>
+              <a:defRPr sz="2000" b="1"/>
+            </a:lvl2pPr>
+            <a:lvl3pPr marL="914400" indent="0">
+              <a:buNone/>
+              <a:defRPr sz="1800" b="1"/>
+            </a:lvl3pPr>
+            <a:lvl4pPr marL="1371600" indent="0">
+              <a:buNone/>
+              <a:defRPr sz="1600" b="1"/>
+            </a:lvl4pPr>
+            <a:lvl5pPr marL="1828800" indent="0">
+              <a:buNone/>
+              <a:defRPr sz="1600" b="1"/>
+            </a:lvl5pPr>
+            <a:lvl6pPr marL="2286000" indent="0">
+              <a:buNone/>
+              <a:defRPr sz="1600" b="1"/>
+            </a:lvl6pPr>
+            <a:lvl7pPr marL="2743200" indent="0">
+              <a:buNone/>
+              <a:defRPr sz="1600" b="1"/>
+            </a:lvl7pPr>
+            <a:lvl8pPr marL="3200400" indent="0">
+              <a:buNone/>
+              <a:defRPr sz="1600" b="1"/>
+            </a:lvl8pPr>
+            <a:lvl9pPr marL="3657600" indent="0">
+              <a:buNone/>
+              <a:defRPr sz="1600" b="1"/>
+            </a:lvl9pPr>
           </a:lstStyle>
           <a:p>
-            <a:r>
-              <a:rPr lang="en-US"/>
-              <a:t>Click to edit Master title style</a:t>
-            </a:r>
-            <a:endParaRPr lang="en-US" dirty="0"/>
-          </a:p>
-        </p:txBody>
-      </p:sp>
-      <p:sp>
-        <p:nvSpPr>
-          <p:cNvPr id="10" name="Text Placeholder 9"/>
-          <p:cNvSpPr>
-            <a:spLocks noGrp="1"/>
-          </p:cNvSpPr>
-          <p:nvPr>
-            <p:ph type="body" sz="quarter" idx="13"/>
-          </p:nvPr>
-        </p:nvSpPr>
-        <p:spPr>
-          <a:xfrm>
-            <a:off x="1484313" y="3886200"/>
-            <a:ext cx="10018710" cy="889000"/>
-          </a:xfrm>
-        </p:spPr>
-        <p:txBody>
-          <a:bodyPr vert="horz" lIns="91440" tIns="45720" rIns="91440" bIns="45720" rtlCol="0" anchor="b">
-            <a:normAutofit/>
-          </a:bodyPr>
-          <a:lstStyle>
-            <a:lvl1pPr algn="r">
-              <a:buNone/>
-              <a:defRPr lang="en-US" sz="2400" b="0" cap="none" dirty="0">
-                <a:ln w="3175" cmpd="sng">
-                  <a:noFill/>
-                </a:ln>
-                <a:solidFill>
-                  <a:schemeClr val="tx1"/>
-                </a:solidFill>
-                <a:effectLst/>
-              </a:defRPr>
-            </a:lvl1pPr>
-          </a:lstStyle>
-          <a:p>
-            <a:pPr marL="0" lvl="0">
-              <a:spcBef>
-                <a:spcPct val="0"/>
-              </a:spcBef>
-              <a:buNone/>
-            </a:pPr>
-            <a:r>
-              <a:rPr lang="en-US"/>
-              <a:t>Click to edit Master text styles</a:t>
-            </a:r>
-          </a:p>
-        </p:txBody>
-      </p:sp>
-      <p:sp>
-        <p:nvSpPr>
-          <p:cNvPr id="3" name="Text Placeholder 2"/>
-          <p:cNvSpPr>
-            <a:spLocks noGrp="1"/>
-          </p:cNvSpPr>
-          <p:nvPr>
-            <p:ph type="body" idx="1"/>
-          </p:nvPr>
-        </p:nvSpPr>
-        <p:spPr>
-          <a:xfrm>
-            <a:off x="1484312" y="4775200"/>
-            <a:ext cx="10018710" cy="1016000"/>
+            <a:pPr lvl="0"/>
+            <a:r>
+              <a:rPr lang="en-US"/>
+              <a:t>Edit Master text styles</a:t>
+            </a:r>
+          </a:p>
+        </p:txBody>
+      </p:sp>
+      <p:sp>
+        <p:nvSpPr>
+          <p:cNvPr id="16" name="Text Placeholder 3"/>
+          <p:cNvSpPr>
+            <a:spLocks noGrp="1"/>
+          </p:cNvSpPr>
+          <p:nvPr>
+            <p:ph type="body" sz="half" idx="15"/>
+          </p:nvPr>
+        </p:nvSpPr>
+        <p:spPr>
+          <a:xfrm>
+            <a:off x="652463" y="2667000"/>
+            <a:ext cx="2927350" cy="3589338"/>
           </a:xfrm>
         </p:spPr>
         <p:txBody>
@@ -2367,107 +1590,415 @@
             <a:normAutofit/>
           </a:bodyPr>
           <a:lstStyle>
-            <a:lvl1pPr marL="0" indent="0" algn="r">
-              <a:buNone/>
-              <a:defRPr sz="1800">
+            <a:lvl1pPr marL="0" indent="0">
+              <a:buNone/>
+              <a:defRPr sz="1400"/>
+            </a:lvl1pPr>
+            <a:lvl2pPr marL="457200" indent="0">
+              <a:buNone/>
+              <a:defRPr sz="1200"/>
+            </a:lvl2pPr>
+            <a:lvl3pPr marL="914400" indent="0">
+              <a:buNone/>
+              <a:defRPr sz="1000"/>
+            </a:lvl3pPr>
+            <a:lvl4pPr marL="1371600" indent="0">
+              <a:buNone/>
+              <a:defRPr sz="900"/>
+            </a:lvl4pPr>
+            <a:lvl5pPr marL="1828800" indent="0">
+              <a:buNone/>
+              <a:defRPr sz="900"/>
+            </a:lvl5pPr>
+            <a:lvl6pPr marL="2286000" indent="0">
+              <a:buNone/>
+              <a:defRPr sz="900"/>
+            </a:lvl6pPr>
+            <a:lvl7pPr marL="2743200" indent="0">
+              <a:buNone/>
+              <a:defRPr sz="900"/>
+            </a:lvl7pPr>
+            <a:lvl8pPr marL="3200400" indent="0">
+              <a:buNone/>
+              <a:defRPr sz="900"/>
+            </a:lvl8pPr>
+            <a:lvl9pPr marL="3657600" indent="0">
+              <a:buNone/>
+              <a:defRPr sz="900"/>
+            </a:lvl9pPr>
+          </a:lstStyle>
+          <a:p>
+            <a:pPr lvl="0"/>
+            <a:r>
+              <a:rPr lang="en-US"/>
+              <a:t>Edit Master text styles</a:t>
+            </a:r>
+          </a:p>
+        </p:txBody>
+      </p:sp>
+      <p:sp>
+        <p:nvSpPr>
+          <p:cNvPr id="5" name="Text Placeholder 4"/>
+          <p:cNvSpPr>
+            <a:spLocks noGrp="1"/>
+          </p:cNvSpPr>
+          <p:nvPr>
+            <p:ph type="body" sz="quarter" idx="3"/>
+          </p:nvPr>
+        </p:nvSpPr>
+        <p:spPr>
+          <a:xfrm>
+            <a:off x="3883659" y="1981200"/>
+            <a:ext cx="2936241" cy="576262"/>
+          </a:xfrm>
+        </p:spPr>
+        <p:txBody>
+          <a:bodyPr anchor="b">
+            <a:noAutofit/>
+          </a:bodyPr>
+          <a:lstStyle>
+            <a:lvl1pPr marL="0" indent="0">
+              <a:buNone/>
+              <a:defRPr sz="2400" b="0">
                 <a:solidFill>
-                  <a:schemeClr val="tx1"/>
+                  <a:schemeClr val="bg2">
+                    <a:lumMod val="40000"/>
+                    <a:lumOff val="60000"/>
+                  </a:schemeClr>
                 </a:solidFill>
               </a:defRPr>
             </a:lvl1pPr>
             <a:lvl2pPr marL="457200" indent="0">
               <a:buNone/>
-              <a:defRPr sz="1800">
+              <a:defRPr sz="2000" b="1"/>
+            </a:lvl2pPr>
+            <a:lvl3pPr marL="914400" indent="0">
+              <a:buNone/>
+              <a:defRPr sz="1800" b="1"/>
+            </a:lvl3pPr>
+            <a:lvl4pPr marL="1371600" indent="0">
+              <a:buNone/>
+              <a:defRPr sz="1600" b="1"/>
+            </a:lvl4pPr>
+            <a:lvl5pPr marL="1828800" indent="0">
+              <a:buNone/>
+              <a:defRPr sz="1600" b="1"/>
+            </a:lvl5pPr>
+            <a:lvl6pPr marL="2286000" indent="0">
+              <a:buNone/>
+              <a:defRPr sz="1600" b="1"/>
+            </a:lvl6pPr>
+            <a:lvl7pPr marL="2743200" indent="0">
+              <a:buNone/>
+              <a:defRPr sz="1600" b="1"/>
+            </a:lvl7pPr>
+            <a:lvl8pPr marL="3200400" indent="0">
+              <a:buNone/>
+              <a:defRPr sz="1600" b="1"/>
+            </a:lvl8pPr>
+            <a:lvl9pPr marL="3657600" indent="0">
+              <a:buNone/>
+              <a:defRPr sz="1600" b="1"/>
+            </a:lvl9pPr>
+          </a:lstStyle>
+          <a:p>
+            <a:pPr lvl="0"/>
+            <a:r>
+              <a:rPr lang="en-US"/>
+              <a:t>Edit Master text styles</a:t>
+            </a:r>
+          </a:p>
+        </p:txBody>
+      </p:sp>
+      <p:sp>
+        <p:nvSpPr>
+          <p:cNvPr id="19" name="Text Placeholder 3"/>
+          <p:cNvSpPr>
+            <a:spLocks noGrp="1"/>
+          </p:cNvSpPr>
+          <p:nvPr>
+            <p:ph type="body" sz="half" idx="16"/>
+          </p:nvPr>
+        </p:nvSpPr>
+        <p:spPr>
+          <a:xfrm>
+            <a:off x="3873106" y="2667000"/>
+            <a:ext cx="2946794" cy="3589338"/>
+          </a:xfrm>
+        </p:spPr>
+        <p:txBody>
+          <a:bodyPr anchor="t">
+            <a:normAutofit/>
+          </a:bodyPr>
+          <a:lstStyle>
+            <a:lvl1pPr marL="0" indent="0">
+              <a:buNone/>
+              <a:defRPr sz="1400"/>
+            </a:lvl1pPr>
+            <a:lvl2pPr marL="457200" indent="0">
+              <a:buNone/>
+              <a:defRPr sz="1200"/>
+            </a:lvl2pPr>
+            <a:lvl3pPr marL="914400" indent="0">
+              <a:buNone/>
+              <a:defRPr sz="1000"/>
+            </a:lvl3pPr>
+            <a:lvl4pPr marL="1371600" indent="0">
+              <a:buNone/>
+              <a:defRPr sz="900"/>
+            </a:lvl4pPr>
+            <a:lvl5pPr marL="1828800" indent="0">
+              <a:buNone/>
+              <a:defRPr sz="900"/>
+            </a:lvl5pPr>
+            <a:lvl6pPr marL="2286000" indent="0">
+              <a:buNone/>
+              <a:defRPr sz="900"/>
+            </a:lvl6pPr>
+            <a:lvl7pPr marL="2743200" indent="0">
+              <a:buNone/>
+              <a:defRPr sz="900"/>
+            </a:lvl7pPr>
+            <a:lvl8pPr marL="3200400" indent="0">
+              <a:buNone/>
+              <a:defRPr sz="900"/>
+            </a:lvl8pPr>
+            <a:lvl9pPr marL="3657600" indent="0">
+              <a:buNone/>
+              <a:defRPr sz="900"/>
+            </a:lvl9pPr>
+          </a:lstStyle>
+          <a:p>
+            <a:pPr lvl="0"/>
+            <a:r>
+              <a:rPr lang="en-US"/>
+              <a:t>Edit Master text styles</a:t>
+            </a:r>
+          </a:p>
+        </p:txBody>
+      </p:sp>
+      <p:sp>
+        <p:nvSpPr>
+          <p:cNvPr id="14" name="Text Placeholder 4"/>
+          <p:cNvSpPr>
+            <a:spLocks noGrp="1"/>
+          </p:cNvSpPr>
+          <p:nvPr>
+            <p:ph type="body" sz="quarter" idx="13"/>
+          </p:nvPr>
+        </p:nvSpPr>
+        <p:spPr>
+          <a:xfrm>
+            <a:off x="7124700" y="1981200"/>
+            <a:ext cx="2932113" cy="576262"/>
+          </a:xfrm>
+        </p:spPr>
+        <p:txBody>
+          <a:bodyPr anchor="b">
+            <a:noAutofit/>
+          </a:bodyPr>
+          <a:lstStyle>
+            <a:lvl1pPr marL="0" indent="0">
+              <a:buNone/>
+              <a:defRPr sz="2400" b="0">
                 <a:solidFill>
-                  <a:schemeClr val="tx1">
-                    <a:tint val="75000"/>
+                  <a:schemeClr val="bg2">
+                    <a:lumMod val="40000"/>
+                    <a:lumOff val="60000"/>
                   </a:schemeClr>
                 </a:solidFill>
               </a:defRPr>
+            </a:lvl1pPr>
+            <a:lvl2pPr marL="457200" indent="0">
+              <a:buNone/>
+              <a:defRPr sz="2000" b="1"/>
             </a:lvl2pPr>
             <a:lvl3pPr marL="914400" indent="0">
               <a:buNone/>
-              <a:defRPr sz="1600">
-                <a:solidFill>
-                  <a:schemeClr val="tx1">
-                    <a:tint val="75000"/>
-                  </a:schemeClr>
-                </a:solidFill>
-              </a:defRPr>
+              <a:defRPr sz="1800" b="1"/>
             </a:lvl3pPr>
             <a:lvl4pPr marL="1371600" indent="0">
               <a:buNone/>
-              <a:defRPr sz="1400">
-                <a:solidFill>
-                  <a:schemeClr val="tx1">
-                    <a:tint val="75000"/>
-                  </a:schemeClr>
-                </a:solidFill>
-              </a:defRPr>
+              <a:defRPr sz="1600" b="1"/>
             </a:lvl4pPr>
             <a:lvl5pPr marL="1828800" indent="0">
               <a:buNone/>
-              <a:defRPr sz="1400">
-                <a:solidFill>
-                  <a:schemeClr val="tx1">
-                    <a:tint val="75000"/>
-                  </a:schemeClr>
-                </a:solidFill>
-              </a:defRPr>
+              <a:defRPr sz="1600" b="1"/>
             </a:lvl5pPr>
             <a:lvl6pPr marL="2286000" indent="0">
               <a:buNone/>
-              <a:defRPr sz="1400">
-                <a:solidFill>
-                  <a:schemeClr val="tx1">
-                    <a:tint val="75000"/>
-                  </a:schemeClr>
-                </a:solidFill>
-              </a:defRPr>
+              <a:defRPr sz="1600" b="1"/>
             </a:lvl6pPr>
             <a:lvl7pPr marL="2743200" indent="0">
               <a:buNone/>
-              <a:defRPr sz="1400">
-                <a:solidFill>
-                  <a:schemeClr val="tx1">
-                    <a:tint val="75000"/>
-                  </a:schemeClr>
-                </a:solidFill>
-              </a:defRPr>
+              <a:defRPr sz="1600" b="1"/>
             </a:lvl7pPr>
             <a:lvl8pPr marL="3200400" indent="0">
               <a:buNone/>
-              <a:defRPr sz="1400">
-                <a:solidFill>
-                  <a:schemeClr val="tx1">
-                    <a:tint val="75000"/>
-                  </a:schemeClr>
-                </a:solidFill>
-              </a:defRPr>
+              <a:defRPr sz="1600" b="1"/>
             </a:lvl8pPr>
             <a:lvl9pPr marL="3657600" indent="0">
               <a:buNone/>
-              <a:defRPr sz="1400">
-                <a:solidFill>
-                  <a:schemeClr val="tx1">
-                    <a:tint val="75000"/>
-                  </a:schemeClr>
-                </a:solidFill>
-              </a:defRPr>
+              <a:defRPr sz="1600" b="1"/>
             </a:lvl9pPr>
           </a:lstStyle>
           <a:p>
             <a:pPr lvl="0"/>
             <a:r>
               <a:rPr lang="en-US"/>
-              <a:t>Click to edit Master text styles</a:t>
-            </a:r>
-          </a:p>
-        </p:txBody>
-      </p:sp>
-      <p:sp>
-        <p:nvSpPr>
-          <p:cNvPr id="4" name="Date Placeholder 3"/>
+              <a:t>Edit Master text styles</a:t>
+            </a:r>
+          </a:p>
+        </p:txBody>
+      </p:sp>
+      <p:sp>
+        <p:nvSpPr>
+          <p:cNvPr id="20" name="Text Placeholder 3"/>
+          <p:cNvSpPr>
+            <a:spLocks noGrp="1"/>
+          </p:cNvSpPr>
+          <p:nvPr>
+            <p:ph type="body" sz="half" idx="17"/>
+          </p:nvPr>
+        </p:nvSpPr>
+        <p:spPr>
+          <a:xfrm>
+            <a:off x="7124700" y="2667000"/>
+            <a:ext cx="2932113" cy="3589338"/>
+          </a:xfrm>
+        </p:spPr>
+        <p:txBody>
+          <a:bodyPr anchor="t">
+            <a:normAutofit/>
+          </a:bodyPr>
+          <a:lstStyle>
+            <a:lvl1pPr marL="0" indent="0">
+              <a:buNone/>
+              <a:defRPr sz="1400"/>
+            </a:lvl1pPr>
+            <a:lvl2pPr marL="457200" indent="0">
+              <a:buNone/>
+              <a:defRPr sz="1200"/>
+            </a:lvl2pPr>
+            <a:lvl3pPr marL="914400" indent="0">
+              <a:buNone/>
+              <a:defRPr sz="1000"/>
+            </a:lvl3pPr>
+            <a:lvl4pPr marL="1371600" indent="0">
+              <a:buNone/>
+              <a:defRPr sz="900"/>
+            </a:lvl4pPr>
+            <a:lvl5pPr marL="1828800" indent="0">
+              <a:buNone/>
+              <a:defRPr sz="900"/>
+            </a:lvl5pPr>
+            <a:lvl6pPr marL="2286000" indent="0">
+              <a:buNone/>
+              <a:defRPr sz="900"/>
+            </a:lvl6pPr>
+            <a:lvl7pPr marL="2743200" indent="0">
+              <a:buNone/>
+              <a:defRPr sz="900"/>
+            </a:lvl7pPr>
+            <a:lvl8pPr marL="3200400" indent="0">
+              <a:buNone/>
+              <a:defRPr sz="900"/>
+            </a:lvl8pPr>
+            <a:lvl9pPr marL="3657600" indent="0">
+              <a:buNone/>
+              <a:defRPr sz="900"/>
+            </a:lvl9pPr>
+          </a:lstStyle>
+          <a:p>
+            <a:pPr lvl="0"/>
+            <a:r>
+              <a:rPr lang="en-US"/>
+              <a:t>Edit Master text styles</a:t>
+            </a:r>
+          </a:p>
+        </p:txBody>
+      </p:sp>
+      <p:cxnSp>
+        <p:nvCxnSpPr>
+          <p:cNvPr id="17" name="Straight Connector 16"/>
+          <p:cNvCxnSpPr/>
+          <p:nvPr/>
+        </p:nvCxnSpPr>
+        <p:spPr>
+          <a:xfrm>
+            <a:off x="3726142" y="2133600"/>
+            <a:ext cx="0" cy="3962400"/>
+          </a:xfrm>
+          <a:prstGeom prst="line">
+            <a:avLst/>
+          </a:prstGeom>
+          <a:ln w="12700" cmpd="sng">
+            <a:solidFill>
+              <a:schemeClr val="bg2">
+                <a:lumMod val="40000"/>
+                <a:lumOff val="60000"/>
+                <a:alpha val="40000"/>
+              </a:schemeClr>
+            </a:solidFill>
+          </a:ln>
+        </p:spPr>
+        <p:style>
+          <a:lnRef idx="2">
+            <a:schemeClr val="accent1"/>
+          </a:lnRef>
+          <a:fillRef idx="0">
+            <a:schemeClr val="accent1"/>
+          </a:fillRef>
+          <a:effectRef idx="1">
+            <a:schemeClr val="accent1"/>
+          </a:effectRef>
+          <a:fontRef idx="minor">
+            <a:schemeClr val="tx1"/>
+          </a:fontRef>
+        </p:style>
+      </p:cxnSp>
+      <p:cxnSp>
+        <p:nvCxnSpPr>
+          <p:cNvPr id="18" name="Straight Connector 17"/>
+          <p:cNvCxnSpPr/>
+          <p:nvPr/>
+        </p:nvCxnSpPr>
+        <p:spPr>
+          <a:xfrm>
+            <a:off x="6962227" y="2133600"/>
+            <a:ext cx="0" cy="3966882"/>
+          </a:xfrm>
+          <a:prstGeom prst="line">
+            <a:avLst/>
+          </a:prstGeom>
+          <a:ln w="12700" cmpd="sng">
+            <a:solidFill>
+              <a:schemeClr val="bg2">
+                <a:lumMod val="40000"/>
+                <a:lumOff val="60000"/>
+                <a:alpha val="40000"/>
+              </a:schemeClr>
+            </a:solidFill>
+          </a:ln>
+        </p:spPr>
+        <p:style>
+          <a:lnRef idx="2">
+            <a:schemeClr val="accent1"/>
+          </a:lnRef>
+          <a:fillRef idx="0">
+            <a:schemeClr val="accent1"/>
+          </a:fillRef>
+          <a:effectRef idx="1">
+            <a:schemeClr val="accent1"/>
+          </a:effectRef>
+          <a:fontRef idx="minor">
+            <a:schemeClr val="tx1"/>
+          </a:fontRef>
+        </p:style>
+      </p:cxnSp>
+      <p:sp>
+        <p:nvSpPr>
+          <p:cNvPr id="7" name="Date Placeholder 3"/>
           <p:cNvSpPr>
             <a:spLocks noGrp="1"/>
           </p:cNvSpPr>
@@ -2482,7 +2013,7 @@
           <a:p>
             <a:fld id="{A5069159-9A21-43DE-98CD-556719D78758}" type="datetimeFigureOut">
               <a:rPr lang="en-US" smtClean="0"/>
-              <a:t>7/21/2021</a:t>
+              <a:t>7/22/21</a:t>
             </a:fld>
             <a:endParaRPr lang="en-US"/>
           </a:p>
@@ -2490,7 +2021,7 @@
       </p:sp>
       <p:sp>
         <p:nvSpPr>
-          <p:cNvPr id="5" name="Footer Placeholder 4"/>
+          <p:cNvPr id="4" name="Footer Placeholder 4"/>
           <p:cNvSpPr>
             <a:spLocks noGrp="1"/>
           </p:cNvSpPr>
@@ -2533,7 +2064,7 @@
     </p:spTree>
     <p:extLst>
       <p:ext uri="{BB962C8B-B14F-4D97-AF65-F5344CB8AC3E}">
-        <p14:creationId xmlns:p14="http://schemas.microsoft.com/office/powerpoint/2010/main" val="762759380"/>
+        <p14:creationId xmlns:p14="http://schemas.microsoft.com/office/powerpoint/2010/main" val="314686990"/>
       </p:ext>
     </p:extLst>
   </p:cSld>
@@ -2545,7 +2076,7 @@
 
 <file path=ppt/slideLayouts/slideLayout15.xml><?xml version="1.0" encoding="utf-8"?>
 <p:sldLayout xmlns:a="http://schemas.openxmlformats.org/drawingml/2006/main" xmlns:r="http://schemas.openxmlformats.org/officeDocument/2006/relationships" xmlns:p="http://schemas.openxmlformats.org/presentationml/2006/main" preserve="1">
-  <p:cSld name="True or False">
+  <p:cSld name="3 Picture Column">
     <p:spTree>
       <p:nvGrpSpPr>
         <p:cNvPr id="1" name=""/>
@@ -2570,201 +2101,764 @@
             <p:ph type="title"/>
           </p:nvPr>
         </p:nvSpPr>
-        <p:spPr>
-          <a:xfrm>
-            <a:off x="1484313" y="685800"/>
-            <a:ext cx="10018712" cy="2727325"/>
-          </a:xfrm>
-        </p:spPr>
-        <p:txBody>
-          <a:bodyPr vert="horz" lIns="91440" tIns="45720" rIns="91440" bIns="45720" rtlCol="0" anchor="ctr">
-            <a:normAutofit/>
+        <p:spPr/>
+        <p:txBody>
+          <a:bodyPr/>
+          <a:lstStyle>
+            <a:lvl1pPr>
+              <a:defRPr sz="4200"/>
+            </a:lvl1pPr>
+          </a:lstStyle>
+          <a:p>
+            <a:r>
+              <a:rPr lang="en-US"/>
+              <a:t>Click to edit Master title style</a:t>
+            </a:r>
+            <a:endParaRPr lang="en-US" dirty="0"/>
+          </a:p>
+        </p:txBody>
+      </p:sp>
+      <p:sp>
+        <p:nvSpPr>
+          <p:cNvPr id="3" name="Text Placeholder 2"/>
+          <p:cNvSpPr>
+            <a:spLocks noGrp="1"/>
+          </p:cNvSpPr>
+          <p:nvPr>
+            <p:ph type="body" idx="1"/>
+          </p:nvPr>
+        </p:nvSpPr>
+        <p:spPr>
+          <a:xfrm>
+            <a:off x="652463" y="4250949"/>
+            <a:ext cx="2940050" cy="576262"/>
+          </a:xfrm>
+        </p:spPr>
+        <p:txBody>
+          <a:bodyPr anchor="b">
+            <a:noAutofit/>
           </a:bodyPr>
           <a:lstStyle>
-            <a:lvl1pPr>
-              <a:defRPr lang="en-US" b="0" dirty="0"/>
-            </a:lvl1pPr>
-          </a:lstStyle>
-          <a:p>
-            <a:pPr marL="0" lvl="0"/>
-            <a:r>
-              <a:rPr lang="en-US"/>
-              <a:t>Click to edit Master title style</a:t>
-            </a:r>
-            <a:endParaRPr lang="en-US" dirty="0"/>
-          </a:p>
-        </p:txBody>
-      </p:sp>
-      <p:sp>
-        <p:nvSpPr>
-          <p:cNvPr id="10" name="Text Placeholder 9"/>
-          <p:cNvSpPr>
-            <a:spLocks noGrp="1"/>
-          </p:cNvSpPr>
-          <p:nvPr>
-            <p:ph type="body" sz="quarter" idx="13"/>
-          </p:nvPr>
-        </p:nvSpPr>
-        <p:spPr>
-          <a:xfrm>
-            <a:off x="1484312" y="3505200"/>
-            <a:ext cx="10018713" cy="838200"/>
-          </a:xfrm>
-        </p:spPr>
-        <p:txBody>
-          <a:bodyPr vert="horz" lIns="91440" tIns="45720" rIns="91440" bIns="45720" rtlCol="0" anchor="b">
-            <a:normAutofit/>
-          </a:bodyPr>
-          <a:lstStyle>
-            <a:lvl1pPr>
-              <a:buNone/>
-              <a:defRPr lang="en-US" sz="2800" b="0" cap="none" dirty="0">
-                <a:ln w="3175" cmpd="sng">
-                  <a:noFill/>
-                </a:ln>
+            <a:lvl1pPr marL="0" indent="0">
+              <a:buNone/>
+              <a:defRPr sz="2400" b="0">
                 <a:solidFill>
-                  <a:schemeClr val="tx1"/>
+                  <a:schemeClr val="bg2">
+                    <a:lumMod val="40000"/>
+                    <a:lumOff val="60000"/>
+                  </a:schemeClr>
                 </a:solidFill>
-                <a:effectLst/>
               </a:defRPr>
             </a:lvl1pPr>
+            <a:lvl2pPr marL="457200" indent="0">
+              <a:buNone/>
+              <a:defRPr sz="2000" b="1"/>
+            </a:lvl2pPr>
+            <a:lvl3pPr marL="914400" indent="0">
+              <a:buNone/>
+              <a:defRPr sz="1800" b="1"/>
+            </a:lvl3pPr>
+            <a:lvl4pPr marL="1371600" indent="0">
+              <a:buNone/>
+              <a:defRPr sz="1600" b="1"/>
+            </a:lvl4pPr>
+            <a:lvl5pPr marL="1828800" indent="0">
+              <a:buNone/>
+              <a:defRPr sz="1600" b="1"/>
+            </a:lvl5pPr>
+            <a:lvl6pPr marL="2286000" indent="0">
+              <a:buNone/>
+              <a:defRPr sz="1600" b="1"/>
+            </a:lvl6pPr>
+            <a:lvl7pPr marL="2743200" indent="0">
+              <a:buNone/>
+              <a:defRPr sz="1600" b="1"/>
+            </a:lvl7pPr>
+            <a:lvl8pPr marL="3200400" indent="0">
+              <a:buNone/>
+              <a:defRPr sz="1600" b="1"/>
+            </a:lvl8pPr>
+            <a:lvl9pPr marL="3657600" indent="0">
+              <a:buNone/>
+              <a:defRPr sz="1600" b="1"/>
+            </a:lvl9pPr>
           </a:lstStyle>
           <a:p>
-            <a:pPr marL="0" lvl="0">
-              <a:spcBef>
-                <a:spcPct val="0"/>
-              </a:spcBef>
-              <a:buNone/>
-            </a:pPr>
-            <a:r>
-              <a:rPr lang="en-US"/>
-              <a:t>Click to edit Master text styles</a:t>
-            </a:r>
-          </a:p>
-        </p:txBody>
-      </p:sp>
-      <p:sp>
-        <p:nvSpPr>
-          <p:cNvPr id="3" name="Text Placeholder 2"/>
-          <p:cNvSpPr>
-            <a:spLocks noGrp="1"/>
-          </p:cNvSpPr>
-          <p:nvPr>
-            <p:ph type="body" idx="1"/>
-          </p:nvPr>
-        </p:nvSpPr>
-        <p:spPr>
-          <a:xfrm>
-            <a:off x="1484311" y="4343400"/>
-            <a:ext cx="10018713" cy="1447800"/>
-          </a:xfrm>
+            <a:pPr lvl="0"/>
+            <a:r>
+              <a:rPr lang="en-US"/>
+              <a:t>Edit Master text styles</a:t>
+            </a:r>
+          </a:p>
+        </p:txBody>
+      </p:sp>
+      <p:sp>
+        <p:nvSpPr>
+          <p:cNvPr id="29" name="Picture Placeholder 2"/>
+          <p:cNvSpPr>
+            <a:spLocks noGrp="1" noChangeAspect="1"/>
+          </p:cNvSpPr>
+          <p:nvPr>
+            <p:ph type="pic" idx="15"/>
+          </p:nvPr>
+        </p:nvSpPr>
+        <p:spPr>
+          <a:xfrm>
+            <a:off x="652463" y="2209800"/>
+            <a:ext cx="2940050" cy="1524000"/>
+          </a:xfrm>
+          <a:prstGeom prst="roundRect">
+            <a:avLst>
+              <a:gd name="adj" fmla="val 1858"/>
+            </a:avLst>
+          </a:prstGeom>
+          <a:effectLst>
+            <a:outerShdw blurRad="50800" dist="50800" dir="5400000" algn="tl" rotWithShape="0">
+              <a:srgbClr val="000000">
+                <a:alpha val="43000"/>
+              </a:srgbClr>
+            </a:outerShdw>
+          </a:effectLst>
         </p:spPr>
         <p:txBody>
           <a:bodyPr anchor="t">
             <a:normAutofit/>
           </a:bodyPr>
           <a:lstStyle>
-            <a:lvl1pPr marL="0" indent="0" algn="l">
-              <a:buNone/>
-              <a:defRPr sz="1800">
+            <a:lvl1pPr marL="0" indent="0" algn="ctr">
+              <a:buNone/>
+              <a:defRPr sz="1600"/>
+            </a:lvl1pPr>
+            <a:lvl2pPr marL="457200" indent="0">
+              <a:buNone/>
+              <a:defRPr sz="1600"/>
+            </a:lvl2pPr>
+            <a:lvl3pPr marL="914400" indent="0">
+              <a:buNone/>
+              <a:defRPr sz="1600"/>
+            </a:lvl3pPr>
+            <a:lvl4pPr marL="1371600" indent="0">
+              <a:buNone/>
+              <a:defRPr sz="1600"/>
+            </a:lvl4pPr>
+            <a:lvl5pPr marL="1828800" indent="0">
+              <a:buNone/>
+              <a:defRPr sz="1600"/>
+            </a:lvl5pPr>
+            <a:lvl6pPr marL="2286000" indent="0">
+              <a:buNone/>
+              <a:defRPr sz="1600"/>
+            </a:lvl6pPr>
+            <a:lvl7pPr marL="2743200" indent="0">
+              <a:buNone/>
+              <a:defRPr sz="1600"/>
+            </a:lvl7pPr>
+            <a:lvl8pPr marL="3200400" indent="0">
+              <a:buNone/>
+              <a:defRPr sz="1600"/>
+            </a:lvl8pPr>
+            <a:lvl9pPr marL="3657600" indent="0">
+              <a:buNone/>
+              <a:defRPr sz="1600"/>
+            </a:lvl9pPr>
+          </a:lstStyle>
+          <a:p>
+            <a:r>
+              <a:rPr lang="en-US"/>
+              <a:t>Click icon to add picture</a:t>
+            </a:r>
+            <a:endParaRPr lang="en-US" dirty="0"/>
+          </a:p>
+        </p:txBody>
+      </p:sp>
+      <p:sp>
+        <p:nvSpPr>
+          <p:cNvPr id="22" name="Text Placeholder 3"/>
+          <p:cNvSpPr>
+            <a:spLocks noGrp="1"/>
+          </p:cNvSpPr>
+          <p:nvPr>
+            <p:ph type="body" sz="half" idx="18"/>
+          </p:nvPr>
+        </p:nvSpPr>
+        <p:spPr>
+          <a:xfrm>
+            <a:off x="652463" y="4827211"/>
+            <a:ext cx="2940050" cy="659189"/>
+          </a:xfrm>
+        </p:spPr>
+        <p:txBody>
+          <a:bodyPr anchor="t">
+            <a:normAutofit/>
+          </a:bodyPr>
+          <a:lstStyle>
+            <a:lvl1pPr marL="0" indent="0">
+              <a:buNone/>
+              <a:defRPr sz="1400"/>
+            </a:lvl1pPr>
+            <a:lvl2pPr marL="457200" indent="0">
+              <a:buNone/>
+              <a:defRPr sz="1200"/>
+            </a:lvl2pPr>
+            <a:lvl3pPr marL="914400" indent="0">
+              <a:buNone/>
+              <a:defRPr sz="1000"/>
+            </a:lvl3pPr>
+            <a:lvl4pPr marL="1371600" indent="0">
+              <a:buNone/>
+              <a:defRPr sz="900"/>
+            </a:lvl4pPr>
+            <a:lvl5pPr marL="1828800" indent="0">
+              <a:buNone/>
+              <a:defRPr sz="900"/>
+            </a:lvl5pPr>
+            <a:lvl6pPr marL="2286000" indent="0">
+              <a:buNone/>
+              <a:defRPr sz="900"/>
+            </a:lvl6pPr>
+            <a:lvl7pPr marL="2743200" indent="0">
+              <a:buNone/>
+              <a:defRPr sz="900"/>
+            </a:lvl7pPr>
+            <a:lvl8pPr marL="3200400" indent="0">
+              <a:buNone/>
+              <a:defRPr sz="900"/>
+            </a:lvl8pPr>
+            <a:lvl9pPr marL="3657600" indent="0">
+              <a:buNone/>
+              <a:defRPr sz="900"/>
+            </a:lvl9pPr>
+          </a:lstStyle>
+          <a:p>
+            <a:pPr lvl="0"/>
+            <a:r>
+              <a:rPr lang="en-US"/>
+              <a:t>Edit Master text styles</a:t>
+            </a:r>
+          </a:p>
+        </p:txBody>
+      </p:sp>
+      <p:sp>
+        <p:nvSpPr>
+          <p:cNvPr id="5" name="Text Placeholder 4"/>
+          <p:cNvSpPr>
+            <a:spLocks noGrp="1"/>
+          </p:cNvSpPr>
+          <p:nvPr>
+            <p:ph type="body" sz="quarter" idx="3"/>
+          </p:nvPr>
+        </p:nvSpPr>
+        <p:spPr>
+          <a:xfrm>
+            <a:off x="3889375" y="4250949"/>
+            <a:ext cx="2930525" cy="576262"/>
+          </a:xfrm>
+        </p:spPr>
+        <p:txBody>
+          <a:bodyPr anchor="b">
+            <a:noAutofit/>
+          </a:bodyPr>
+          <a:lstStyle>
+            <a:lvl1pPr marL="0" indent="0">
+              <a:buNone/>
+              <a:defRPr sz="2400" b="0">
                 <a:solidFill>
-                  <a:schemeClr val="tx1"/>
+                  <a:schemeClr val="bg2">
+                    <a:lumMod val="40000"/>
+                    <a:lumOff val="60000"/>
+                  </a:schemeClr>
                 </a:solidFill>
               </a:defRPr>
             </a:lvl1pPr>
             <a:lvl2pPr marL="457200" indent="0">
               <a:buNone/>
-              <a:defRPr sz="1800">
+              <a:defRPr sz="2000" b="1"/>
+            </a:lvl2pPr>
+            <a:lvl3pPr marL="914400" indent="0">
+              <a:buNone/>
+              <a:defRPr sz="1800" b="1"/>
+            </a:lvl3pPr>
+            <a:lvl4pPr marL="1371600" indent="0">
+              <a:buNone/>
+              <a:defRPr sz="1600" b="1"/>
+            </a:lvl4pPr>
+            <a:lvl5pPr marL="1828800" indent="0">
+              <a:buNone/>
+              <a:defRPr sz="1600" b="1"/>
+            </a:lvl5pPr>
+            <a:lvl6pPr marL="2286000" indent="0">
+              <a:buNone/>
+              <a:defRPr sz="1600" b="1"/>
+            </a:lvl6pPr>
+            <a:lvl7pPr marL="2743200" indent="0">
+              <a:buNone/>
+              <a:defRPr sz="1600" b="1"/>
+            </a:lvl7pPr>
+            <a:lvl8pPr marL="3200400" indent="0">
+              <a:buNone/>
+              <a:defRPr sz="1600" b="1"/>
+            </a:lvl8pPr>
+            <a:lvl9pPr marL="3657600" indent="0">
+              <a:buNone/>
+              <a:defRPr sz="1600" b="1"/>
+            </a:lvl9pPr>
+          </a:lstStyle>
+          <a:p>
+            <a:pPr lvl="0"/>
+            <a:r>
+              <a:rPr lang="en-US"/>
+              <a:t>Edit Master text styles</a:t>
+            </a:r>
+          </a:p>
+        </p:txBody>
+      </p:sp>
+      <p:sp>
+        <p:nvSpPr>
+          <p:cNvPr id="30" name="Picture Placeholder 2"/>
+          <p:cNvSpPr>
+            <a:spLocks noGrp="1" noChangeAspect="1"/>
+          </p:cNvSpPr>
+          <p:nvPr>
+            <p:ph type="pic" idx="21"/>
+          </p:nvPr>
+        </p:nvSpPr>
+        <p:spPr>
+          <a:xfrm>
+            <a:off x="3889374" y="2209800"/>
+            <a:ext cx="2930525" cy="1524000"/>
+          </a:xfrm>
+          <a:prstGeom prst="roundRect">
+            <a:avLst>
+              <a:gd name="adj" fmla="val 1858"/>
+            </a:avLst>
+          </a:prstGeom>
+          <a:effectLst>
+            <a:outerShdw blurRad="50800" dist="50800" dir="5400000" algn="tl" rotWithShape="0">
+              <a:srgbClr val="000000">
+                <a:alpha val="43000"/>
+              </a:srgbClr>
+            </a:outerShdw>
+          </a:effectLst>
+        </p:spPr>
+        <p:txBody>
+          <a:bodyPr anchor="t">
+            <a:normAutofit/>
+          </a:bodyPr>
+          <a:lstStyle>
+            <a:lvl1pPr marL="0" indent="0" algn="ctr">
+              <a:buNone/>
+              <a:defRPr sz="1600"/>
+            </a:lvl1pPr>
+            <a:lvl2pPr marL="457200" indent="0">
+              <a:buNone/>
+              <a:defRPr sz="1600"/>
+            </a:lvl2pPr>
+            <a:lvl3pPr marL="914400" indent="0">
+              <a:buNone/>
+              <a:defRPr sz="1600"/>
+            </a:lvl3pPr>
+            <a:lvl4pPr marL="1371600" indent="0">
+              <a:buNone/>
+              <a:defRPr sz="1600"/>
+            </a:lvl4pPr>
+            <a:lvl5pPr marL="1828800" indent="0">
+              <a:buNone/>
+              <a:defRPr sz="1600"/>
+            </a:lvl5pPr>
+            <a:lvl6pPr marL="2286000" indent="0">
+              <a:buNone/>
+              <a:defRPr sz="1600"/>
+            </a:lvl6pPr>
+            <a:lvl7pPr marL="2743200" indent="0">
+              <a:buNone/>
+              <a:defRPr sz="1600"/>
+            </a:lvl7pPr>
+            <a:lvl8pPr marL="3200400" indent="0">
+              <a:buNone/>
+              <a:defRPr sz="1600"/>
+            </a:lvl8pPr>
+            <a:lvl9pPr marL="3657600" indent="0">
+              <a:buNone/>
+              <a:defRPr sz="1600"/>
+            </a:lvl9pPr>
+          </a:lstStyle>
+          <a:p>
+            <a:r>
+              <a:rPr lang="en-US"/>
+              <a:t>Click icon to add picture</a:t>
+            </a:r>
+            <a:endParaRPr lang="en-US" dirty="0"/>
+          </a:p>
+        </p:txBody>
+      </p:sp>
+      <p:sp>
+        <p:nvSpPr>
+          <p:cNvPr id="23" name="Text Placeholder 3"/>
+          <p:cNvSpPr>
+            <a:spLocks noGrp="1"/>
+          </p:cNvSpPr>
+          <p:nvPr>
+            <p:ph type="body" sz="half" idx="19"/>
+          </p:nvPr>
+        </p:nvSpPr>
+        <p:spPr>
+          <a:xfrm>
+            <a:off x="3888022" y="4827210"/>
+            <a:ext cx="2934406" cy="659189"/>
+          </a:xfrm>
+        </p:spPr>
+        <p:txBody>
+          <a:bodyPr anchor="t">
+            <a:normAutofit/>
+          </a:bodyPr>
+          <a:lstStyle>
+            <a:lvl1pPr marL="0" indent="0">
+              <a:buNone/>
+              <a:defRPr sz="1400"/>
+            </a:lvl1pPr>
+            <a:lvl2pPr marL="457200" indent="0">
+              <a:buNone/>
+              <a:defRPr sz="1200"/>
+            </a:lvl2pPr>
+            <a:lvl3pPr marL="914400" indent="0">
+              <a:buNone/>
+              <a:defRPr sz="1000"/>
+            </a:lvl3pPr>
+            <a:lvl4pPr marL="1371600" indent="0">
+              <a:buNone/>
+              <a:defRPr sz="900"/>
+            </a:lvl4pPr>
+            <a:lvl5pPr marL="1828800" indent="0">
+              <a:buNone/>
+              <a:defRPr sz="900"/>
+            </a:lvl5pPr>
+            <a:lvl6pPr marL="2286000" indent="0">
+              <a:buNone/>
+              <a:defRPr sz="900"/>
+            </a:lvl6pPr>
+            <a:lvl7pPr marL="2743200" indent="0">
+              <a:buNone/>
+              <a:defRPr sz="900"/>
+            </a:lvl7pPr>
+            <a:lvl8pPr marL="3200400" indent="0">
+              <a:buNone/>
+              <a:defRPr sz="900"/>
+            </a:lvl8pPr>
+            <a:lvl9pPr marL="3657600" indent="0">
+              <a:buNone/>
+              <a:defRPr sz="900"/>
+            </a:lvl9pPr>
+          </a:lstStyle>
+          <a:p>
+            <a:pPr lvl="0"/>
+            <a:r>
+              <a:rPr lang="en-US"/>
+              <a:t>Edit Master text styles</a:t>
+            </a:r>
+          </a:p>
+        </p:txBody>
+      </p:sp>
+      <p:sp>
+        <p:nvSpPr>
+          <p:cNvPr id="14" name="Text Placeholder 4"/>
+          <p:cNvSpPr>
+            <a:spLocks noGrp="1"/>
+          </p:cNvSpPr>
+          <p:nvPr>
+            <p:ph type="body" sz="quarter" idx="13"/>
+          </p:nvPr>
+        </p:nvSpPr>
+        <p:spPr>
+          <a:xfrm>
+            <a:off x="7124700" y="4250949"/>
+            <a:ext cx="2932113" cy="576262"/>
+          </a:xfrm>
+        </p:spPr>
+        <p:txBody>
+          <a:bodyPr anchor="b">
+            <a:noAutofit/>
+          </a:bodyPr>
+          <a:lstStyle>
+            <a:lvl1pPr marL="0" indent="0">
+              <a:buNone/>
+              <a:defRPr sz="2400" b="0">
                 <a:solidFill>
-                  <a:schemeClr val="tx1">
-                    <a:tint val="75000"/>
+                  <a:schemeClr val="bg2">
+                    <a:lumMod val="40000"/>
+                    <a:lumOff val="60000"/>
                   </a:schemeClr>
                 </a:solidFill>
               </a:defRPr>
+            </a:lvl1pPr>
+            <a:lvl2pPr marL="457200" indent="0">
+              <a:buNone/>
+              <a:defRPr sz="2000" b="1"/>
             </a:lvl2pPr>
             <a:lvl3pPr marL="914400" indent="0">
               <a:buNone/>
-              <a:defRPr sz="1600">
-                <a:solidFill>
-                  <a:schemeClr val="tx1">
-                    <a:tint val="75000"/>
-                  </a:schemeClr>
-                </a:solidFill>
-              </a:defRPr>
+              <a:defRPr sz="1800" b="1"/>
             </a:lvl3pPr>
             <a:lvl4pPr marL="1371600" indent="0">
               <a:buNone/>
-              <a:defRPr sz="1400">
-                <a:solidFill>
-                  <a:schemeClr val="tx1">
-                    <a:tint val="75000"/>
-                  </a:schemeClr>
-                </a:solidFill>
-              </a:defRPr>
+              <a:defRPr sz="1600" b="1"/>
             </a:lvl4pPr>
             <a:lvl5pPr marL="1828800" indent="0">
               <a:buNone/>
-              <a:defRPr sz="1400">
-                <a:solidFill>
-                  <a:schemeClr val="tx1">
-                    <a:tint val="75000"/>
-                  </a:schemeClr>
-                </a:solidFill>
-              </a:defRPr>
+              <a:defRPr sz="1600" b="1"/>
             </a:lvl5pPr>
             <a:lvl6pPr marL="2286000" indent="0">
               <a:buNone/>
-              <a:defRPr sz="1400">
-                <a:solidFill>
-                  <a:schemeClr val="tx1">
-                    <a:tint val="75000"/>
-                  </a:schemeClr>
-                </a:solidFill>
-              </a:defRPr>
+              <a:defRPr sz="1600" b="1"/>
             </a:lvl6pPr>
             <a:lvl7pPr marL="2743200" indent="0">
               <a:buNone/>
-              <a:defRPr sz="1400">
-                <a:solidFill>
-                  <a:schemeClr val="tx1">
-                    <a:tint val="75000"/>
-                  </a:schemeClr>
-                </a:solidFill>
-              </a:defRPr>
+              <a:defRPr sz="1600" b="1"/>
             </a:lvl7pPr>
             <a:lvl8pPr marL="3200400" indent="0">
               <a:buNone/>
-              <a:defRPr sz="1400">
-                <a:solidFill>
-                  <a:schemeClr val="tx1">
-                    <a:tint val="75000"/>
-                  </a:schemeClr>
-                </a:solidFill>
-              </a:defRPr>
+              <a:defRPr sz="1600" b="1"/>
             </a:lvl8pPr>
             <a:lvl9pPr marL="3657600" indent="0">
               <a:buNone/>
-              <a:defRPr sz="1400">
-                <a:solidFill>
-                  <a:schemeClr val="tx1">
-                    <a:tint val="75000"/>
-                  </a:schemeClr>
-                </a:solidFill>
-              </a:defRPr>
+              <a:defRPr sz="1600" b="1"/>
             </a:lvl9pPr>
           </a:lstStyle>
           <a:p>
             <a:pPr lvl="0"/>
             <a:r>
               <a:rPr lang="en-US"/>
-              <a:t>Click to edit Master text styles</a:t>
-            </a:r>
-          </a:p>
-        </p:txBody>
-      </p:sp>
-      <p:sp>
-        <p:nvSpPr>
-          <p:cNvPr id="4" name="Date Placeholder 3"/>
+              <a:t>Edit Master text styles</a:t>
+            </a:r>
+          </a:p>
+        </p:txBody>
+      </p:sp>
+      <p:sp>
+        <p:nvSpPr>
+          <p:cNvPr id="31" name="Picture Placeholder 2"/>
+          <p:cNvSpPr>
+            <a:spLocks noGrp="1" noChangeAspect="1"/>
+          </p:cNvSpPr>
+          <p:nvPr>
+            <p:ph type="pic" idx="22"/>
+          </p:nvPr>
+        </p:nvSpPr>
+        <p:spPr>
+          <a:xfrm>
+            <a:off x="7124699" y="2209800"/>
+            <a:ext cx="2932113" cy="1524000"/>
+          </a:xfrm>
+          <a:prstGeom prst="roundRect">
+            <a:avLst>
+              <a:gd name="adj" fmla="val 1858"/>
+            </a:avLst>
+          </a:prstGeom>
+          <a:effectLst>
+            <a:outerShdw blurRad="50800" dist="50800" dir="5400000" algn="tl" rotWithShape="0">
+              <a:srgbClr val="000000">
+                <a:alpha val="43000"/>
+              </a:srgbClr>
+            </a:outerShdw>
+          </a:effectLst>
+        </p:spPr>
+        <p:txBody>
+          <a:bodyPr anchor="t">
+            <a:normAutofit/>
+          </a:bodyPr>
+          <a:lstStyle>
+            <a:lvl1pPr marL="0" indent="0" algn="ctr">
+              <a:buNone/>
+              <a:defRPr sz="1600"/>
+            </a:lvl1pPr>
+            <a:lvl2pPr marL="457200" indent="0">
+              <a:buNone/>
+              <a:defRPr sz="1600"/>
+            </a:lvl2pPr>
+            <a:lvl3pPr marL="914400" indent="0">
+              <a:buNone/>
+              <a:defRPr sz="1600"/>
+            </a:lvl3pPr>
+            <a:lvl4pPr marL="1371600" indent="0">
+              <a:buNone/>
+              <a:defRPr sz="1600"/>
+            </a:lvl4pPr>
+            <a:lvl5pPr marL="1828800" indent="0">
+              <a:buNone/>
+              <a:defRPr sz="1600"/>
+            </a:lvl5pPr>
+            <a:lvl6pPr marL="2286000" indent="0">
+              <a:buNone/>
+              <a:defRPr sz="1600"/>
+            </a:lvl6pPr>
+            <a:lvl7pPr marL="2743200" indent="0">
+              <a:buNone/>
+              <a:defRPr sz="1600"/>
+            </a:lvl7pPr>
+            <a:lvl8pPr marL="3200400" indent="0">
+              <a:buNone/>
+              <a:defRPr sz="1600"/>
+            </a:lvl8pPr>
+            <a:lvl9pPr marL="3657600" indent="0">
+              <a:buNone/>
+              <a:defRPr sz="1600"/>
+            </a:lvl9pPr>
+          </a:lstStyle>
+          <a:p>
+            <a:r>
+              <a:rPr lang="en-US"/>
+              <a:t>Click icon to add picture</a:t>
+            </a:r>
+            <a:endParaRPr lang="en-US" dirty="0"/>
+          </a:p>
+        </p:txBody>
+      </p:sp>
+      <p:sp>
+        <p:nvSpPr>
+          <p:cNvPr id="24" name="Text Placeholder 3"/>
+          <p:cNvSpPr>
+            <a:spLocks noGrp="1"/>
+          </p:cNvSpPr>
+          <p:nvPr>
+            <p:ph type="body" sz="half" idx="20"/>
+          </p:nvPr>
+        </p:nvSpPr>
+        <p:spPr>
+          <a:xfrm>
+            <a:off x="7124575" y="4827208"/>
+            <a:ext cx="2935997" cy="659189"/>
+          </a:xfrm>
+        </p:spPr>
+        <p:txBody>
+          <a:bodyPr anchor="t">
+            <a:normAutofit/>
+          </a:bodyPr>
+          <a:lstStyle>
+            <a:lvl1pPr marL="0" indent="0">
+              <a:buNone/>
+              <a:defRPr sz="1400"/>
+            </a:lvl1pPr>
+            <a:lvl2pPr marL="457200" indent="0">
+              <a:buNone/>
+              <a:defRPr sz="1200"/>
+            </a:lvl2pPr>
+            <a:lvl3pPr marL="914400" indent="0">
+              <a:buNone/>
+              <a:defRPr sz="1000"/>
+            </a:lvl3pPr>
+            <a:lvl4pPr marL="1371600" indent="0">
+              <a:buNone/>
+              <a:defRPr sz="900"/>
+            </a:lvl4pPr>
+            <a:lvl5pPr marL="1828800" indent="0">
+              <a:buNone/>
+              <a:defRPr sz="900"/>
+            </a:lvl5pPr>
+            <a:lvl6pPr marL="2286000" indent="0">
+              <a:buNone/>
+              <a:defRPr sz="900"/>
+            </a:lvl6pPr>
+            <a:lvl7pPr marL="2743200" indent="0">
+              <a:buNone/>
+              <a:defRPr sz="900"/>
+            </a:lvl7pPr>
+            <a:lvl8pPr marL="3200400" indent="0">
+              <a:buNone/>
+              <a:defRPr sz="900"/>
+            </a:lvl8pPr>
+            <a:lvl9pPr marL="3657600" indent="0">
+              <a:buNone/>
+              <a:defRPr sz="900"/>
+            </a:lvl9pPr>
+          </a:lstStyle>
+          <a:p>
+            <a:pPr lvl="0"/>
+            <a:r>
+              <a:rPr lang="en-US"/>
+              <a:t>Edit Master text styles</a:t>
+            </a:r>
+          </a:p>
+        </p:txBody>
+      </p:sp>
+      <p:cxnSp>
+        <p:nvCxnSpPr>
+          <p:cNvPr id="19" name="Straight Connector 18"/>
+          <p:cNvCxnSpPr/>
+          <p:nvPr/>
+        </p:nvCxnSpPr>
+        <p:spPr>
+          <a:xfrm>
+            <a:off x="3726142" y="2133600"/>
+            <a:ext cx="0" cy="3962400"/>
+          </a:xfrm>
+          <a:prstGeom prst="line">
+            <a:avLst/>
+          </a:prstGeom>
+          <a:ln w="12700" cmpd="sng">
+            <a:solidFill>
+              <a:schemeClr val="bg2">
+                <a:lumMod val="40000"/>
+                <a:lumOff val="60000"/>
+                <a:alpha val="40000"/>
+              </a:schemeClr>
+            </a:solidFill>
+          </a:ln>
+        </p:spPr>
+        <p:style>
+          <a:lnRef idx="2">
+            <a:schemeClr val="accent1"/>
+          </a:lnRef>
+          <a:fillRef idx="0">
+            <a:schemeClr val="accent1"/>
+          </a:fillRef>
+          <a:effectRef idx="1">
+            <a:schemeClr val="accent1"/>
+          </a:effectRef>
+          <a:fontRef idx="minor">
+            <a:schemeClr val="tx1"/>
+          </a:fontRef>
+        </p:style>
+      </p:cxnSp>
+      <p:cxnSp>
+        <p:nvCxnSpPr>
+          <p:cNvPr id="20" name="Straight Connector 19"/>
+          <p:cNvCxnSpPr/>
+          <p:nvPr/>
+        </p:nvCxnSpPr>
+        <p:spPr>
+          <a:xfrm>
+            <a:off x="6962227" y="2133600"/>
+            <a:ext cx="0" cy="3966882"/>
+          </a:xfrm>
+          <a:prstGeom prst="line">
+            <a:avLst/>
+          </a:prstGeom>
+          <a:ln w="12700" cmpd="sng">
+            <a:solidFill>
+              <a:schemeClr val="bg2">
+                <a:lumMod val="40000"/>
+                <a:lumOff val="60000"/>
+                <a:alpha val="40000"/>
+              </a:schemeClr>
+            </a:solidFill>
+          </a:ln>
+        </p:spPr>
+        <p:style>
+          <a:lnRef idx="2">
+            <a:schemeClr val="accent1"/>
+          </a:lnRef>
+          <a:fillRef idx="0">
+            <a:schemeClr val="accent1"/>
+          </a:fillRef>
+          <a:effectRef idx="1">
+            <a:schemeClr val="accent1"/>
+          </a:effectRef>
+          <a:fontRef idx="minor">
+            <a:schemeClr val="tx1"/>
+          </a:fontRef>
+        </p:style>
+      </p:cxnSp>
+      <p:sp>
+        <p:nvSpPr>
+          <p:cNvPr id="7" name="Date Placeholder 3"/>
           <p:cNvSpPr>
             <a:spLocks noGrp="1"/>
           </p:cNvSpPr>
@@ -2779,7 +2873,7 @@
           <a:p>
             <a:fld id="{A5069159-9A21-43DE-98CD-556719D78758}" type="datetimeFigureOut">
               <a:rPr lang="en-US" smtClean="0"/>
-              <a:t>7/21/2021</a:t>
+              <a:t>7/22/21</a:t>
             </a:fld>
             <a:endParaRPr lang="en-US"/>
           </a:p>
@@ -2787,7 +2881,7 @@
       </p:sp>
       <p:sp>
         <p:nvSpPr>
-          <p:cNvPr id="5" name="Footer Placeholder 4"/>
+          <p:cNvPr id="4" name="Footer Placeholder 4"/>
           <p:cNvSpPr>
             <a:spLocks noGrp="1"/>
           </p:cNvSpPr>
@@ -2830,7 +2924,7 @@
     </p:spTree>
     <p:extLst>
       <p:ext uri="{BB962C8B-B14F-4D97-AF65-F5344CB8AC3E}">
-        <p14:creationId xmlns:p14="http://schemas.microsoft.com/office/powerpoint/2010/main" val="324602798"/>
+        <p14:creationId xmlns:p14="http://schemas.microsoft.com/office/powerpoint/2010/main" val="213170918"/>
       </p:ext>
     </p:extLst>
   </p:cSld>
@@ -2870,11 +2964,7 @@
         <p:spPr/>
         <p:txBody>
           <a:bodyPr/>
-          <a:lstStyle>
-            <a:lvl1pPr algn="ctr">
-              <a:defRPr/>
-            </a:lvl1pPr>
-          </a:lstStyle>
+          <a:lstStyle/>
           <a:p>
             <a:r>
               <a:rPr lang="en-US"/>
@@ -2896,13 +2986,13 @@
         </p:nvSpPr>
         <p:spPr/>
         <p:txBody>
-          <a:bodyPr vert="eaVert" anchor="t"/>
+          <a:bodyPr vert="eaVert" anchor="t" anchorCtr="0"/>
           <a:lstStyle/>
           <a:p>
             <a:pPr lvl="0"/>
             <a:r>
               <a:rPr lang="en-US"/>
-              <a:t>Click to edit Master text styles</a:t>
+              <a:t>Edit Master text styles</a:t>
             </a:r>
           </a:p>
           <a:p>
@@ -2953,7 +3043,7 @@
           <a:p>
             <a:fld id="{A5069159-9A21-43DE-98CD-556719D78758}" type="datetimeFigureOut">
               <a:rPr lang="en-US" smtClean="0"/>
-              <a:t>7/21/2021</a:t>
+              <a:t>7/22/21</a:t>
             </a:fld>
             <a:endParaRPr lang="en-US"/>
           </a:p>
@@ -3004,7 +3094,7 @@
     </p:spTree>
     <p:extLst>
       <p:ext uri="{BB962C8B-B14F-4D97-AF65-F5344CB8AC3E}">
-        <p14:creationId xmlns:p14="http://schemas.microsoft.com/office/powerpoint/2010/main" val="1327659799"/>
+        <p14:creationId xmlns:p14="http://schemas.microsoft.com/office/powerpoint/2010/main" val="2663566668"/>
       </p:ext>
     </p:extLst>
   </p:cSld>
@@ -3043,46 +3133,46 @@
         </p:nvSpPr>
         <p:spPr>
           <a:xfrm>
-            <a:off x="9732655" y="685800"/>
-            <a:ext cx="1770369" cy="5105400"/>
+            <a:off x="8304212" y="430213"/>
+            <a:ext cx="1752601" cy="5826125"/>
+          </a:xfrm>
+        </p:spPr>
+        <p:txBody>
+          <a:bodyPr vert="eaVert" anchor="b" anchorCtr="0"/>
+          <a:lstStyle/>
+          <a:p>
+            <a:r>
+              <a:rPr lang="en-US"/>
+              <a:t>Click to edit Master title style</a:t>
+            </a:r>
+            <a:endParaRPr lang="en-US" dirty="0"/>
+          </a:p>
+        </p:txBody>
+      </p:sp>
+      <p:sp>
+        <p:nvSpPr>
+          <p:cNvPr id="3" name="Vertical Text Placeholder 2"/>
+          <p:cNvSpPr>
+            <a:spLocks noGrp="1"/>
+          </p:cNvSpPr>
+          <p:nvPr>
+            <p:ph type="body" orient="vert" idx="1"/>
+          </p:nvPr>
+        </p:nvSpPr>
+        <p:spPr>
+          <a:xfrm>
+            <a:off x="652463" y="887414"/>
+            <a:ext cx="7423149" cy="5368924"/>
           </a:xfrm>
         </p:spPr>
         <p:txBody>
           <a:bodyPr vert="eaVert"/>
           <a:lstStyle/>
           <a:p>
-            <a:r>
-              <a:rPr lang="en-US"/>
-              <a:t>Click to edit Master title style</a:t>
-            </a:r>
-            <a:endParaRPr lang="en-US" dirty="0"/>
-          </a:p>
-        </p:txBody>
-      </p:sp>
-      <p:sp>
-        <p:nvSpPr>
-          <p:cNvPr id="3" name="Vertical Text Placeholder 2"/>
-          <p:cNvSpPr>
-            <a:spLocks noGrp="1"/>
-          </p:cNvSpPr>
-          <p:nvPr>
-            <p:ph type="body" orient="vert" idx="1"/>
-          </p:nvPr>
-        </p:nvSpPr>
-        <p:spPr>
-          <a:xfrm>
-            <a:off x="1484312" y="685800"/>
-            <a:ext cx="8019742" cy="5105400"/>
-          </a:xfrm>
-        </p:spPr>
-        <p:txBody>
-          <a:bodyPr vert="eaVert" anchor="t"/>
-          <a:lstStyle/>
-          <a:p>
             <a:pPr lvl="0"/>
             <a:r>
               <a:rPr lang="en-US"/>
-              <a:t>Click to edit Master text styles</a:t>
+              <a:t>Edit Master text styles</a:t>
             </a:r>
           </a:p>
           <a:p>
@@ -3133,7 +3223,7 @@
           <a:p>
             <a:fld id="{A5069159-9A21-43DE-98CD-556719D78758}" type="datetimeFigureOut">
               <a:rPr lang="en-US" smtClean="0"/>
-              <a:t>7/21/2021</a:t>
+              <a:t>7/22/21</a:t>
             </a:fld>
             <a:endParaRPr lang="en-US"/>
           </a:p>
@@ -3184,7 +3274,7 @@
     </p:spTree>
     <p:extLst>
       <p:ext uri="{BB962C8B-B14F-4D97-AF65-F5344CB8AC3E}">
-        <p14:creationId xmlns:p14="http://schemas.microsoft.com/office/powerpoint/2010/main" val="474470993"/>
+        <p14:creationId xmlns:p14="http://schemas.microsoft.com/office/powerpoint/2010/main" val="4112170026"/>
       </p:ext>
     </p:extLst>
   </p:cSld>
@@ -3246,64 +3336,64 @@
         </p:nvSpPr>
         <p:spPr/>
         <p:txBody>
-          <a:bodyPr anchor="ctr"/>
-          <a:lstStyle/>
-          <a:p>
-            <a:pPr lvl="0"/>
-            <a:r>
-              <a:rPr lang="en-US"/>
-              <a:t>Click to edit Master text styles</a:t>
-            </a:r>
-          </a:p>
-          <a:p>
-            <a:pPr lvl="1"/>
-            <a:r>
-              <a:rPr lang="en-US"/>
-              <a:t>Second level</a:t>
-            </a:r>
-          </a:p>
-          <a:p>
-            <a:pPr lvl="2"/>
-            <a:r>
-              <a:rPr lang="en-US"/>
-              <a:t>Third level</a:t>
-            </a:r>
-          </a:p>
-          <a:p>
-            <a:pPr lvl="3"/>
-            <a:r>
-              <a:rPr lang="en-US"/>
-              <a:t>Fourth level</a:t>
-            </a:r>
-          </a:p>
-          <a:p>
-            <a:pPr lvl="4"/>
-            <a:r>
-              <a:rPr lang="en-US"/>
-              <a:t>Fifth level</a:t>
-            </a:r>
-            <a:endParaRPr lang="en-US" dirty="0"/>
-          </a:p>
-        </p:txBody>
-      </p:sp>
-      <p:sp>
-        <p:nvSpPr>
-          <p:cNvPr id="4" name="Date Placeholder 3"/>
-          <p:cNvSpPr>
-            <a:spLocks noGrp="1"/>
-          </p:cNvSpPr>
-          <p:nvPr>
-            <p:ph type="dt" sz="half" idx="10"/>
-          </p:nvPr>
-        </p:nvSpPr>
-        <p:spPr/>
-        <p:txBody>
           <a:bodyPr/>
           <a:lstStyle/>
           <a:p>
+            <a:pPr lvl="0"/>
+            <a:r>
+              <a:rPr lang="en-US"/>
+              <a:t>Edit Master text styles</a:t>
+            </a:r>
+          </a:p>
+          <a:p>
+            <a:pPr lvl="1"/>
+            <a:r>
+              <a:rPr lang="en-US"/>
+              <a:t>Second level</a:t>
+            </a:r>
+          </a:p>
+          <a:p>
+            <a:pPr lvl="2"/>
+            <a:r>
+              <a:rPr lang="en-US"/>
+              <a:t>Third level</a:t>
+            </a:r>
+          </a:p>
+          <a:p>
+            <a:pPr lvl="3"/>
+            <a:r>
+              <a:rPr lang="en-US"/>
+              <a:t>Fourth level</a:t>
+            </a:r>
+          </a:p>
+          <a:p>
+            <a:pPr lvl="4"/>
+            <a:r>
+              <a:rPr lang="en-US"/>
+              <a:t>Fifth level</a:t>
+            </a:r>
+            <a:endParaRPr lang="en-US" dirty="0"/>
+          </a:p>
+        </p:txBody>
+      </p:sp>
+      <p:sp>
+        <p:nvSpPr>
+          <p:cNvPr id="7" name="Date Placeholder 3"/>
+          <p:cNvSpPr>
+            <a:spLocks noGrp="1"/>
+          </p:cNvSpPr>
+          <p:nvPr>
+            <p:ph type="dt" sz="half" idx="10"/>
+          </p:nvPr>
+        </p:nvSpPr>
+        <p:spPr/>
+        <p:txBody>
+          <a:bodyPr/>
+          <a:lstStyle/>
+          <a:p>
             <a:fld id="{A5069159-9A21-43DE-98CD-556719D78758}" type="datetimeFigureOut">
               <a:rPr lang="en-US" smtClean="0"/>
-              <a:t>7/21/2021</a:t>
+              <a:t>7/22/21</a:t>
             </a:fld>
             <a:endParaRPr lang="en-US"/>
           </a:p>
@@ -3338,12 +3428,7 @@
             <p:ph type="sldNum" sz="quarter" idx="12"/>
           </p:nvPr>
         </p:nvSpPr>
-        <p:spPr>
-          <a:xfrm>
-            <a:off x="10951856" y="5867131"/>
-            <a:ext cx="551167" cy="365125"/>
-          </a:xfrm>
-        </p:spPr>
+        <p:spPr/>
         <p:txBody>
           <a:bodyPr/>
           <a:lstStyle/>
@@ -3359,7 +3444,7 @@
     </p:spTree>
     <p:extLst>
       <p:ext uri="{BB962C8B-B14F-4D97-AF65-F5344CB8AC3E}">
-        <p14:creationId xmlns:p14="http://schemas.microsoft.com/office/powerpoint/2010/main" val="2435377872"/>
+        <p14:creationId xmlns:p14="http://schemas.microsoft.com/office/powerpoint/2010/main" val="1995524745"/>
       </p:ext>
     </p:extLst>
   </p:cSld>
@@ -3398,14 +3483,14 @@
         </p:nvSpPr>
         <p:spPr>
           <a:xfrm>
-            <a:off x="2572279" y="2666999"/>
-            <a:ext cx="8930747" cy="2110382"/>
+            <a:off x="1154956" y="2861733"/>
+            <a:ext cx="8825657" cy="1915647"/>
           </a:xfrm>
         </p:spPr>
         <p:txBody>
           <a:bodyPr anchor="b"/>
           <a:lstStyle>
-            <a:lvl1pPr algn="r">
+            <a:lvl1pPr algn="l">
               <a:defRPr sz="4000" b="0" cap="none"/>
             </a:lvl1pPr>
           </a:lstStyle>
@@ -3430,20 +3515,21 @@
         </p:nvSpPr>
         <p:spPr>
           <a:xfrm>
-            <a:off x="2572278" y="4777381"/>
-            <a:ext cx="8930748" cy="860400"/>
-          </a:xfrm>
-        </p:spPr>
-        <p:txBody>
-          <a:bodyPr anchor="t">
-            <a:normAutofit/>
-          </a:bodyPr>
+            <a:off x="1154955" y="4777381"/>
+            <a:ext cx="8825658" cy="860400"/>
+          </a:xfrm>
+        </p:spPr>
+        <p:txBody>
+          <a:bodyPr anchor="t"/>
           <a:lstStyle>
-            <a:lvl1pPr marL="0" indent="0" algn="r">
-              <a:buNone/>
-              <a:defRPr sz="2000">
+            <a:lvl1pPr marL="0" indent="0" algn="l">
+              <a:buNone/>
+              <a:defRPr sz="2000" cap="all">
                 <a:solidFill>
-                  <a:schemeClr val="tx1"/>
+                  <a:schemeClr val="bg2">
+                    <a:lumMod val="40000"/>
+                    <a:lumOff val="60000"/>
+                  </a:schemeClr>
                 </a:solidFill>
               </a:defRPr>
             </a:lvl1pPr>
@@ -3532,7 +3618,7 @@
             <a:pPr lvl="0"/>
             <a:r>
               <a:rPr lang="en-US"/>
-              <a:t>Click to edit Master text styles</a:t>
+              <a:t>Edit Master text styles</a:t>
             </a:r>
           </a:p>
         </p:txBody>
@@ -3554,7 +3640,7 @@
           <a:p>
             <a:fld id="{A5069159-9A21-43DE-98CD-556719D78758}" type="datetimeFigureOut">
               <a:rPr lang="en-US" smtClean="0"/>
-              <a:t>7/21/2021</a:t>
+              <a:t>7/22/21</a:t>
             </a:fld>
             <a:endParaRPr lang="en-US"/>
           </a:p>
@@ -3605,7 +3691,7 @@
     </p:spTree>
     <p:extLst>
       <p:ext uri="{BB962C8B-B14F-4D97-AF65-F5344CB8AC3E}">
-        <p14:creationId xmlns:p14="http://schemas.microsoft.com/office/powerpoint/2010/main" val="3520693345"/>
+        <p14:creationId xmlns:p14="http://schemas.microsoft.com/office/powerpoint/2010/main" val="1086100307"/>
       </p:ext>
     </p:extLst>
   </p:cSld>
@@ -3642,12 +3728,7 @@
             <p:ph type="title"/>
           </p:nvPr>
         </p:nvSpPr>
-        <p:spPr>
-          <a:xfrm>
-            <a:off x="1484311" y="685800"/>
-            <a:ext cx="10018713" cy="1752599"/>
-          </a:xfrm>
-        </p:spPr>
+        <p:spPr/>
         <p:txBody>
           <a:bodyPr/>
           <a:lstStyle/>
@@ -3672,8 +3753,8 @@
         </p:nvSpPr>
         <p:spPr>
           <a:xfrm>
-            <a:off x="1484312" y="2666999"/>
-            <a:ext cx="4895055" cy="3124201"/>
+            <a:off x="1103312" y="2060575"/>
+            <a:ext cx="4396339" cy="4195763"/>
           </a:xfrm>
         </p:spPr>
         <p:txBody>
@@ -3713,7 +3794,7 @@
             <a:pPr lvl="0"/>
             <a:r>
               <a:rPr lang="en-US"/>
-              <a:t>Click to edit Master text styles</a:t>
+              <a:t>Edit Master text styles</a:t>
             </a:r>
           </a:p>
           <a:p>
@@ -3759,8 +3840,8 @@
         </p:nvSpPr>
         <p:spPr>
           <a:xfrm>
-            <a:off x="6607967" y="2667000"/>
-            <a:ext cx="4895056" cy="3124200"/>
+            <a:off x="5654493" y="2056092"/>
+            <a:ext cx="4396341" cy="4200245"/>
           </a:xfrm>
         </p:spPr>
         <p:txBody>
@@ -3800,7 +3881,7 @@
             <a:pPr lvl="0"/>
             <a:r>
               <a:rPr lang="en-US"/>
-              <a:t>Click to edit Master text styles</a:t>
+              <a:t>Edit Master text styles</a:t>
             </a:r>
           </a:p>
           <a:p>
@@ -3851,7 +3932,7 @@
           <a:p>
             <a:fld id="{A5069159-9A21-43DE-98CD-556719D78758}" type="datetimeFigureOut">
               <a:rPr lang="en-US" smtClean="0"/>
-              <a:t>7/21/2021</a:t>
+              <a:t>7/22/21</a:t>
             </a:fld>
             <a:endParaRPr lang="en-US"/>
           </a:p>
@@ -3902,7 +3983,7 @@
     </p:spTree>
     <p:extLst>
       <p:ext uri="{BB962C8B-B14F-4D97-AF65-F5344CB8AC3E}">
-        <p14:creationId xmlns:p14="http://schemas.microsoft.com/office/powerpoint/2010/main" val="4025226899"/>
+        <p14:creationId xmlns:p14="http://schemas.microsoft.com/office/powerpoint/2010/main" val="1119925162"/>
       </p:ext>
     </p:extLst>
   </p:cSld>
@@ -3968,8 +4049,8 @@
         </p:nvSpPr>
         <p:spPr>
           <a:xfrm>
-            <a:off x="1772179" y="2658533"/>
-            <a:ext cx="4607188" cy="576262"/>
+            <a:off x="1103313" y="1905000"/>
+            <a:ext cx="4396338" cy="576262"/>
           </a:xfrm>
         </p:spPr>
         <p:txBody>
@@ -3979,10 +4060,11 @@
           <a:lstStyle>
             <a:lvl1pPr marL="0" indent="0">
               <a:buNone/>
-              <a:defRPr sz="2800" b="0">
+              <a:defRPr sz="2400" b="0">
                 <a:solidFill>
-                  <a:schemeClr val="accent1">
-                    <a:lumMod val="75000"/>
+                  <a:schemeClr val="bg2">
+                    <a:lumMod val="40000"/>
+                    <a:lumOff val="60000"/>
                   </a:schemeClr>
                 </a:solidFill>
               </a:defRPr>
@@ -4024,7 +4106,7 @@
             <a:pPr lvl="0"/>
             <a:r>
               <a:rPr lang="en-US"/>
-              <a:t>Click to edit Master text styles</a:t>
+              <a:t>Edit Master text styles</a:t>
             </a:r>
           </a:p>
         </p:txBody>
@@ -4041,12 +4123,12 @@
         </p:nvSpPr>
         <p:spPr>
           <a:xfrm>
-            <a:off x="1484311" y="3335337"/>
-            <a:ext cx="4895056" cy="2455862"/>
-          </a:xfrm>
-        </p:spPr>
-        <p:txBody>
-          <a:bodyPr anchor="t">
+            <a:off x="1103312" y="2514600"/>
+            <a:ext cx="4396339" cy="3741738"/>
+          </a:xfrm>
+        </p:spPr>
+        <p:txBody>
+          <a:bodyPr>
             <a:normAutofit/>
           </a:bodyPr>
           <a:lstStyle>
@@ -4082,7 +4164,7 @@
             <a:pPr lvl="0"/>
             <a:r>
               <a:rPr lang="en-US"/>
-              <a:t>Click to edit Master text styles</a:t>
+              <a:t>Edit Master text styles</a:t>
             </a:r>
           </a:p>
           <a:p>
@@ -4128,8 +4210,8 @@
         </p:nvSpPr>
         <p:spPr>
           <a:xfrm>
-            <a:off x="6880487" y="2667000"/>
-            <a:ext cx="4622537" cy="576262"/>
+            <a:off x="5654495" y="1905000"/>
+            <a:ext cx="4396339" cy="576262"/>
           </a:xfrm>
         </p:spPr>
         <p:txBody>
@@ -4139,10 +4221,11 @@
           <a:lstStyle>
             <a:lvl1pPr marL="0" indent="0">
               <a:buNone/>
-              <a:defRPr sz="2800" b="0">
+              <a:defRPr sz="2400" b="0">
                 <a:solidFill>
-                  <a:schemeClr val="accent1">
-                    <a:lumMod val="75000"/>
+                  <a:schemeClr val="bg2">
+                    <a:lumMod val="40000"/>
+                    <a:lumOff val="60000"/>
                   </a:schemeClr>
                 </a:solidFill>
               </a:defRPr>
@@ -4184,7 +4267,7 @@
             <a:pPr lvl="0"/>
             <a:r>
               <a:rPr lang="en-US"/>
-              <a:t>Click to edit Master text styles</a:t>
+              <a:t>Edit Master text styles</a:t>
             </a:r>
           </a:p>
         </p:txBody>
@@ -4201,12 +4284,12 @@
         </p:nvSpPr>
         <p:spPr>
           <a:xfrm>
-            <a:off x="6607967" y="3335337"/>
-            <a:ext cx="4895056" cy="2455862"/>
-          </a:xfrm>
-        </p:spPr>
-        <p:txBody>
-          <a:bodyPr anchor="t">
+            <a:off x="5654495" y="2514600"/>
+            <a:ext cx="4396339" cy="3741738"/>
+          </a:xfrm>
+        </p:spPr>
+        <p:txBody>
+          <a:bodyPr>
             <a:normAutofit/>
           </a:bodyPr>
           <a:lstStyle>
@@ -4242,7 +4325,7 @@
             <a:pPr lvl="0"/>
             <a:r>
               <a:rPr lang="en-US"/>
-              <a:t>Click to edit Master text styles</a:t>
+              <a:t>Edit Master text styles</a:t>
             </a:r>
           </a:p>
           <a:p>
@@ -4293,7 +4376,7 @@
           <a:p>
             <a:fld id="{A5069159-9A21-43DE-98CD-556719D78758}" type="datetimeFigureOut">
               <a:rPr lang="en-US" smtClean="0"/>
-              <a:t>7/21/2021</a:t>
+              <a:t>7/22/21</a:t>
             </a:fld>
             <a:endParaRPr lang="en-US"/>
           </a:p>
@@ -4344,7 +4427,7 @@
     </p:spTree>
     <p:extLst>
       <p:ext uri="{BB962C8B-B14F-4D97-AF65-F5344CB8AC3E}">
-        <p14:creationId xmlns:p14="http://schemas.microsoft.com/office/powerpoint/2010/main" val="2739165849"/>
+        <p14:creationId xmlns:p14="http://schemas.microsoft.com/office/powerpoint/2010/main" val="1073270977"/>
       </p:ext>
     </p:extLst>
   </p:cSld>
@@ -4396,7 +4479,7 @@
       </p:sp>
       <p:sp>
         <p:nvSpPr>
-          <p:cNvPr id="3" name="Date Placeholder 2"/>
+          <p:cNvPr id="7" name="Date Placeholder 2"/>
           <p:cNvSpPr>
             <a:spLocks noGrp="1"/>
           </p:cNvSpPr>
@@ -4411,7 +4494,7 @@
           <a:p>
             <a:fld id="{A5069159-9A21-43DE-98CD-556719D78758}" type="datetimeFigureOut">
               <a:rPr lang="en-US" smtClean="0"/>
-              <a:t>7/21/2021</a:t>
+              <a:t>7/22/21</a:t>
             </a:fld>
             <a:endParaRPr lang="en-US"/>
           </a:p>
@@ -4419,7 +4502,7 @@
       </p:sp>
       <p:sp>
         <p:nvSpPr>
-          <p:cNvPr id="4" name="Footer Placeholder 3"/>
+          <p:cNvPr id="5" name="Footer Placeholder 3"/>
           <p:cNvSpPr>
             <a:spLocks noGrp="1"/>
           </p:cNvSpPr>
@@ -4438,7 +4521,7 @@
       </p:sp>
       <p:sp>
         <p:nvSpPr>
-          <p:cNvPr id="5" name="Slide Number Placeholder 4"/>
+          <p:cNvPr id="6" name="Slide Number Placeholder 4"/>
           <p:cNvSpPr>
             <a:spLocks noGrp="1"/>
           </p:cNvSpPr>
@@ -4462,7 +4545,7 @@
     </p:spTree>
     <p:extLst>
       <p:ext uri="{BB962C8B-B14F-4D97-AF65-F5344CB8AC3E}">
-        <p14:creationId xmlns:p14="http://schemas.microsoft.com/office/powerpoint/2010/main" val="2728193456"/>
+        <p14:creationId xmlns:p14="http://schemas.microsoft.com/office/powerpoint/2010/main" val="350953955"/>
       </p:ext>
     </p:extLst>
   </p:cSld>
@@ -4491,7 +4574,7 @@
       </p:grpSpPr>
       <p:sp>
         <p:nvSpPr>
-          <p:cNvPr id="2" name="Date Placeholder 1"/>
+          <p:cNvPr id="7" name="Date Placeholder 1"/>
           <p:cNvSpPr>
             <a:spLocks noGrp="1"/>
           </p:cNvSpPr>
@@ -4506,7 +4589,7 @@
           <a:p>
             <a:fld id="{A5069159-9A21-43DE-98CD-556719D78758}" type="datetimeFigureOut">
               <a:rPr lang="en-US" smtClean="0"/>
-              <a:t>7/21/2021</a:t>
+              <a:t>7/22/21</a:t>
             </a:fld>
             <a:endParaRPr lang="en-US"/>
           </a:p>
@@ -4514,7 +4597,7 @@
       </p:sp>
       <p:sp>
         <p:nvSpPr>
-          <p:cNvPr id="3" name="Footer Placeholder 2"/>
+          <p:cNvPr id="5" name="Footer Placeholder 2"/>
           <p:cNvSpPr>
             <a:spLocks noGrp="1"/>
           </p:cNvSpPr>
@@ -4533,7 +4616,7 @@
       </p:sp>
       <p:sp>
         <p:nvSpPr>
-          <p:cNvPr id="4" name="Slide Number Placeholder 3"/>
+          <p:cNvPr id="6" name="Slide Number Placeholder 3"/>
           <p:cNvSpPr>
             <a:spLocks noGrp="1"/>
           </p:cNvSpPr>
@@ -4557,7 +4640,7 @@
     </p:spTree>
     <p:extLst>
       <p:ext uri="{BB962C8B-B14F-4D97-AF65-F5344CB8AC3E}">
-        <p14:creationId xmlns:p14="http://schemas.microsoft.com/office/powerpoint/2010/main" val="4092535409"/>
+        <p14:creationId xmlns:p14="http://schemas.microsoft.com/office/powerpoint/2010/main" val="3658270998"/>
       </p:ext>
     </p:extLst>
   </p:cSld>
@@ -4596,16 +4679,14 @@
         </p:nvSpPr>
         <p:spPr>
           <a:xfrm>
-            <a:off x="1484312" y="1600200"/>
-            <a:ext cx="3549121" cy="1371600"/>
-          </a:xfrm>
-        </p:spPr>
-        <p:txBody>
-          <a:bodyPr anchor="b">
-            <a:normAutofit/>
-          </a:bodyPr>
+            <a:off x="1154953" y="1447800"/>
+            <a:ext cx="3401064" cy="1447800"/>
+          </a:xfrm>
+        </p:spPr>
+        <p:txBody>
+          <a:bodyPr anchor="b"/>
           <a:lstStyle>
-            <a:lvl1pPr algn="ctr">
+            <a:lvl1pPr algn="l">
               <a:defRPr sz="2400" b="0"/>
             </a:lvl1pPr>
           </a:lstStyle>
@@ -4630,8 +4711,8 @@
         </p:nvSpPr>
         <p:spPr>
           <a:xfrm>
-            <a:off x="5262033" y="685799"/>
-            <a:ext cx="6240990" cy="5105401"/>
+            <a:off x="4784616" y="1447800"/>
+            <a:ext cx="5195997" cy="4572000"/>
           </a:xfrm>
         </p:spPr>
         <p:txBody>
@@ -4671,7 +4752,7 @@
             <a:pPr lvl="0"/>
             <a:r>
               <a:rPr lang="en-US"/>
-              <a:t>Click to edit Master text styles</a:t>
+              <a:t>Edit Master text styles</a:t>
             </a:r>
           </a:p>
           <a:p>
@@ -4717,18 +4798,16 @@
         </p:nvSpPr>
         <p:spPr>
           <a:xfrm>
-            <a:off x="1484312" y="2971800"/>
-            <a:ext cx="3549121" cy="1828800"/>
-          </a:xfrm>
-        </p:spPr>
-        <p:txBody>
-          <a:bodyPr>
-            <a:normAutofit/>
-          </a:bodyPr>
+            <a:off x="1154953" y="3129280"/>
+            <a:ext cx="3401063" cy="2895599"/>
+          </a:xfrm>
+        </p:spPr>
+        <p:txBody>
+          <a:bodyPr/>
           <a:lstStyle>
-            <a:lvl1pPr marL="0" indent="0" algn="ctr">
-              <a:buNone/>
-              <a:defRPr sz="1600"/>
+            <a:lvl1pPr marL="0" indent="0">
+              <a:buNone/>
+              <a:defRPr sz="1400"/>
             </a:lvl1pPr>
             <a:lvl2pPr marL="457200" indent="0">
               <a:buNone/>
@@ -4767,14 +4846,14 @@
             <a:pPr lvl="0"/>
             <a:r>
               <a:rPr lang="en-US"/>
-              <a:t>Click to edit Master text styles</a:t>
-            </a:r>
-          </a:p>
-        </p:txBody>
-      </p:sp>
-      <p:sp>
-        <p:nvSpPr>
-          <p:cNvPr id="5" name="Date Placeholder 4"/>
+              <a:t>Edit Master text styles</a:t>
+            </a:r>
+          </a:p>
+        </p:txBody>
+      </p:sp>
+      <p:sp>
+        <p:nvSpPr>
+          <p:cNvPr id="7" name="Date Placeholder 4"/>
           <p:cNvSpPr>
             <a:spLocks noGrp="1"/>
           </p:cNvSpPr>
@@ -4789,7 +4868,7 @@
           <a:p>
             <a:fld id="{A5069159-9A21-43DE-98CD-556719D78758}" type="datetimeFigureOut">
               <a:rPr lang="en-US" smtClean="0"/>
-              <a:t>7/21/2021</a:t>
+              <a:t>7/22/21</a:t>
             </a:fld>
             <a:endParaRPr lang="en-US"/>
           </a:p>
@@ -4797,7 +4876,7 @@
       </p:sp>
       <p:sp>
         <p:nvSpPr>
-          <p:cNvPr id="6" name="Footer Placeholder 5"/>
+          <p:cNvPr id="5" name="Footer Placeholder 5"/>
           <p:cNvSpPr>
             <a:spLocks noGrp="1"/>
           </p:cNvSpPr>
@@ -4816,7 +4895,7 @@
       </p:sp>
       <p:sp>
         <p:nvSpPr>
-          <p:cNvPr id="7" name="Slide Number Placeholder 6"/>
+          <p:cNvPr id="6" name="Slide Number Placeholder 6"/>
           <p:cNvSpPr>
             <a:spLocks noGrp="1"/>
           </p:cNvSpPr>
@@ -4840,7 +4919,7 @@
     </p:spTree>
     <p:extLst>
       <p:ext uri="{BB962C8B-B14F-4D97-AF65-F5344CB8AC3E}">
-        <p14:creationId xmlns:p14="http://schemas.microsoft.com/office/powerpoint/2010/main" val="790205039"/>
+        <p14:creationId xmlns:p14="http://schemas.microsoft.com/office/powerpoint/2010/main" val="1994838208"/>
       </p:ext>
     </p:extLst>
   </p:cSld>
@@ -4879,8 +4958,8 @@
         </p:nvSpPr>
         <p:spPr>
           <a:xfrm>
-            <a:off x="1482724" y="1752599"/>
-            <a:ext cx="5426158" cy="1371600"/>
+            <a:off x="1153907" y="1854192"/>
+            <a:ext cx="5092906" cy="1574808"/>
           </a:xfrm>
         </p:spPr>
         <p:txBody>
@@ -4888,8 +4967,8 @@
             <a:normAutofit/>
           </a:bodyPr>
           <a:lstStyle>
-            <a:lvl1pPr algn="ctr">
-              <a:defRPr sz="2800" b="0"/>
+            <a:lvl1pPr algn="l">
+              <a:defRPr sz="3600" b="0"/>
             </a:lvl1pPr>
           </a:lstStyle>
           <a:p>
@@ -4903,7 +4982,7 @@
       </p:sp>
       <p:sp>
         <p:nvSpPr>
-          <p:cNvPr id="14" name="Picture Placeholder 2"/>
+          <p:cNvPr id="3" name="Picture Placeholder 2"/>
           <p:cNvSpPr>
             <a:spLocks noGrp="1" noChangeAspect="1"/>
           </p:cNvSpPr>
@@ -4913,36 +4992,20 @@
         </p:nvSpPr>
         <p:spPr>
           <a:xfrm>
-            <a:off x="7594682" y="914400"/>
-            <a:ext cx="3280974" cy="4572000"/>
+            <a:off x="6949546" y="1143000"/>
+            <a:ext cx="3200400" cy="4572000"/>
           </a:xfrm>
           <a:prstGeom prst="roundRect">
             <a:avLst>
-              <a:gd name="adj" fmla="val 4280"/>
+              <a:gd name="adj" fmla="val 1858"/>
             </a:avLst>
           </a:prstGeom>
-          <a:ln w="38100">
-            <a:gradFill flip="none" rotWithShape="1">
-              <a:gsLst>
-                <a:gs pos="0">
-                  <a:schemeClr val="bg2"/>
-                </a:gs>
-                <a:gs pos="100000">
-                  <a:schemeClr val="bg2">
-                    <a:lumMod val="75000"/>
-                  </a:schemeClr>
-                </a:gs>
-              </a:gsLst>
-              <a:lin ang="5400000" scaled="0"/>
-              <a:tileRect/>
-            </a:gradFill>
-          </a:ln>
           <a:effectLst>
-            <a:innerShdw blurRad="57150" dist="38100" dir="14460000">
+            <a:outerShdw blurRad="50800" dist="50800" dir="5400000" algn="tl" rotWithShape="0">
               <a:srgbClr val="000000">
-                <a:alpha val="70000"/>
+                <a:alpha val="43000"/>
               </a:srgbClr>
-            </a:innerShdw>
+            </a:outerShdw>
           </a:effectLst>
         </p:spPr>
         <p:txBody>
@@ -5008,8 +5071,8 @@
         </p:nvSpPr>
         <p:spPr>
           <a:xfrm>
-            <a:off x="1482724" y="3124199"/>
-            <a:ext cx="5426158" cy="1828800"/>
+            <a:off x="1154954" y="3657600"/>
+            <a:ext cx="5084979" cy="1371600"/>
           </a:xfrm>
         </p:spPr>
         <p:txBody>
@@ -5017,9 +5080,9 @@
             <a:normAutofit/>
           </a:bodyPr>
           <a:lstStyle>
-            <a:lvl1pPr marL="0" indent="0" algn="ctr">
-              <a:buNone/>
-              <a:defRPr sz="1800"/>
+            <a:lvl1pPr marL="0" indent="0">
+              <a:buNone/>
+              <a:defRPr sz="1400"/>
             </a:lvl1pPr>
             <a:lvl2pPr marL="457200" indent="0">
               <a:buNone/>
@@ -5058,7 +5121,7 @@
             <a:pPr lvl="0"/>
             <a:r>
               <a:rPr lang="en-US"/>
-              <a:t>Click to edit Master text styles</a:t>
+              <a:t>Edit Master text styles</a:t>
             </a:r>
           </a:p>
         </p:txBody>
@@ -5080,7 +5143,7 @@
           <a:p>
             <a:fld id="{A5069159-9A21-43DE-98CD-556719D78758}" type="datetimeFigureOut">
               <a:rPr lang="en-US" smtClean="0"/>
-              <a:t>7/21/2021</a:t>
+              <a:t>7/22/21</a:t>
             </a:fld>
             <a:endParaRPr lang="en-US"/>
           </a:p>
@@ -5131,7 +5194,7 @@
     </p:spTree>
     <p:extLst>
       <p:ext uri="{BB962C8B-B14F-4D97-AF65-F5344CB8AC3E}">
-        <p14:creationId xmlns:p14="http://schemas.microsoft.com/office/powerpoint/2010/main" val="2869087712"/>
+        <p14:creationId xmlns:p14="http://schemas.microsoft.com/office/powerpoint/2010/main" val="2111497494"/>
       </p:ext>
     </p:extLst>
   </p:cSld>
@@ -5163,351 +5226,311 @@
           <a:chExt cx="0" cy="0"/>
         </a:xfrm>
       </p:grpSpPr>
-      <p:grpSp>
-        <p:nvGrpSpPr>
-          <p:cNvPr id="7" name="Group 6"/>
-          <p:cNvGrpSpPr/>
+      <p:pic>
+        <p:nvPicPr>
+          <p:cNvPr id="8" name="Picture 7"/>
+          <p:cNvPicPr>
+            <a:picLocks noChangeAspect="1"/>
+          </p:cNvPicPr>
           <p:nvPr/>
-        </p:nvGrpSpPr>
-        <p:grpSpPr>
-          <a:xfrm>
-            <a:off x="150812" y="0"/>
-            <a:ext cx="2436813" cy="6858001"/>
-            <a:chOff x="1320800" y="0"/>
-            <a:chExt cx="2436813" cy="6858001"/>
-          </a:xfrm>
-        </p:grpSpPr>
-        <p:sp>
-          <p:nvSpPr>
-            <p:cNvPr id="8" name="Freeform 6"/>
-            <p:cNvSpPr/>
-            <p:nvPr/>
-          </p:nvSpPr>
-          <p:spPr bwMode="auto">
-            <a:xfrm>
-              <a:off x="1627188" y="0"/>
-              <a:ext cx="1122363" cy="5329238"/>
-            </a:xfrm>
-            <a:custGeom>
-              <a:avLst/>
-              <a:gdLst/>
-              <a:ahLst/>
-              <a:cxnLst/>
-              <a:rect l="0" t="0" r="r" b="b"/>
-              <a:pathLst>
-                <a:path w="707" h="3357">
-                  <a:moveTo>
-                    <a:pt x="0" y="3330"/>
-                  </a:moveTo>
-                  <a:lnTo>
-                    <a:pt x="156" y="3357"/>
-                  </a:lnTo>
-                  <a:lnTo>
-                    <a:pt x="707" y="0"/>
-                  </a:lnTo>
-                  <a:lnTo>
-                    <a:pt x="547" y="0"/>
-                  </a:lnTo>
-                  <a:lnTo>
-                    <a:pt x="0" y="3330"/>
-                  </a:lnTo>
-                  <a:close/>
-                </a:path>
-              </a:pathLst>
-            </a:custGeom>
-            <a:solidFill>
-              <a:schemeClr val="accent1"/>
-            </a:solidFill>
-            <a:ln>
-              <a:noFill/>
-            </a:ln>
-          </p:spPr>
-        </p:sp>
-        <p:sp>
-          <p:nvSpPr>
-            <p:cNvPr id="9" name="Freeform 7"/>
-            <p:cNvSpPr/>
-            <p:nvPr/>
-          </p:nvSpPr>
-          <p:spPr bwMode="auto">
-            <a:xfrm>
-              <a:off x="1320800" y="0"/>
-              <a:ext cx="1117600" cy="5276850"/>
-            </a:xfrm>
-            <a:custGeom>
-              <a:avLst/>
-              <a:gdLst/>
-              <a:ahLst/>
-              <a:cxnLst/>
-              <a:rect l="0" t="0" r="r" b="b"/>
-              <a:pathLst>
-                <a:path w="704" h="3324">
-                  <a:moveTo>
-                    <a:pt x="704" y="0"/>
-                  </a:moveTo>
-                  <a:lnTo>
-                    <a:pt x="545" y="0"/>
-                  </a:lnTo>
-                  <a:lnTo>
-                    <a:pt x="0" y="3300"/>
-                  </a:lnTo>
-                  <a:lnTo>
-                    <a:pt x="157" y="3324"/>
-                  </a:lnTo>
-                  <a:lnTo>
-                    <a:pt x="704" y="0"/>
-                  </a:lnTo>
-                  <a:close/>
-                </a:path>
-              </a:pathLst>
-            </a:custGeom>
-            <a:solidFill>
-              <a:schemeClr val="tx1">
-                <a:lumMod val="65000"/>
-                <a:lumOff val="35000"/>
-              </a:schemeClr>
-            </a:solidFill>
-            <a:ln>
-              <a:noFill/>
-            </a:ln>
-          </p:spPr>
-        </p:sp>
-        <p:sp>
-          <p:nvSpPr>
-            <p:cNvPr id="10" name="Freeform 8"/>
-            <p:cNvSpPr/>
-            <p:nvPr/>
-          </p:nvSpPr>
-          <p:spPr bwMode="auto">
-            <a:xfrm>
-              <a:off x="1320800" y="5238750"/>
-              <a:ext cx="1228725" cy="1619250"/>
-            </a:xfrm>
-            <a:custGeom>
-              <a:avLst/>
-              <a:gdLst/>
-              <a:ahLst/>
-              <a:cxnLst/>
-              <a:rect l="0" t="0" r="r" b="b"/>
-              <a:pathLst>
-                <a:path w="774" h="1020">
-                  <a:moveTo>
-                    <a:pt x="0" y="0"/>
-                  </a:moveTo>
-                  <a:lnTo>
-                    <a:pt x="740" y="1020"/>
-                  </a:lnTo>
-                  <a:lnTo>
-                    <a:pt x="774" y="1020"/>
-                  </a:lnTo>
-                  <a:lnTo>
-                    <a:pt x="0" y="0"/>
-                  </a:lnTo>
-                  <a:close/>
-                </a:path>
-              </a:pathLst>
-            </a:custGeom>
-            <a:solidFill>
-              <a:schemeClr val="tx1">
-                <a:lumMod val="85000"/>
-                <a:lumOff val="15000"/>
-              </a:schemeClr>
-            </a:solidFill>
-            <a:ln>
-              <a:noFill/>
-            </a:ln>
-          </p:spPr>
-        </p:sp>
-        <p:sp>
-          <p:nvSpPr>
-            <p:cNvPr id="11" name="Freeform 9"/>
-            <p:cNvSpPr/>
-            <p:nvPr/>
-          </p:nvSpPr>
-          <p:spPr bwMode="auto">
-            <a:xfrm>
-              <a:off x="1627188" y="5291138"/>
-              <a:ext cx="1495425" cy="1566863"/>
-            </a:xfrm>
-            <a:custGeom>
-              <a:avLst/>
-              <a:gdLst/>
-              <a:ahLst/>
-              <a:cxnLst/>
-              <a:rect l="0" t="0" r="r" b="b"/>
-              <a:pathLst>
-                <a:path w="942" h="987">
-                  <a:moveTo>
-                    <a:pt x="0" y="0"/>
-                  </a:moveTo>
-                  <a:lnTo>
-                    <a:pt x="909" y="987"/>
-                  </a:lnTo>
-                  <a:lnTo>
-                    <a:pt x="942" y="987"/>
-                  </a:lnTo>
-                  <a:lnTo>
-                    <a:pt x="0" y="0"/>
-                  </a:lnTo>
-                  <a:close/>
-                </a:path>
-              </a:pathLst>
-            </a:custGeom>
-            <a:solidFill>
-              <a:schemeClr val="accent1">
-                <a:lumMod val="50000"/>
-              </a:schemeClr>
-            </a:solidFill>
-            <a:ln>
-              <a:noFill/>
-            </a:ln>
-          </p:spPr>
-        </p:sp>
-        <p:sp>
-          <p:nvSpPr>
-            <p:cNvPr id="12" name="Freeform 10"/>
-            <p:cNvSpPr/>
-            <p:nvPr/>
-          </p:nvSpPr>
-          <p:spPr bwMode="auto">
-            <a:xfrm>
-              <a:off x="1627188" y="5286375"/>
-              <a:ext cx="2130425" cy="1571625"/>
-            </a:xfrm>
-            <a:custGeom>
-              <a:avLst/>
-              <a:gdLst/>
-              <a:ahLst/>
-              <a:cxnLst/>
-              <a:rect l="0" t="0" r="r" b="b"/>
-              <a:pathLst>
-                <a:path w="1342" h="990">
-                  <a:moveTo>
-                    <a:pt x="0" y="3"/>
-                  </a:moveTo>
-                  <a:lnTo>
-                    <a:pt x="942" y="990"/>
-                  </a:lnTo>
-                  <a:lnTo>
-                    <a:pt x="1342" y="990"/>
-                  </a:lnTo>
-                  <a:lnTo>
-                    <a:pt x="156" y="27"/>
-                  </a:lnTo>
-                  <a:lnTo>
-                    <a:pt x="0" y="0"/>
-                  </a:lnTo>
-                  <a:lnTo>
-                    <a:pt x="0" y="3"/>
-                  </a:lnTo>
-                  <a:close/>
-                </a:path>
-              </a:pathLst>
-            </a:custGeom>
-            <a:solidFill>
-              <a:schemeClr val="accent1">
-                <a:lumMod val="75000"/>
-              </a:schemeClr>
-            </a:solidFill>
-            <a:ln>
-              <a:noFill/>
-            </a:ln>
-          </p:spPr>
-        </p:sp>
-        <p:sp>
-          <p:nvSpPr>
-            <p:cNvPr id="13" name="Freeform 11"/>
-            <p:cNvSpPr/>
-            <p:nvPr/>
-          </p:nvSpPr>
-          <p:spPr bwMode="auto">
-            <a:xfrm>
-              <a:off x="1320800" y="5238750"/>
-              <a:ext cx="1695450" cy="1619250"/>
-            </a:xfrm>
-            <a:custGeom>
-              <a:avLst/>
-              <a:gdLst/>
-              <a:ahLst/>
-              <a:cxnLst/>
-              <a:rect l="0" t="0" r="r" b="b"/>
-              <a:pathLst>
-                <a:path w="1068" h="1020">
-                  <a:moveTo>
-                    <a:pt x="1068" y="1020"/>
-                  </a:moveTo>
-                  <a:lnTo>
-                    <a:pt x="184" y="60"/>
-                  </a:lnTo>
-                  <a:lnTo>
-                    <a:pt x="154" y="27"/>
-                  </a:lnTo>
-                  <a:lnTo>
-                    <a:pt x="157" y="27"/>
-                  </a:lnTo>
-                  <a:lnTo>
-                    <a:pt x="157" y="24"/>
-                  </a:lnTo>
-                  <a:lnTo>
-                    <a:pt x="154" y="24"/>
-                  </a:lnTo>
-                  <a:lnTo>
-                    <a:pt x="0" y="0"/>
-                  </a:lnTo>
-                  <a:lnTo>
-                    <a:pt x="0" y="0"/>
-                  </a:lnTo>
-                  <a:lnTo>
-                    <a:pt x="774" y="1020"/>
-                  </a:lnTo>
-                  <a:lnTo>
-                    <a:pt x="1068" y="1020"/>
-                  </a:lnTo>
-                  <a:close/>
-                </a:path>
-              </a:pathLst>
-            </a:custGeom>
-            <a:solidFill>
-              <a:schemeClr val="tx1">
-                <a:lumMod val="75000"/>
-                <a:lumOff val="25000"/>
-              </a:schemeClr>
-            </a:solidFill>
-            <a:ln>
-              <a:noFill/>
-            </a:ln>
-          </p:spPr>
-        </p:sp>
-      </p:grpSp>
-      <p:sp>
-        <p:nvSpPr>
-          <p:cNvPr id="2" name="Title Placeholder 1"/>
-          <p:cNvSpPr>
-            <a:spLocks noGrp="1"/>
-          </p:cNvSpPr>
-          <p:nvPr>
-            <p:ph type="title"/>
-          </p:nvPr>
-        </p:nvSpPr>
-        <p:spPr>
-          <a:xfrm>
-            <a:off x="1484311" y="685800"/>
-            <a:ext cx="10018713" cy="1752599"/>
+        </p:nvPicPr>
+        <p:blipFill rotWithShape="1">
+          <a:blip r:embed="rId19">
+            <a:extLst>
+              <a:ext uri="{28A0092B-C50C-407E-A947-70E740481C1C}">
+                <a14:useLocalDpi xmlns:a14="http://schemas.microsoft.com/office/drawing/2010/main" val="0"/>
+              </a:ext>
+            </a:extLst>
+          </a:blip>
+          <a:srcRect l="3613"/>
+          <a:stretch/>
+        </p:blipFill>
+        <p:spPr>
+          <a:xfrm>
+            <a:off x="0" y="2669685"/>
+            <a:ext cx="4037012" cy="4188315"/>
           </a:xfrm>
           <a:prstGeom prst="rect">
             <a:avLst/>
           </a:prstGeom>
+        </p:spPr>
+      </p:pic>
+      <p:pic>
+        <p:nvPicPr>
+          <p:cNvPr id="7" name="Picture 6"/>
+          <p:cNvPicPr>
+            <a:picLocks noChangeAspect="1"/>
+          </p:cNvPicPr>
+          <p:nvPr/>
+        </p:nvPicPr>
+        <p:blipFill rotWithShape="1">
+          <a:blip r:embed="rId20">
+            <a:extLst>
+              <a:ext uri="{28A0092B-C50C-407E-A947-70E740481C1C}">
+                <a14:useLocalDpi xmlns:a14="http://schemas.microsoft.com/office/drawing/2010/main" val="0"/>
+              </a:ext>
+            </a:extLst>
+          </a:blip>
+          <a:srcRect l="35640"/>
+          <a:stretch/>
+        </p:blipFill>
+        <p:spPr>
+          <a:xfrm>
+            <a:off x="0" y="2892347"/>
+            <a:ext cx="1522412" cy="2365453"/>
+          </a:xfrm>
+          <a:prstGeom prst="rect">
+            <a:avLst/>
+          </a:prstGeom>
+        </p:spPr>
+      </p:pic>
+      <p:sp>
+        <p:nvSpPr>
+          <p:cNvPr id="16" name="Oval 15"/>
+          <p:cNvSpPr/>
+          <p:nvPr/>
+        </p:nvSpPr>
+        <p:spPr>
+          <a:xfrm>
+            <a:off x="8609012" y="1676400"/>
+            <a:ext cx="2819400" cy="2819400"/>
+          </a:xfrm>
+          <a:prstGeom prst="ellipse">
+            <a:avLst/>
+          </a:prstGeom>
+          <a:gradFill flip="none" rotWithShape="1">
+            <a:gsLst>
+              <a:gs pos="0">
+                <a:schemeClr val="bg2">
+                  <a:lumMod val="60000"/>
+                  <a:lumOff val="40000"/>
+                  <a:alpha val="7000"/>
+                </a:schemeClr>
+              </a:gs>
+              <a:gs pos="69000">
+                <a:schemeClr val="bg2">
+                  <a:lumMod val="60000"/>
+                  <a:lumOff val="40000"/>
+                  <a:alpha val="0"/>
+                </a:schemeClr>
+              </a:gs>
+              <a:gs pos="36000">
+                <a:schemeClr val="bg2">
+                  <a:lumMod val="60000"/>
+                  <a:lumOff val="40000"/>
+                  <a:alpha val="6000"/>
+                </a:schemeClr>
+              </a:gs>
+            </a:gsLst>
+            <a:path path="circle">
+              <a:fillToRect l="50000" t="50000" r="50000" b="50000"/>
+            </a:path>
+            <a:tileRect/>
+          </a:gradFill>
+          <a:ln>
+            <a:noFill/>
+          </a:ln>
           <a:effectLst/>
         </p:spPr>
-        <p:txBody>
-          <a:bodyPr vert="horz" lIns="91440" tIns="45720" rIns="91440" bIns="45720" rtlCol="0" anchor="ctr">
+        <p:style>
+          <a:lnRef idx="1">
+            <a:schemeClr val="accent1"/>
+          </a:lnRef>
+          <a:fillRef idx="3">
+            <a:schemeClr val="accent1"/>
+          </a:fillRef>
+          <a:effectRef idx="2">
+            <a:schemeClr val="accent1"/>
+          </a:effectRef>
+          <a:fontRef idx="minor">
+            <a:schemeClr val="lt1"/>
+          </a:fontRef>
+        </p:style>
+      </p:sp>
+      <p:pic>
+        <p:nvPicPr>
+          <p:cNvPr id="9" name="Picture 8"/>
+          <p:cNvPicPr>
+            <a:picLocks noChangeAspect="1"/>
+          </p:cNvPicPr>
+          <p:nvPr/>
+        </p:nvPicPr>
+        <p:blipFill rotWithShape="1">
+          <a:blip r:embed="rId21">
+            <a:extLst>
+              <a:ext uri="{28A0092B-C50C-407E-A947-70E740481C1C}">
+                <a14:useLocalDpi xmlns:a14="http://schemas.microsoft.com/office/drawing/2010/main" val="0"/>
+              </a:ext>
+            </a:extLst>
+          </a:blip>
+          <a:srcRect t="28813"/>
+          <a:stretch/>
+        </p:blipFill>
+        <p:spPr>
+          <a:xfrm>
+            <a:off x="7999412" y="0"/>
+            <a:ext cx="1603387" cy="1141407"/>
+          </a:xfrm>
+          <a:prstGeom prst="rect">
+            <a:avLst/>
+          </a:prstGeom>
+        </p:spPr>
+      </p:pic>
+      <p:pic>
+        <p:nvPicPr>
+          <p:cNvPr id="10" name="Picture 9"/>
+          <p:cNvPicPr>
+            <a:picLocks noChangeAspect="1"/>
+          </p:cNvPicPr>
+          <p:nvPr/>
+        </p:nvPicPr>
+        <p:blipFill rotWithShape="1">
+          <a:blip r:embed="rId22">
+            <a:extLst>
+              <a:ext uri="{28A0092B-C50C-407E-A947-70E740481C1C}">
+                <a14:useLocalDpi xmlns:a14="http://schemas.microsoft.com/office/drawing/2010/main" val="0"/>
+              </a:ext>
+            </a:extLst>
+          </a:blip>
+          <a:srcRect b="23320"/>
+          <a:stretch/>
+        </p:blipFill>
+        <p:spPr>
+          <a:xfrm>
+            <a:off x="8605878" y="6096000"/>
+            <a:ext cx="993734" cy="762000"/>
+          </a:xfrm>
+          <a:prstGeom prst="rect">
+            <a:avLst/>
+          </a:prstGeom>
+        </p:spPr>
+      </p:pic>
+      <p:sp>
+        <p:nvSpPr>
+          <p:cNvPr id="14" name="Rectangle 13"/>
+          <p:cNvSpPr/>
+          <p:nvPr/>
+        </p:nvSpPr>
+        <p:spPr>
+          <a:xfrm>
+            <a:off x="10437812" y="0"/>
+            <a:ext cx="685800" cy="1143000"/>
+          </a:xfrm>
+          <a:prstGeom prst="rect">
+            <a:avLst/>
+          </a:prstGeom>
+          <a:solidFill>
+            <a:schemeClr val="accent1"/>
+          </a:solidFill>
+          <a:ln>
+            <a:noFill/>
+          </a:ln>
+        </p:spPr>
+        <p:style>
+          <a:lnRef idx="1">
+            <a:schemeClr val="accent1"/>
+          </a:lnRef>
+          <a:fillRef idx="3">
+            <a:schemeClr val="accent1"/>
+          </a:fillRef>
+          <a:effectRef idx="2">
+            <a:schemeClr val="accent1"/>
+          </a:effectRef>
+          <a:fontRef idx="minor">
+            <a:schemeClr val="lt1"/>
+          </a:fontRef>
+        </p:style>
+      </p:sp>
+      <p:sp>
+        <p:nvSpPr>
+          <p:cNvPr id="2" name="Title Placeholder 1"/>
+          <p:cNvSpPr>
+            <a:spLocks noGrp="1"/>
+          </p:cNvSpPr>
+          <p:nvPr>
+            <p:ph type="title"/>
+          </p:nvPr>
+        </p:nvSpPr>
+        <p:spPr>
+          <a:xfrm>
+            <a:off x="646111" y="452718"/>
+            <a:ext cx="9404723" cy="1400530"/>
+          </a:xfrm>
+          <a:prstGeom prst="rect">
+            <a:avLst/>
+          </a:prstGeom>
+        </p:spPr>
+        <p:txBody>
+          <a:bodyPr vert="horz" lIns="91440" tIns="45720" rIns="91440" bIns="45720" rtlCol="0" anchor="t">
+            <a:noAutofit/>
+          </a:bodyPr>
+          <a:lstStyle/>
+          <a:p>
+            <a:r>
+              <a:rPr lang="en-US"/>
+              <a:t>Click to edit Master title style</a:t>
+            </a:r>
+            <a:endParaRPr lang="en-US" dirty="0"/>
+          </a:p>
+        </p:txBody>
+      </p:sp>
+      <p:sp>
+        <p:nvSpPr>
+          <p:cNvPr id="3" name="Text Placeholder 2"/>
+          <p:cNvSpPr>
+            <a:spLocks noGrp="1"/>
+          </p:cNvSpPr>
+          <p:nvPr>
+            <p:ph type="body" idx="1"/>
+          </p:nvPr>
+        </p:nvSpPr>
+        <p:spPr>
+          <a:xfrm>
+            <a:off x="1103312" y="2052918"/>
+            <a:ext cx="8946541" cy="4195481"/>
+          </a:xfrm>
+          <a:prstGeom prst="rect">
+            <a:avLst/>
+          </a:prstGeom>
+        </p:spPr>
+        <p:txBody>
+          <a:bodyPr vert="horz" lIns="91440" tIns="45720" rIns="91440" bIns="45720" rtlCol="0">
             <a:normAutofit/>
           </a:bodyPr>
           <a:lstStyle/>
           <a:p>
-            <a:r>
-              <a:rPr lang="en-US"/>
-              <a:t>Click to edit Master title style</a:t>
+            <a:pPr lvl="0"/>
+            <a:r>
+              <a:rPr lang="en-US"/>
+              <a:t>Edit Master text styles</a:t>
+            </a:r>
+          </a:p>
+          <a:p>
+            <a:pPr lvl="1"/>
+            <a:r>
+              <a:rPr lang="en-US"/>
+              <a:t>Second level</a:t>
+            </a:r>
+          </a:p>
+          <a:p>
+            <a:pPr lvl="2"/>
+            <a:r>
+              <a:rPr lang="en-US"/>
+              <a:t>Third level</a:t>
+            </a:r>
+          </a:p>
+          <a:p>
+            <a:pPr lvl="3"/>
+            <a:r>
+              <a:rPr lang="en-US"/>
+              <a:t>Fourth level</a:t>
+            </a:r>
+          </a:p>
+          <a:p>
+            <a:pPr lvl="4"/>
+            <a:r>
+              <a:rPr lang="en-US"/>
+              <a:t>Fifth level</a:t>
             </a:r>
             <a:endParaRPr lang="en-US" dirty="0"/>
           </a:p>
@@ -5515,173 +5538,113 @@
       </p:sp>
       <p:sp>
         <p:nvSpPr>
-          <p:cNvPr id="3" name="Text Placeholder 2"/>
-          <p:cNvSpPr>
-            <a:spLocks noGrp="1"/>
-          </p:cNvSpPr>
-          <p:nvPr>
-            <p:ph type="body" idx="1"/>
-          </p:nvPr>
-        </p:nvSpPr>
-        <p:spPr>
-          <a:xfrm>
-            <a:off x="1484310" y="2666999"/>
-            <a:ext cx="10018713" cy="3124201"/>
+          <p:cNvPr id="4" name="Date Placeholder 3"/>
+          <p:cNvSpPr>
+            <a:spLocks noGrp="1"/>
+          </p:cNvSpPr>
+          <p:nvPr>
+            <p:ph type="dt" sz="half" idx="2"/>
+          </p:nvPr>
+        </p:nvSpPr>
+        <p:spPr>
+          <a:xfrm rot="5400000">
+            <a:off x="10155639" y="1790701"/>
+            <a:ext cx="990599" cy="304799"/>
           </a:xfrm>
           <a:prstGeom prst="rect">
             <a:avLst/>
           </a:prstGeom>
         </p:spPr>
         <p:txBody>
-          <a:bodyPr vert="horz" lIns="91440" tIns="45720" rIns="91440" bIns="45720" rtlCol="0" anchor="ctr">
-            <a:normAutofit/>
-          </a:bodyPr>
-          <a:lstStyle/>
-          <a:p>
-            <a:pPr lvl="0"/>
-            <a:r>
-              <a:rPr lang="en-US"/>
-              <a:t>Click to edit Master text styles</a:t>
-            </a:r>
-          </a:p>
-          <a:p>
-            <a:pPr lvl="1"/>
-            <a:r>
-              <a:rPr lang="en-US"/>
-              <a:t>Second level</a:t>
-            </a:r>
-          </a:p>
-          <a:p>
-            <a:pPr lvl="2"/>
-            <a:r>
-              <a:rPr lang="en-US"/>
-              <a:t>Third level</a:t>
-            </a:r>
-          </a:p>
-          <a:p>
-            <a:pPr lvl="3"/>
-            <a:r>
-              <a:rPr lang="en-US"/>
-              <a:t>Fourth level</a:t>
-            </a:r>
-          </a:p>
-          <a:p>
-            <a:pPr lvl="4"/>
-            <a:r>
-              <a:rPr lang="en-US"/>
-              <a:t>Fifth level</a:t>
-            </a:r>
-            <a:endParaRPr lang="en-US" dirty="0"/>
-          </a:p>
-        </p:txBody>
-      </p:sp>
-      <p:sp>
-        <p:nvSpPr>
-          <p:cNvPr id="4" name="Date Placeholder 3"/>
-          <p:cNvSpPr>
-            <a:spLocks noGrp="1"/>
-          </p:cNvSpPr>
-          <p:nvPr>
-            <p:ph type="dt" sz="half" idx="2"/>
-          </p:nvPr>
-        </p:nvSpPr>
-        <p:spPr>
-          <a:xfrm>
-            <a:off x="9732656" y="5883275"/>
-            <a:ext cx="1143000" cy="365125"/>
+          <a:bodyPr vert="horz" lIns="91440" tIns="45720" rIns="91440" bIns="45720" rtlCol="0" anchor="t"/>
+          <a:lstStyle>
+            <a:lvl1pPr algn="l">
+              <a:defRPr sz="1100" b="0" i="0">
+                <a:solidFill>
+                  <a:schemeClr val="tx1">
+                    <a:tint val="75000"/>
+                    <a:alpha val="60000"/>
+                  </a:schemeClr>
+                </a:solidFill>
+              </a:defRPr>
+            </a:lvl1pPr>
+          </a:lstStyle>
+          <a:p>
+            <a:fld id="{A5069159-9A21-43DE-98CD-556719D78758}" type="datetimeFigureOut">
+              <a:rPr lang="en-US" smtClean="0"/>
+              <a:t>7/22/21</a:t>
+            </a:fld>
+            <a:endParaRPr lang="en-US"/>
+          </a:p>
+        </p:txBody>
+      </p:sp>
+      <p:sp>
+        <p:nvSpPr>
+          <p:cNvPr id="5" name="Footer Placeholder 4"/>
+          <p:cNvSpPr>
+            <a:spLocks noGrp="1"/>
+          </p:cNvSpPr>
+          <p:nvPr>
+            <p:ph type="ftr" sz="quarter" idx="3"/>
+          </p:nvPr>
+        </p:nvSpPr>
+        <p:spPr>
+          <a:xfrm rot="5400000">
+            <a:off x="8951573" y="3225297"/>
+            <a:ext cx="3859795" cy="304801"/>
           </a:xfrm>
           <a:prstGeom prst="rect">
             <a:avLst/>
           </a:prstGeom>
         </p:spPr>
         <p:txBody>
-          <a:bodyPr vert="horz" lIns="91440" tIns="45720" rIns="91440" bIns="45720" rtlCol="0" anchor="ctr"/>
+          <a:bodyPr vert="horz" lIns="91440" tIns="45720" rIns="91440" bIns="45720" rtlCol="0" anchor="b"/>
           <a:lstStyle>
-            <a:lvl1pPr algn="r">
-              <a:defRPr sz="1000" b="0" i="0">
+            <a:lvl1pPr algn="l">
+              <a:defRPr sz="1100" b="0" i="0">
                 <a:solidFill>
-                  <a:schemeClr val="tx1"/>
+                  <a:schemeClr val="tx1">
+                    <a:tint val="75000"/>
+                    <a:alpha val="60000"/>
+                  </a:schemeClr>
                 </a:solidFill>
-                <a:effectLst/>
-                <a:latin typeface="+mn-lt"/>
               </a:defRPr>
             </a:lvl1pPr>
           </a:lstStyle>
           <a:p>
-            <a:fld id="{A5069159-9A21-43DE-98CD-556719D78758}" type="datetimeFigureOut">
-              <a:rPr lang="en-US" smtClean="0"/>
-              <a:t>7/21/2021</a:t>
-            </a:fld>
             <a:endParaRPr lang="en-US"/>
           </a:p>
         </p:txBody>
       </p:sp>
       <p:sp>
         <p:nvSpPr>
-          <p:cNvPr id="5" name="Footer Placeholder 4"/>
-          <p:cNvSpPr>
-            <a:spLocks noGrp="1"/>
-          </p:cNvSpPr>
-          <p:nvPr>
-            <p:ph type="ftr" sz="quarter" idx="3"/>
-          </p:nvPr>
-        </p:nvSpPr>
-        <p:spPr>
-          <a:xfrm>
-            <a:off x="2572279" y="5883275"/>
-            <a:ext cx="7084177" cy="365125"/>
+          <p:cNvPr id="6" name="Slide Number Placeholder 5"/>
+          <p:cNvSpPr>
+            <a:spLocks noGrp="1"/>
+          </p:cNvSpPr>
+          <p:nvPr>
+            <p:ph type="sldNum" sz="quarter" idx="4"/>
+          </p:nvPr>
+        </p:nvSpPr>
+        <p:spPr bwMode="gray">
+          <a:xfrm>
+            <a:off x="10352540" y="295729"/>
+            <a:ext cx="838199" cy="767687"/>
           </a:xfrm>
           <a:prstGeom prst="rect">
             <a:avLst/>
           </a:prstGeom>
         </p:spPr>
         <p:txBody>
-          <a:bodyPr vert="horz" lIns="91440" tIns="45720" rIns="91440" bIns="45720" rtlCol="0" anchor="ctr"/>
+          <a:bodyPr vert="horz" lIns="91440" tIns="45720" rIns="91440" bIns="45720" rtlCol="0" anchor="b"/>
           <a:lstStyle>
-            <a:lvl1pPr algn="l">
-              <a:defRPr sz="1000" b="0" i="0">
+            <a:lvl1pPr algn="ctr">
+              <a:defRPr sz="2800" b="0" i="0">
                 <a:solidFill>
-                  <a:schemeClr val="tx1"/>
+                  <a:schemeClr val="tx1">
+                    <a:tint val="75000"/>
+                  </a:schemeClr>
                 </a:solidFill>
-                <a:effectLst/>
-                <a:latin typeface="+mn-lt"/>
-              </a:defRPr>
-            </a:lvl1pPr>
-          </a:lstStyle>
-          <a:p>
-            <a:endParaRPr lang="en-US"/>
-          </a:p>
-        </p:txBody>
-      </p:sp>
-      <p:sp>
-        <p:nvSpPr>
-          <p:cNvPr id="6" name="Slide Number Placeholder 5"/>
-          <p:cNvSpPr>
-            <a:spLocks noGrp="1"/>
-          </p:cNvSpPr>
-          <p:nvPr>
-            <p:ph type="sldNum" sz="quarter" idx="4"/>
-          </p:nvPr>
-        </p:nvSpPr>
-        <p:spPr>
-          <a:xfrm>
-            <a:off x="10951856" y="5883275"/>
-            <a:ext cx="551167" cy="365125"/>
-          </a:xfrm>
-          <a:prstGeom prst="rect">
-            <a:avLst/>
-          </a:prstGeom>
-        </p:spPr>
-        <p:txBody>
-          <a:bodyPr vert="horz" lIns="91440" tIns="45720" rIns="91440" bIns="45720" rtlCol="0" anchor="ctr"/>
-          <a:lstStyle>
-            <a:lvl1pPr algn="r">
-              <a:defRPr sz="1000" b="0" i="0">
-                <a:solidFill>
-                  <a:schemeClr val="tx1"/>
-                </a:solidFill>
-                <a:effectLst/>
-                <a:latin typeface="+mn-lt"/>
               </a:defRPr>
             </a:lvl1pPr>
           </a:lstStyle>
@@ -5697,45 +5660,41 @@
     </p:spTree>
     <p:extLst>
       <p:ext uri="{BB962C8B-B14F-4D97-AF65-F5344CB8AC3E}">
-        <p14:creationId xmlns:p14="http://schemas.microsoft.com/office/powerpoint/2010/main" val="506543156"/>
+        <p14:creationId xmlns:p14="http://schemas.microsoft.com/office/powerpoint/2010/main" val="3969283641"/>
       </p:ext>
     </p:extLst>
   </p:cSld>
-  <p:clrMap bg1="lt1" tx1="dk1" bg2="lt2" tx2="dk2" accent1="accent1" accent2="accent2" accent3="accent3" accent4="accent4" accent5="accent5" accent6="accent6" hlink="hlink" folHlink="folHlink"/>
+  <p:clrMap bg1="dk1" tx1="lt1" bg2="dk2" tx2="lt2" accent1="accent1" accent2="accent2" accent3="accent3" accent4="accent4" accent5="accent5" accent6="accent6" hlink="hlink" folHlink="folHlink"/>
   <p:sldLayoutIdLst>
-    <p:sldLayoutId id="2147483693" r:id="rId1"/>
-    <p:sldLayoutId id="2147483694" r:id="rId2"/>
-    <p:sldLayoutId id="2147483695" r:id="rId3"/>
-    <p:sldLayoutId id="2147483696" r:id="rId4"/>
-    <p:sldLayoutId id="2147483697" r:id="rId5"/>
-    <p:sldLayoutId id="2147483698" r:id="rId6"/>
-    <p:sldLayoutId id="2147483699" r:id="rId7"/>
-    <p:sldLayoutId id="2147483700" r:id="rId8"/>
-    <p:sldLayoutId id="2147483701" r:id="rId9"/>
-    <p:sldLayoutId id="2147483702" r:id="rId10"/>
-    <p:sldLayoutId id="2147483703" r:id="rId11"/>
-    <p:sldLayoutId id="2147483704" r:id="rId12"/>
-    <p:sldLayoutId id="2147483705" r:id="rId13"/>
-    <p:sldLayoutId id="2147483706" r:id="rId14"/>
-    <p:sldLayoutId id="2147483707" r:id="rId15"/>
-    <p:sldLayoutId id="2147483708" r:id="rId16"/>
-    <p:sldLayoutId id="2147483709" r:id="rId17"/>
+    <p:sldLayoutId id="2147484806" r:id="rId1"/>
+    <p:sldLayoutId id="2147484807" r:id="rId2"/>
+    <p:sldLayoutId id="2147484808" r:id="rId3"/>
+    <p:sldLayoutId id="2147484809" r:id="rId4"/>
+    <p:sldLayoutId id="2147484810" r:id="rId5"/>
+    <p:sldLayoutId id="2147484811" r:id="rId6"/>
+    <p:sldLayoutId id="2147484812" r:id="rId7"/>
+    <p:sldLayoutId id="2147484813" r:id="rId8"/>
+    <p:sldLayoutId id="2147484814" r:id="rId9"/>
+    <p:sldLayoutId id="2147484815" r:id="rId10"/>
+    <p:sldLayoutId id="2147484816" r:id="rId11"/>
+    <p:sldLayoutId id="2147484817" r:id="rId12"/>
+    <p:sldLayoutId id="2147484818" r:id="rId13"/>
+    <p:sldLayoutId id="2147484819" r:id="rId14"/>
+    <p:sldLayoutId id="2147484820" r:id="rId15"/>
+    <p:sldLayoutId id="2147484821" r:id="rId16"/>
+    <p:sldLayoutId id="2147484822" r:id="rId17"/>
   </p:sldLayoutIdLst>
   <p:txStyles>
     <p:titleStyle>
-      <a:lvl1pPr algn="ctr" defTabSz="457200" rtl="0" eaLnBrk="1" latinLnBrk="0" hangingPunct="1">
+      <a:lvl1pPr algn="l" defTabSz="457200" rtl="0" eaLnBrk="1" latinLnBrk="0" hangingPunct="1">
         <a:spcBef>
           <a:spcPct val="0"/>
         </a:spcBef>
         <a:buNone/>
-        <a:defRPr sz="4000" kern="1200" cap="none">
-          <a:ln w="3175" cmpd="sng">
-            <a:noFill/>
-          </a:ln>
+        <a:defRPr sz="4200" b="0" i="0" kern="1200">
           <a:solidFill>
-            <a:schemeClr val="tx1"/>
+            <a:schemeClr val="tx2"/>
           </a:solidFill>
-          <a:effectLst/>
           <a:latin typeface="+mj-lt"/>
           <a:ea typeface="+mj-ea"/>
           <a:cs typeface="+mj-cs"/>
@@ -5799,229 +5758,229 @@
       </a:lvl9pPr>
     </p:titleStyle>
     <p:bodyStyle>
-      <a:lvl1pPr marL="285750" indent="-285750" algn="l" defTabSz="457200" rtl="0" eaLnBrk="1" latinLnBrk="0" hangingPunct="1">
+      <a:lvl1pPr marL="342900" indent="-342900" algn="l" defTabSz="457200" rtl="0" eaLnBrk="1" latinLnBrk="0" hangingPunct="1">
         <a:spcBef>
-          <a:spcPct val="20000"/>
+          <a:spcPts val="1000"/>
         </a:spcBef>
         <a:spcAft>
-          <a:spcPts val="600"/>
+          <a:spcPts val="0"/>
         </a:spcAft>
         <a:buClr>
-          <a:schemeClr val="accent1">
-            <a:lumMod val="75000"/>
+          <a:schemeClr val="bg2">
+            <a:lumMod val="40000"/>
+            <a:lumOff val="60000"/>
           </a:schemeClr>
         </a:buClr>
-        <a:buSzPct val="145000"/>
-        <a:buFont typeface="Arial"/>
-        <a:buChar char="•"/>
-        <a:defRPr sz="2400" kern="1200" cap="none">
+        <a:buSzPct val="80000"/>
+        <a:buFont typeface="Wingdings 3" charset="2"/>
+        <a:buChar char=""/>
+        <a:defRPr sz="2000" b="0" i="0" kern="1200">
           <a:solidFill>
             <a:schemeClr val="tx1"/>
           </a:solidFill>
-          <a:effectLst/>
-          <a:latin typeface="+mn-lt"/>
-          <a:ea typeface="+mn-ea"/>
-          <a:cs typeface="+mn-cs"/>
+          <a:latin typeface="+mj-lt"/>
+          <a:ea typeface="+mj-ea"/>
+          <a:cs typeface="+mj-cs"/>
         </a:defRPr>
       </a:lvl1pPr>
       <a:lvl2pPr marL="742950" indent="-285750" algn="l" defTabSz="457200" rtl="0" eaLnBrk="1" latinLnBrk="0" hangingPunct="1">
         <a:spcBef>
-          <a:spcPct val="20000"/>
+          <a:spcPts val="1000"/>
         </a:spcBef>
         <a:spcAft>
-          <a:spcPts val="600"/>
+          <a:spcPts val="0"/>
         </a:spcAft>
         <a:buClr>
-          <a:schemeClr val="accent1">
-            <a:lumMod val="75000"/>
+          <a:schemeClr val="bg2">
+            <a:lumMod val="40000"/>
+            <a:lumOff val="60000"/>
           </a:schemeClr>
         </a:buClr>
-        <a:buSzPct val="145000"/>
-        <a:buFont typeface="Arial"/>
-        <a:buChar char="•"/>
-        <a:defRPr sz="2000" kern="1200" cap="none">
+        <a:buSzPct val="80000"/>
+        <a:buFont typeface="Wingdings 3" charset="2"/>
+        <a:buChar char=""/>
+        <a:defRPr sz="1800" b="0" i="0" kern="1200">
           <a:solidFill>
             <a:schemeClr val="tx1"/>
           </a:solidFill>
-          <a:effectLst/>
-          <a:latin typeface="+mn-lt"/>
-          <a:ea typeface="+mn-ea"/>
-          <a:cs typeface="+mn-cs"/>
+          <a:latin typeface="+mj-lt"/>
+          <a:ea typeface="+mj-ea"/>
+          <a:cs typeface="+mj-cs"/>
         </a:defRPr>
       </a:lvl2pPr>
-      <a:lvl3pPr marL="1200150" indent="-285750" algn="l" defTabSz="457200" rtl="0" eaLnBrk="1" latinLnBrk="0" hangingPunct="1">
+      <a:lvl3pPr marL="1143000" indent="-228600" algn="l" defTabSz="457200" rtl="0" eaLnBrk="1" latinLnBrk="0" hangingPunct="1">
         <a:spcBef>
-          <a:spcPct val="20000"/>
+          <a:spcPts val="1000"/>
         </a:spcBef>
         <a:spcAft>
-          <a:spcPts val="600"/>
+          <a:spcPts val="0"/>
         </a:spcAft>
         <a:buClr>
-          <a:schemeClr val="accent1">
-            <a:lumMod val="75000"/>
+          <a:schemeClr val="bg2">
+            <a:lumMod val="40000"/>
+            <a:lumOff val="60000"/>
           </a:schemeClr>
         </a:buClr>
-        <a:buSzPct val="145000"/>
-        <a:buFont typeface="Arial"/>
-        <a:buChar char="•"/>
-        <a:defRPr sz="1800" kern="1200" cap="none">
+        <a:buSzPct val="80000"/>
+        <a:buFont typeface="Wingdings 3" charset="2"/>
+        <a:buChar char=""/>
+        <a:defRPr sz="1600" b="0" i="0" kern="1200">
           <a:solidFill>
             <a:schemeClr val="tx1"/>
           </a:solidFill>
-          <a:effectLst/>
-          <a:latin typeface="+mn-lt"/>
-          <a:ea typeface="+mn-ea"/>
-          <a:cs typeface="+mn-cs"/>
+          <a:latin typeface="+mj-lt"/>
+          <a:ea typeface="+mj-ea"/>
+          <a:cs typeface="+mj-cs"/>
         </a:defRPr>
       </a:lvl3pPr>
-      <a:lvl4pPr marL="1543050" indent="-171450" algn="l" defTabSz="457200" rtl="0" eaLnBrk="1" latinLnBrk="0" hangingPunct="1">
+      <a:lvl4pPr marL="1600200" indent="-228600" algn="l" defTabSz="457200" rtl="0" eaLnBrk="1" latinLnBrk="0" hangingPunct="1">
         <a:spcBef>
-          <a:spcPct val="20000"/>
+          <a:spcPts val="1000"/>
         </a:spcBef>
         <a:spcAft>
-          <a:spcPts val="600"/>
+          <a:spcPts val="0"/>
         </a:spcAft>
         <a:buClr>
-          <a:schemeClr val="accent1">
-            <a:lumMod val="75000"/>
+          <a:schemeClr val="bg2">
+            <a:lumMod val="40000"/>
+            <a:lumOff val="60000"/>
           </a:schemeClr>
         </a:buClr>
-        <a:buSzPct val="145000"/>
-        <a:buFont typeface="Arial"/>
-        <a:buChar char="•"/>
-        <a:defRPr sz="1600" kern="1200" cap="none">
+        <a:buSzPct val="80000"/>
+        <a:buFont typeface="Wingdings 3" charset="2"/>
+        <a:buChar char=""/>
+        <a:defRPr sz="1400" b="0" i="0" kern="1200">
           <a:solidFill>
             <a:schemeClr val="tx1"/>
           </a:solidFill>
-          <a:effectLst/>
-          <a:latin typeface="+mn-lt"/>
-          <a:ea typeface="+mn-ea"/>
-          <a:cs typeface="+mn-cs"/>
+          <a:latin typeface="+mj-lt"/>
+          <a:ea typeface="+mj-ea"/>
+          <a:cs typeface="+mj-cs"/>
         </a:defRPr>
       </a:lvl4pPr>
-      <a:lvl5pPr marL="2000250" indent="-171450" algn="l" defTabSz="457200" rtl="0" eaLnBrk="1" latinLnBrk="0" hangingPunct="1">
+      <a:lvl5pPr marL="2057400" indent="-228600" algn="l" defTabSz="457200" rtl="0" eaLnBrk="1" latinLnBrk="0" hangingPunct="1">
         <a:spcBef>
-          <a:spcPct val="20000"/>
+          <a:spcPts val="1000"/>
         </a:spcBef>
         <a:spcAft>
-          <a:spcPts val="600"/>
+          <a:spcPts val="0"/>
         </a:spcAft>
         <a:buClr>
-          <a:schemeClr val="accent1">
-            <a:lumMod val="75000"/>
+          <a:schemeClr val="bg2">
+            <a:lumMod val="40000"/>
+            <a:lumOff val="60000"/>
           </a:schemeClr>
         </a:buClr>
-        <a:buSzPct val="145000"/>
-        <a:buFont typeface="Arial"/>
-        <a:buChar char="•"/>
-        <a:defRPr sz="1400" kern="1200" cap="none">
+        <a:buSzPct val="80000"/>
+        <a:buFont typeface="Wingdings 3" charset="2"/>
+        <a:buChar char=""/>
+        <a:defRPr sz="1400" b="0" i="0" kern="1200">
           <a:solidFill>
             <a:schemeClr val="tx1"/>
           </a:solidFill>
-          <a:effectLst/>
-          <a:latin typeface="+mn-lt"/>
-          <a:ea typeface="+mn-ea"/>
-          <a:cs typeface="+mn-cs"/>
+          <a:latin typeface="+mj-lt"/>
+          <a:ea typeface="+mj-ea"/>
+          <a:cs typeface="+mj-cs"/>
         </a:defRPr>
       </a:lvl5pPr>
-      <a:lvl6pPr marL="2514600" indent="-228600" algn="l" defTabSz="457200" rtl="0" eaLnBrk="1" latinLnBrk="0" hangingPunct="1">
+      <a:lvl6pPr marL="2506000" indent="-228600" algn="l" defTabSz="457200" rtl="0" eaLnBrk="1" latinLnBrk="0" hangingPunct="1">
         <a:spcBef>
-          <a:spcPct val="20000"/>
+          <a:spcPts val="1000"/>
         </a:spcBef>
         <a:spcAft>
-          <a:spcPts val="600"/>
+          <a:spcPts val="0"/>
         </a:spcAft>
         <a:buClr>
-          <a:schemeClr val="accent1">
-            <a:lumMod val="75000"/>
+          <a:schemeClr val="bg2">
+            <a:lumMod val="40000"/>
+            <a:lumOff val="60000"/>
           </a:schemeClr>
         </a:buClr>
-        <a:buSzPct val="145000"/>
-        <a:buFont typeface="Arial"/>
-        <a:buChar char="•"/>
-        <a:defRPr sz="1400" kern="1200" cap="none">
+        <a:buSzPct val="80000"/>
+        <a:buFont typeface="Wingdings 3" charset="2"/>
+        <a:buChar char=""/>
+        <a:defRPr sz="1400" b="0" i="0" kern="1200">
           <a:solidFill>
             <a:schemeClr val="tx1"/>
           </a:solidFill>
-          <a:effectLst/>
-          <a:latin typeface="+mn-lt"/>
-          <a:ea typeface="+mn-ea"/>
-          <a:cs typeface="+mn-cs"/>
+          <a:latin typeface="+mj-lt"/>
+          <a:ea typeface="+mj-ea"/>
+          <a:cs typeface="+mj-cs"/>
         </a:defRPr>
       </a:lvl6pPr>
       <a:lvl7pPr marL="2971800" indent="-228600" algn="l" defTabSz="457200" rtl="0" eaLnBrk="1" latinLnBrk="0" hangingPunct="1">
         <a:spcBef>
-          <a:spcPct val="20000"/>
+          <a:spcPts val="1000"/>
         </a:spcBef>
         <a:spcAft>
-          <a:spcPts val="600"/>
+          <a:spcPts val="0"/>
         </a:spcAft>
         <a:buClr>
-          <a:schemeClr val="accent1">
-            <a:lumMod val="75000"/>
+          <a:schemeClr val="bg2">
+            <a:lumMod val="40000"/>
+            <a:lumOff val="60000"/>
           </a:schemeClr>
         </a:buClr>
-        <a:buSzPct val="145000"/>
-        <a:buFont typeface="Arial"/>
-        <a:buChar char="•"/>
-        <a:defRPr sz="1400" kern="1200" cap="none">
+        <a:buSzPct val="80000"/>
+        <a:buFont typeface="Wingdings 3" charset="2"/>
+        <a:buChar char=""/>
+        <a:defRPr sz="1400" b="0" i="0" kern="1200">
           <a:solidFill>
             <a:schemeClr val="tx1"/>
           </a:solidFill>
-          <a:effectLst/>
-          <a:latin typeface="+mn-lt"/>
-          <a:ea typeface="+mn-ea"/>
-          <a:cs typeface="+mn-cs"/>
+          <a:latin typeface="+mj-lt"/>
+          <a:ea typeface="+mj-ea"/>
+          <a:cs typeface="+mj-cs"/>
         </a:defRPr>
       </a:lvl7pPr>
       <a:lvl8pPr marL="3429000" indent="-228600" algn="l" defTabSz="457200" rtl="0" eaLnBrk="1" latinLnBrk="0" hangingPunct="1">
         <a:spcBef>
-          <a:spcPct val="20000"/>
+          <a:spcPts val="1000"/>
         </a:spcBef>
         <a:spcAft>
-          <a:spcPts val="600"/>
+          <a:spcPts val="0"/>
         </a:spcAft>
         <a:buClr>
-          <a:schemeClr val="accent1">
-            <a:lumMod val="75000"/>
+          <a:schemeClr val="bg2">
+            <a:lumMod val="40000"/>
+            <a:lumOff val="60000"/>
           </a:schemeClr>
         </a:buClr>
-        <a:buSzPct val="145000"/>
-        <a:buFont typeface="Arial"/>
-        <a:buChar char="•"/>
-        <a:defRPr sz="1400" kern="1200" cap="none">
+        <a:buSzPct val="80000"/>
+        <a:buFont typeface="Wingdings 3" charset="2"/>
+        <a:buChar char=""/>
+        <a:defRPr sz="1400" b="0" i="0" kern="1200">
           <a:solidFill>
             <a:schemeClr val="tx1"/>
           </a:solidFill>
-          <a:effectLst/>
-          <a:latin typeface="+mn-lt"/>
-          <a:ea typeface="+mn-ea"/>
-          <a:cs typeface="+mn-cs"/>
+          <a:latin typeface="+mj-lt"/>
+          <a:ea typeface="+mj-ea"/>
+          <a:cs typeface="+mj-cs"/>
         </a:defRPr>
       </a:lvl8pPr>
       <a:lvl9pPr marL="3886200" indent="-228600" algn="l" defTabSz="457200" rtl="0" eaLnBrk="1" latinLnBrk="0" hangingPunct="1">
         <a:spcBef>
-          <a:spcPct val="20000"/>
+          <a:spcPts val="1000"/>
         </a:spcBef>
         <a:spcAft>
-          <a:spcPts val="600"/>
+          <a:spcPts val="0"/>
         </a:spcAft>
         <a:buClr>
-          <a:schemeClr val="accent1">
-            <a:lumMod val="75000"/>
+          <a:schemeClr val="bg2">
+            <a:lumMod val="40000"/>
+            <a:lumOff val="60000"/>
           </a:schemeClr>
         </a:buClr>
-        <a:buSzPct val="145000"/>
-        <a:buFont typeface="Arial"/>
-        <a:buChar char="•"/>
-        <a:defRPr sz="1400" kern="1200" cap="none">
+        <a:buSzPct val="80000"/>
+        <a:buFont typeface="Wingdings 3" charset="2"/>
+        <a:buChar char=""/>
+        <a:defRPr sz="1400" b="0" i="0" kern="1200">
           <a:solidFill>
             <a:schemeClr val="tx1"/>
           </a:solidFill>
-          <a:effectLst/>
-          <a:latin typeface="+mn-lt"/>
-          <a:ea typeface="+mn-ea"/>
-          <a:cs typeface="+mn-cs"/>
+          <a:latin typeface="+mj-lt"/>
+          <a:ea typeface="+mj-ea"/>
+          <a:cs typeface="+mj-cs"/>
         </a:defRPr>
       </a:lvl9pPr>
     </p:bodyStyle>
@@ -6121,20 +6080,17 @@
       </a:lvl9pPr>
     </p:otherStyle>
   </p:txStyles>
+  <p:extLst>
+    <p:ext uri="{27BBF7A9-308A-43DC-89C8-2F10F3537804}">
+      <p15:sldGuideLst xmlns:p15="http://schemas.microsoft.com/office/powerpoint/2012/main"/>
+    </p:ext>
+  </p:extLst>
 </p:sldMaster>
 </file>
 
 <file path=ppt/slides/slide1.xml><?xml version="1.0" encoding="utf-8"?>
 <p:sld xmlns:a="http://schemas.openxmlformats.org/drawingml/2006/main" xmlns:r="http://schemas.openxmlformats.org/officeDocument/2006/relationships" xmlns:p="http://schemas.openxmlformats.org/presentationml/2006/main">
   <p:cSld>
-    <p:bg>
-      <p:bgPr>
-        <a:solidFill>
-          <a:schemeClr val="bg1"/>
-        </a:solidFill>
-        <a:effectLst/>
-      </p:bgPr>
-    </p:bg>
     <p:spTree>
       <p:nvGrpSpPr>
         <p:cNvPr id="1" name=""/>
@@ -6151,10 +6107,10 @@
       </p:grpSpPr>
       <p:sp>
         <p:nvSpPr>
-          <p:cNvPr id="2" name="Title 1">
+          <p:cNvPr id="5" name="Title 4">
             <a:extLst>
               <a:ext uri="{FF2B5EF4-FFF2-40B4-BE49-F238E27FC236}">
-                <a16:creationId xmlns:a16="http://schemas.microsoft.com/office/drawing/2014/main" id="{A9C3E400-AF8C-42DD-8152-AC4B086EDDAB}"/>
+                <a16:creationId xmlns:a16="http://schemas.microsoft.com/office/drawing/2014/main" id="{F319E8E8-7098-8E48-AA60-6FFADD6192C8}"/>
               </a:ext>
             </a:extLst>
           </p:cNvPr>
@@ -6167,24 +6123,20 @@
         </p:nvSpPr>
         <p:spPr>
           <a:xfrm>
-            <a:off x="1870997" y="1607809"/>
-            <a:ext cx="9236026" cy="2876680"/>
-          </a:xfrm>
-        </p:spPr>
-        <p:txBody>
-          <a:bodyPr anchor="b">
-            <a:normAutofit/>
-          </a:bodyPr>
+            <a:off x="0" y="705081"/>
+            <a:ext cx="12180986" cy="870332"/>
+          </a:xfrm>
+        </p:spPr>
+        <p:txBody>
+          <a:bodyPr/>
           <a:lstStyle/>
           <a:p>
-            <a:pPr algn="l"/>
-            <a:r>
-              <a:rPr lang="en-US" sz="6600" dirty="0">
-                <a:solidFill>
-                  <a:schemeClr val="accent1"/>
-                </a:solidFill>
+            <a:pPr algn="ctr"/>
+            <a:r>
+              <a:rPr lang="en-US" sz="4800" b="1" dirty="0">
+                <a:cs typeface="Times New Roman" panose="02020603050405020304" pitchFamily="18" charset="0"/>
               </a:rPr>
-              <a:t>Olympic Track and Field Insights</a:t>
+              <a:t>Olympic Track and Field Insight</a:t>
             </a:r>
           </a:p>
         </p:txBody>
@@ -6206,83 +6158,142 @@
           </p:nvPr>
         </p:nvSpPr>
         <p:spPr>
-          <a:xfrm>
-            <a:off x="1987499" y="4810308"/>
-            <a:ext cx="9003022" cy="1076551"/>
+          <a:xfrm flipH="1">
+            <a:off x="2478789" y="4693186"/>
+            <a:ext cx="5387251" cy="2164813"/>
           </a:xfrm>
         </p:spPr>
         <p:txBody>
           <a:bodyPr>
-            <a:normAutofit lnSpcReduction="10000"/>
+            <a:noAutofit/>
           </a:bodyPr>
           <a:lstStyle/>
           <a:p>
             <a:pPr algn="l"/>
             <a:r>
-              <a:rPr lang="en-US" sz="1700" err="1"/>
-              <a:t>Shailja</a:t>
-            </a:r>
-            <a:r>
-              <a:rPr lang="en-US" sz="1700"/>
-              <a:t> Mathur, Rodney </a:t>
-            </a:r>
-            <a:r>
-              <a:rPr lang="en-US" sz="1700" err="1"/>
+              <a:rPr lang="en-US" sz="1400" b="1" u="sng" dirty="0">
+                <a:latin typeface="+mn-lt"/>
+                <a:cs typeface="Times New Roman" panose="02020603050405020304" pitchFamily="18" charset="0"/>
+              </a:rPr>
+              <a:t>Group Members</a:t>
+            </a:r>
+          </a:p>
+          <a:p>
+            <a:r>
+              <a:rPr lang="en-US" sz="1400" dirty="0">
+                <a:latin typeface="+mn-lt"/>
+                <a:cs typeface="Times New Roman" panose="02020603050405020304" pitchFamily="18" charset="0"/>
+              </a:rPr>
+              <a:t>David Wu			Donald Yakam</a:t>
+            </a:r>
+          </a:p>
+          <a:p>
+            <a:r>
+              <a:rPr lang="en-US" sz="1400" dirty="0">
+                <a:latin typeface="+mn-lt"/>
+                <a:cs typeface="Times New Roman" panose="02020603050405020304" pitchFamily="18" charset="0"/>
+              </a:rPr>
+              <a:t>Huss Issa			Matt Kenney</a:t>
+            </a:r>
+          </a:p>
+          <a:p>
+            <a:r>
+              <a:rPr lang="en-US" sz="1400" dirty="0">
+                <a:latin typeface="+mn-lt"/>
+                <a:cs typeface="Times New Roman" panose="02020603050405020304" pitchFamily="18" charset="0"/>
+              </a:rPr>
+              <a:t>Nwagbo Chidozie	Peter Drozdzewicz</a:t>
+            </a:r>
+          </a:p>
+          <a:p>
+            <a:r>
+              <a:rPr lang="en-US" sz="1400" dirty="0">
+                <a:latin typeface="+mn-lt"/>
+                <a:cs typeface="Times New Roman" panose="02020603050405020304" pitchFamily="18" charset="0"/>
+              </a:rPr>
+              <a:t>Ricardo Benitez</a:t>
+            </a:r>
+            <a:r>
+              <a:rPr lang="en-US" sz="1400">
+                <a:latin typeface="+mn-lt"/>
+                <a:cs typeface="Times New Roman" panose="02020603050405020304" pitchFamily="18" charset="0"/>
+              </a:rPr>
+              <a:t>	</a:t>
+            </a:r>
+            <a:r>
+              <a:rPr lang="en-US" sz="1400">
+                <a:cs typeface="Times New Roman" panose="02020603050405020304" pitchFamily="18" charset="0"/>
+              </a:rPr>
+              <a:t>Rodney </a:t>
+            </a:r>
+            <a:r>
+              <a:rPr lang="en-US" sz="1400" dirty="0">
+                <a:cs typeface="Times New Roman" panose="02020603050405020304" pitchFamily="18" charset="0"/>
+              </a:rPr>
               <a:t>Daverman</a:t>
             </a:r>
-            <a:r>
-              <a:rPr lang="en-US" sz="1700"/>
-              <a:t>, Ricardo Benitez</a:t>
-            </a:r>
-          </a:p>
-          <a:p>
-            <a:pPr algn="l"/>
-            <a:r>
-              <a:rPr lang="en-US" sz="1700"/>
-              <a:t>Peter </a:t>
-            </a:r>
-            <a:r>
-              <a:rPr lang="en-US" sz="1700" err="1"/>
-              <a:t>Drozdzewicz</a:t>
-            </a:r>
-            <a:r>
-              <a:rPr lang="en-US" sz="1700"/>
-              <a:t>, </a:t>
-            </a:r>
-            <a:r>
-              <a:rPr lang="en-US" sz="1700" err="1"/>
-              <a:t>Nwagbo</a:t>
-            </a:r>
-            <a:r>
-              <a:rPr lang="en-US" sz="1700"/>
-              <a:t> </a:t>
-            </a:r>
-            <a:r>
-              <a:rPr lang="en-US" sz="1700" err="1"/>
-              <a:t>Chidozie</a:t>
-            </a:r>
-            <a:r>
-              <a:rPr lang="en-US" sz="1700"/>
-              <a:t>, Matt Kenney</a:t>
-            </a:r>
-          </a:p>
-          <a:p>
-            <a:pPr algn="l"/>
-            <a:r>
-              <a:rPr lang="en-US" sz="1700"/>
-              <a:t>Huss Issa. Donald </a:t>
-            </a:r>
-            <a:r>
-              <a:rPr lang="en-US" sz="1700" err="1"/>
-              <a:t>Yakam</a:t>
-            </a:r>
-            <a:r>
-              <a:rPr lang="en-US" sz="1700"/>
-              <a:t>, David Wu</a:t>
-            </a:r>
-          </a:p>
-        </p:txBody>
-      </p:sp>
+          </a:p>
+          <a:p>
+            <a:r>
+              <a:rPr lang="en-US" sz="1400" dirty="0">
+                <a:cs typeface="Times New Roman" panose="02020603050405020304" pitchFamily="18" charset="0"/>
+              </a:rPr>
+              <a:t>Shailja Mathu</a:t>
+            </a:r>
+            <a:r>
+              <a:rPr lang="en-US" sz="1400" dirty="0"/>
+              <a:t>r</a:t>
+            </a:r>
+          </a:p>
+          <a:p>
+            <a:endParaRPr lang="en-US" sz="1400" dirty="0">
+              <a:cs typeface="Times New Roman" panose="02020603050405020304" pitchFamily="18" charset="0"/>
+            </a:endParaRPr>
+          </a:p>
+          <a:p>
+            <a:endParaRPr lang="en-US" sz="1400" dirty="0">
+              <a:latin typeface="+mn-lt"/>
+              <a:cs typeface="Times New Roman" panose="02020603050405020304" pitchFamily="18" charset="0"/>
+            </a:endParaRPr>
+          </a:p>
+        </p:txBody>
+      </p:sp>
+      <p:pic>
+        <p:nvPicPr>
+          <p:cNvPr id="4" name="Picture 3">
+            <a:extLst>
+              <a:ext uri="{FF2B5EF4-FFF2-40B4-BE49-F238E27FC236}">
+                <a16:creationId xmlns:a16="http://schemas.microsoft.com/office/drawing/2014/main" id="{B4420977-3941-5642-9D84-29DA0C176356}"/>
+              </a:ext>
+            </a:extLst>
+          </p:cNvPr>
+          <p:cNvPicPr>
+            <a:picLocks noChangeAspect="1"/>
+          </p:cNvPicPr>
+          <p:nvPr/>
+        </p:nvPicPr>
+        <p:blipFill>
+          <a:blip r:embed="rId2">
+            <a:extLst>
+              <a:ext uri="{28A0092B-C50C-407E-A947-70E740481C1C}">
+                <a14:useLocalDpi xmlns:a14="http://schemas.microsoft.com/office/drawing/2010/main" val="0"/>
+              </a:ext>
+            </a:extLst>
+          </a:blip>
+          <a:stretch>
+            <a:fillRect/>
+          </a:stretch>
+        </p:blipFill>
+        <p:spPr>
+          <a:xfrm>
+            <a:off x="2478793" y="1784732"/>
+            <a:ext cx="6929611" cy="2599981"/>
+          </a:xfrm>
+          <a:prstGeom prst="rect">
+            <a:avLst/>
+          </a:prstGeom>
+        </p:spPr>
+      </p:pic>
     </p:spTree>
     <p:extLst>
       <p:ext uri="{BB962C8B-B14F-4D97-AF65-F5344CB8AC3E}">
@@ -6315,34 +6326,6 @@
       </p:grpSpPr>
       <p:sp>
         <p:nvSpPr>
-          <p:cNvPr id="2" name="Title 1">
-            <a:extLst>
-              <a:ext uri="{FF2B5EF4-FFF2-40B4-BE49-F238E27FC236}">
-                <a16:creationId xmlns:a16="http://schemas.microsoft.com/office/drawing/2014/main" id="{C82925B3-EEE5-4198-9B96-CEC71A014F71}"/>
-              </a:ext>
-            </a:extLst>
-          </p:cNvPr>
-          <p:cNvSpPr>
-            <a:spLocks noGrp="1"/>
-          </p:cNvSpPr>
-          <p:nvPr>
-            <p:ph type="title"/>
-          </p:nvPr>
-        </p:nvSpPr>
-        <p:spPr/>
-        <p:txBody>
-          <a:bodyPr/>
-          <a:lstStyle/>
-          <a:p>
-            <a:r>
-              <a:rPr lang="en-US" dirty="0"/>
-              <a:t>Conclusions</a:t>
-            </a:r>
-          </a:p>
-        </p:txBody>
-      </p:sp>
-      <p:sp>
-        <p:nvSpPr>
           <p:cNvPr id="3" name="Content Placeholder 2">
             <a:extLst>
               <a:ext uri="{FF2B5EF4-FFF2-40B4-BE49-F238E27FC236}">
@@ -6357,15 +6340,64 @@
             <p:ph idx="1"/>
           </p:nvPr>
         </p:nvSpPr>
-        <p:spPr/>
-        <p:txBody>
-          <a:bodyPr/>
+        <p:spPr>
+          <a:xfrm>
+            <a:off x="2258457" y="2886419"/>
+            <a:ext cx="7339704" cy="936434"/>
+          </a:xfrm>
+        </p:spPr>
+        <p:txBody>
+          <a:bodyPr>
+            <a:normAutofit/>
+          </a:bodyPr>
           <a:lstStyle/>
           <a:p>
-            <a:endParaRPr lang="en-US"/>
-          </a:p>
-        </p:txBody>
-      </p:sp>
+            <a:pPr marL="0" indent="0" algn="ctr">
+              <a:buNone/>
+            </a:pPr>
+            <a:r>
+              <a:rPr lang="en-US" sz="4800" dirty="0"/>
+              <a:t>Questions?</a:t>
+            </a:r>
+          </a:p>
+        </p:txBody>
+      </p:sp>
+      <p:pic>
+        <p:nvPicPr>
+          <p:cNvPr id="4" name="Picture 3">
+            <a:extLst>
+              <a:ext uri="{FF2B5EF4-FFF2-40B4-BE49-F238E27FC236}">
+                <a16:creationId xmlns:a16="http://schemas.microsoft.com/office/drawing/2014/main" id="{255555E6-168E-7843-9C8F-5E089D92E67E}"/>
+              </a:ext>
+            </a:extLst>
+          </p:cNvPr>
+          <p:cNvPicPr>
+            <a:picLocks noChangeAspect="1"/>
+          </p:cNvPicPr>
+          <p:nvPr/>
+        </p:nvPicPr>
+        <p:blipFill>
+          <a:blip r:embed="rId2">
+            <a:extLst>
+              <a:ext uri="{28A0092B-C50C-407E-A947-70E740481C1C}">
+                <a14:useLocalDpi xmlns:a14="http://schemas.microsoft.com/office/drawing/2010/main" val="0"/>
+              </a:ext>
+            </a:extLst>
+          </a:blip>
+          <a:stretch>
+            <a:fillRect/>
+          </a:stretch>
+        </p:blipFill>
+        <p:spPr>
+          <a:xfrm>
+            <a:off x="9320054" y="5731524"/>
+            <a:ext cx="2871946" cy="1011716"/>
+          </a:xfrm>
+          <a:prstGeom prst="rect">
+            <a:avLst/>
+          </a:prstGeom>
+        </p:spPr>
+      </p:pic>
     </p:spTree>
     <p:extLst>
       <p:ext uri="{BB962C8B-B14F-4D97-AF65-F5344CB8AC3E}">
@@ -6398,10 +6430,10 @@
       </p:grpSpPr>
       <p:sp>
         <p:nvSpPr>
-          <p:cNvPr id="2" name="Title 1">
+          <p:cNvPr id="5" name="Title 4">
             <a:extLst>
               <a:ext uri="{FF2B5EF4-FFF2-40B4-BE49-F238E27FC236}">
-                <a16:creationId xmlns:a16="http://schemas.microsoft.com/office/drawing/2014/main" id="{3BD7468A-9C18-46B7-A662-6A161F62F681}"/>
+                <a16:creationId xmlns:a16="http://schemas.microsoft.com/office/drawing/2014/main" id="{E53EBB39-8016-450D-84D9-AEB5AA050A89}"/>
               </a:ext>
             </a:extLst>
           </p:cNvPr>
@@ -6412,99 +6444,134 @@
             <p:ph type="title"/>
           </p:nvPr>
         </p:nvSpPr>
-        <p:spPr/>
+        <p:spPr>
+          <a:xfrm>
+            <a:off x="1410159" y="452718"/>
+            <a:ext cx="8640675" cy="1400530"/>
+          </a:xfrm>
+        </p:spPr>
         <p:txBody>
           <a:bodyPr/>
           <a:lstStyle/>
           <a:p>
-            <a:r>
+            <a:br>
               <a:rPr lang="en-US" dirty="0"/>
-              <a:t>Our Data</a:t>
-            </a:r>
+            </a:br>
+            <a:r>
+              <a:rPr lang="en-US" dirty="0"/>
+              <a:t>Project Proposal</a:t>
+            </a:r>
+          </a:p>
+        </p:txBody>
+      </p:sp>
+      <p:sp>
+        <p:nvSpPr>
+          <p:cNvPr id="7" name="Content Placeholder 6">
+            <a:extLst>
+              <a:ext uri="{FF2B5EF4-FFF2-40B4-BE49-F238E27FC236}">
+                <a16:creationId xmlns:a16="http://schemas.microsoft.com/office/drawing/2014/main" id="{3C3B28B8-6E0C-403C-9006-878EDA1A7A7B}"/>
+              </a:ext>
+            </a:extLst>
+          </p:cNvPr>
+          <p:cNvSpPr>
+            <a:spLocks noGrp="1"/>
+          </p:cNvSpPr>
+          <p:nvPr>
+            <p:ph idx="1"/>
+          </p:nvPr>
+        </p:nvSpPr>
+        <p:spPr/>
+        <p:txBody>
+          <a:bodyPr>
+            <a:normAutofit/>
+          </a:bodyPr>
+          <a:lstStyle/>
+          <a:p>
+            <a:pPr>
+              <a:buFont typeface="Arial" panose="020B0604020202020204" pitchFamily="34" charset="0"/>
+              <a:buChar char="•"/>
+            </a:pPr>
+            <a:r>
+              <a:rPr lang="en-US" dirty="0"/>
+              <a:t>For years, Olympics have been held around the world, and participants from around the world compete to succeed in different sports. We wanted to work with this data because we want to look for answers to the questions about which countries are superior in which branches, which countries are leading women or men in which sports and bringing medals to their country. </a:t>
+            </a:r>
+          </a:p>
+          <a:p>
+            <a:pPr>
+              <a:buFont typeface="Arial" panose="020B0604020202020204" pitchFamily="34" charset="0"/>
+              <a:buChar char="•"/>
+            </a:pPr>
+            <a:r>
+              <a:rPr lang="en-US" dirty="0"/>
+              <a:t>For our data, we selected Track and Field data from the Olympic games over the last century. Dataset contains 2395 rows. and variables like gender, year, event and location, name, nationality.</a:t>
+            </a:r>
+          </a:p>
+          <a:p>
+            <a:pPr>
+              <a:buFont typeface="Arial" panose="020B0604020202020204" pitchFamily="34" charset="0"/>
+              <a:buChar char="•"/>
+            </a:pPr>
+            <a:r>
+              <a:rPr lang="en-US" dirty="0"/>
+              <a:t>The Sources of our Data Set - </a:t>
+            </a:r>
+            <a:r>
+              <a:rPr lang="en-US" u="sng" dirty="0">
+                <a:hlinkClick r:id="rId2"/>
+              </a:rPr>
+              <a:t>https://www.kaggle.com/jayrav13/olympic-track-field-results?select=results.csv</a:t>
+            </a:r>
+            <a:endParaRPr lang="en-US" dirty="0"/>
+          </a:p>
+          <a:p>
+            <a:pPr>
+              <a:buFont typeface="Arial" panose="020B0604020202020204" pitchFamily="34" charset="0"/>
+              <a:buChar char="•"/>
+            </a:pPr>
+            <a:endParaRPr lang="en-US" dirty="0"/>
           </a:p>
         </p:txBody>
       </p:sp>
       <p:pic>
         <p:nvPicPr>
-          <p:cNvPr id="6" name="Content Placeholder 5">
+          <p:cNvPr id="4" name="Picture 3">
             <a:extLst>
               <a:ext uri="{FF2B5EF4-FFF2-40B4-BE49-F238E27FC236}">
-                <a16:creationId xmlns:a16="http://schemas.microsoft.com/office/drawing/2014/main" id="{076607B9-6DA5-4877-AB4E-37893A06882C}"/>
+                <a16:creationId xmlns:a16="http://schemas.microsoft.com/office/drawing/2014/main" id="{CCE92AED-260D-114F-A8C6-4439477D00F6}"/>
               </a:ext>
             </a:extLst>
           </p:cNvPr>
           <p:cNvPicPr>
-            <a:picLocks noGrp="1" noChangeAspect="1"/>
+            <a:picLocks noChangeAspect="1"/>
           </p:cNvPicPr>
-          <p:nvPr>
-            <p:ph idx="1"/>
-          </p:nvPr>
+          <p:nvPr/>
         </p:nvPicPr>
         <p:blipFill>
-          <a:blip r:embed="rId2"/>
+          <a:blip r:embed="rId3">
+            <a:extLst>
+              <a:ext uri="{28A0092B-C50C-407E-A947-70E740481C1C}">
+                <a14:useLocalDpi xmlns:a14="http://schemas.microsoft.com/office/drawing/2010/main" val="0"/>
+              </a:ext>
+            </a:extLst>
+          </a:blip>
           <a:stretch>
             <a:fillRect/>
           </a:stretch>
         </p:blipFill>
         <p:spPr>
           <a:xfrm>
-            <a:off x="5262563" y="1205983"/>
-            <a:ext cx="6240462" cy="4065033"/>
-          </a:xfrm>
+            <a:off x="9320054" y="5742541"/>
+            <a:ext cx="2871946" cy="1011716"/>
+          </a:xfrm>
+          <a:prstGeom prst="rect">
+            <a:avLst/>
+          </a:prstGeom>
         </p:spPr>
       </p:pic>
-      <p:sp>
-        <p:nvSpPr>
-          <p:cNvPr id="4" name="Text Placeholder 3">
-            <a:extLst>
-              <a:ext uri="{FF2B5EF4-FFF2-40B4-BE49-F238E27FC236}">
-                <a16:creationId xmlns:a16="http://schemas.microsoft.com/office/drawing/2014/main" id="{8EE1C4EA-8694-41B1-BBAD-B48985C69D12}"/>
-              </a:ext>
-            </a:extLst>
-          </p:cNvPr>
-          <p:cNvSpPr>
-            <a:spLocks noGrp="1"/>
-          </p:cNvSpPr>
-          <p:nvPr>
-            <p:ph type="body" sz="half" idx="2"/>
-          </p:nvPr>
-        </p:nvSpPr>
-        <p:spPr/>
-        <p:txBody>
-          <a:bodyPr/>
-          <a:lstStyle/>
-          <a:p>
-            <a:pPr algn="l"/>
-            <a:r>
-              <a:rPr lang="en-US" b="0" i="0" dirty="0">
-                <a:effectLst/>
-                <a:latin typeface="Arial" panose="020B0604020202020204" pitchFamily="34" charset="0"/>
-              </a:rPr>
-              <a:t>For our data, we selected Track and Field data from the Olympic games over the last century. </a:t>
-            </a:r>
-          </a:p>
-          <a:p>
-            <a:pPr algn="l"/>
-            <a:r>
-              <a:rPr lang="en-US" dirty="0">
-                <a:latin typeface="Arial" panose="020B0604020202020204" pitchFamily="34" charset="0"/>
-              </a:rPr>
-              <a:t>The following are the columns of relevant data for Track and Field for the Olympics from 1896 to 2016</a:t>
-            </a:r>
-            <a:endParaRPr lang="en-US" b="0" i="0" dirty="0">
-              <a:effectLst/>
-              <a:latin typeface="Arial" panose="020B0604020202020204" pitchFamily="34" charset="0"/>
-            </a:endParaRPr>
-          </a:p>
-          <a:p>
-            <a:endParaRPr lang="en-US" dirty="0"/>
-          </a:p>
-        </p:txBody>
-      </p:sp>
     </p:spTree>
     <p:extLst>
       <p:ext uri="{BB962C8B-B14F-4D97-AF65-F5344CB8AC3E}">
-        <p14:creationId xmlns:p14="http://schemas.microsoft.com/office/powerpoint/2010/main" val="1783874291"/>
+        <p14:creationId xmlns:p14="http://schemas.microsoft.com/office/powerpoint/2010/main" val="4018732374"/>
       </p:ext>
     </p:extLst>
   </p:cSld>
@@ -6531,63 +6598,108 @@
           <a:chExt cx="0" cy="0"/>
         </a:xfrm>
       </p:grpSpPr>
-      <p:sp>
-        <p:nvSpPr>
-          <p:cNvPr id="5" name="Title 4">
+      <p:pic>
+        <p:nvPicPr>
+          <p:cNvPr id="6" name="Content Placeholder 5">
             <a:extLst>
               <a:ext uri="{FF2B5EF4-FFF2-40B4-BE49-F238E27FC236}">
-                <a16:creationId xmlns:a16="http://schemas.microsoft.com/office/drawing/2014/main" id="{E53EBB39-8016-450D-84D9-AEB5AA050A89}"/>
+                <a16:creationId xmlns:a16="http://schemas.microsoft.com/office/drawing/2014/main" id="{076607B9-6DA5-4877-AB4E-37893A06882C}"/>
               </a:ext>
             </a:extLst>
           </p:cNvPr>
-          <p:cNvSpPr>
-            <a:spLocks noGrp="1"/>
-          </p:cNvSpPr>
-          <p:nvPr>
-            <p:ph type="title"/>
-          </p:nvPr>
-        </p:nvSpPr>
-        <p:spPr/>
-        <p:txBody>
-          <a:bodyPr/>
-          <a:lstStyle/>
-          <a:p>
-            <a:r>
-              <a:rPr lang="en-US" dirty="0"/>
-              <a:t>Project Proposal</a:t>
-            </a:r>
-          </a:p>
-        </p:txBody>
-      </p:sp>
-      <p:sp>
-        <p:nvSpPr>
-          <p:cNvPr id="7" name="Content Placeholder 6">
+          <p:cNvPicPr>
+            <a:picLocks noGrp="1" noChangeAspect="1"/>
+          </p:cNvPicPr>
+          <p:nvPr>
+            <p:ph idx="4294967295"/>
+          </p:nvPr>
+        </p:nvPicPr>
+        <p:blipFill>
+          <a:blip r:embed="rId2"/>
+          <a:stretch>
+            <a:fillRect/>
+          </a:stretch>
+        </p:blipFill>
+        <p:spPr>
+          <a:xfrm>
+            <a:off x="1587460" y="517792"/>
+            <a:ext cx="8534781" cy="5559552"/>
+          </a:xfrm>
+          <a:prstGeom prst="rect">
+            <a:avLst/>
+          </a:prstGeom>
+          <a:solidFill>
+            <a:srgbClr val="FFFFFF">
+              <a:shade val="85000"/>
+            </a:srgbClr>
+          </a:solidFill>
+          <a:ln w="88900" cap="sq">
+            <a:solidFill>
+              <a:srgbClr val="FFFFFF"/>
+            </a:solidFill>
+            <a:miter lim="800000"/>
+          </a:ln>
+          <a:effectLst>
+            <a:outerShdw blurRad="55000" dist="18000" dir="5400000" algn="tl" rotWithShape="0">
+              <a:srgbClr val="000000">
+                <a:alpha val="40000"/>
+              </a:srgbClr>
+            </a:outerShdw>
+          </a:effectLst>
+          <a:scene3d>
+            <a:camera prst="orthographicFront"/>
+            <a:lightRig rig="twoPt" dir="t">
+              <a:rot lat="0" lon="0" rev="7200000"/>
+            </a:lightRig>
+          </a:scene3d>
+          <a:sp3d>
+            <a:bevelT w="25400" h="19050"/>
+            <a:contourClr>
+              <a:srgbClr val="FFFFFF"/>
+            </a:contourClr>
+          </a:sp3d>
+        </p:spPr>
+      </p:pic>
+      <p:pic>
+        <p:nvPicPr>
+          <p:cNvPr id="3" name="Picture 2">
             <a:extLst>
               <a:ext uri="{FF2B5EF4-FFF2-40B4-BE49-F238E27FC236}">
-                <a16:creationId xmlns:a16="http://schemas.microsoft.com/office/drawing/2014/main" id="{3C3B28B8-6E0C-403C-9006-878EDA1A7A7B}"/>
+                <a16:creationId xmlns:a16="http://schemas.microsoft.com/office/drawing/2014/main" id="{22AB9205-8E8E-D046-8C4E-94D708B5F81D}"/>
               </a:ext>
             </a:extLst>
           </p:cNvPr>
-          <p:cNvSpPr>
-            <a:spLocks noGrp="1"/>
-          </p:cNvSpPr>
-          <p:nvPr>
-            <p:ph idx="1"/>
-          </p:nvPr>
-        </p:nvSpPr>
-        <p:spPr/>
-        <p:txBody>
-          <a:bodyPr/>
-          <a:lstStyle/>
-          <a:p>
-            <a:endParaRPr lang="en-US" dirty="0"/>
-          </a:p>
-        </p:txBody>
-      </p:sp>
+          <p:cNvPicPr>
+            <a:picLocks noChangeAspect="1"/>
+          </p:cNvPicPr>
+          <p:nvPr/>
+        </p:nvPicPr>
+        <p:blipFill>
+          <a:blip r:embed="rId3">
+            <a:extLst>
+              <a:ext uri="{28A0092B-C50C-407E-A947-70E740481C1C}">
+                <a14:useLocalDpi xmlns:a14="http://schemas.microsoft.com/office/drawing/2010/main" val="0"/>
+              </a:ext>
+            </a:extLst>
+          </a:blip>
+          <a:stretch>
+            <a:fillRect/>
+          </a:stretch>
+        </p:blipFill>
+        <p:spPr>
+          <a:xfrm>
+            <a:off x="9055865" y="5742541"/>
+            <a:ext cx="2871946" cy="1011716"/>
+          </a:xfrm>
+          <a:prstGeom prst="rect">
+            <a:avLst/>
+          </a:prstGeom>
+        </p:spPr>
+      </p:pic>
     </p:spTree>
     <p:extLst>
       <p:ext uri="{BB962C8B-B14F-4D97-AF65-F5344CB8AC3E}">
-        <p14:creationId xmlns:p14="http://schemas.microsoft.com/office/powerpoint/2010/main" val="4018732374"/>
+        <p14:creationId xmlns:p14="http://schemas.microsoft.com/office/powerpoint/2010/main" val="1783874291"/>
       </p:ext>
     </p:extLst>
   </p:cSld>
@@ -6630,11 +6742,19 @@
             <p:ph type="title"/>
           </p:nvPr>
         </p:nvSpPr>
-        <p:spPr/>
+        <p:spPr>
+          <a:xfrm>
+            <a:off x="1222872" y="452718"/>
+            <a:ext cx="8827962" cy="1400530"/>
+          </a:xfrm>
+        </p:spPr>
         <p:txBody>
           <a:bodyPr/>
           <a:lstStyle/>
           <a:p>
+            <a:br>
+              <a:rPr lang="en-US" dirty="0"/>
+            </a:br>
             <a:r>
               <a:rPr lang="en-US" dirty="0"/>
               <a:t>Insights</a:t>
@@ -6658,15 +6778,99 @@
             <p:ph idx="1"/>
           </p:nvPr>
         </p:nvSpPr>
-        <p:spPr/>
-        <p:txBody>
-          <a:bodyPr/>
+        <p:spPr>
+          <a:xfrm>
+            <a:off x="1103312" y="2467777"/>
+            <a:ext cx="8946541" cy="1983037"/>
+          </a:xfrm>
+        </p:spPr>
+        <p:txBody>
+          <a:bodyPr>
+            <a:normAutofit lnSpcReduction="10000"/>
+          </a:bodyPr>
           <a:lstStyle/>
           <a:p>
+            <a:pPr>
+              <a:buFont typeface="Arial" panose="020B0604020202020204" pitchFamily="34" charset="0"/>
+              <a:buChar char="•"/>
+            </a:pPr>
+            <a:r>
+              <a:rPr lang="en-US" dirty="0"/>
+              <a:t>Count of Medals by Nation.</a:t>
+            </a:r>
+          </a:p>
+          <a:p>
+            <a:pPr>
+              <a:buFont typeface="Arial" panose="020B0604020202020204" pitchFamily="34" charset="0"/>
+              <a:buChar char="•"/>
+            </a:pPr>
             <a:endParaRPr lang="en-US" dirty="0"/>
           </a:p>
-        </p:txBody>
-      </p:sp>
+          <a:p>
+            <a:pPr>
+              <a:buFont typeface="Arial" panose="020B0604020202020204" pitchFamily="34" charset="0"/>
+              <a:buChar char="•"/>
+            </a:pPr>
+            <a:r>
+              <a:rPr lang="en-US" dirty="0"/>
+              <a:t>What year USA won Gold in a 100M Dash – Women.</a:t>
+            </a:r>
+          </a:p>
+          <a:p>
+            <a:pPr>
+              <a:buFont typeface="Arial" panose="020B0604020202020204" pitchFamily="34" charset="0"/>
+              <a:buChar char="•"/>
+            </a:pPr>
+            <a:endParaRPr lang="en-US" dirty="0"/>
+          </a:p>
+          <a:p>
+            <a:pPr>
+              <a:buFont typeface="Arial" panose="020B0604020202020204" pitchFamily="34" charset="0"/>
+              <a:buChar char="•"/>
+            </a:pPr>
+            <a:r>
+              <a:rPr lang="en-US" dirty="0"/>
+              <a:t>What year USA won Gold in a 100M Dash – Men.</a:t>
+            </a:r>
+          </a:p>
+        </p:txBody>
+      </p:sp>
+      <p:pic>
+        <p:nvPicPr>
+          <p:cNvPr id="5" name="Picture 4">
+            <a:extLst>
+              <a:ext uri="{FF2B5EF4-FFF2-40B4-BE49-F238E27FC236}">
+                <a16:creationId xmlns:a16="http://schemas.microsoft.com/office/drawing/2014/main" id="{54A826C7-A043-C245-A759-3C05888E9E28}"/>
+              </a:ext>
+            </a:extLst>
+          </p:cNvPr>
+          <p:cNvPicPr>
+            <a:picLocks noChangeAspect="1"/>
+          </p:cNvPicPr>
+          <p:nvPr/>
+        </p:nvPicPr>
+        <p:blipFill>
+          <a:blip r:embed="rId2">
+            <a:extLst>
+              <a:ext uri="{28A0092B-C50C-407E-A947-70E740481C1C}">
+                <a14:useLocalDpi xmlns:a14="http://schemas.microsoft.com/office/drawing/2010/main" val="0"/>
+              </a:ext>
+            </a:extLst>
+          </a:blip>
+          <a:stretch>
+            <a:fillRect/>
+          </a:stretch>
+        </p:blipFill>
+        <p:spPr>
+          <a:xfrm>
+            <a:off x="9320054" y="5846284"/>
+            <a:ext cx="2871946" cy="1011716"/>
+          </a:xfrm>
+          <a:prstGeom prst="rect">
+            <a:avLst/>
+          </a:prstGeom>
+        </p:spPr>
+      </p:pic>
     </p:spTree>
     <p:extLst>
       <p:ext uri="{BB962C8B-B14F-4D97-AF65-F5344CB8AC3E}">
@@ -6713,20 +6917,22 @@
             <p:ph type="title"/>
           </p:nvPr>
         </p:nvSpPr>
-        <p:spPr/>
-        <p:txBody>
-          <a:bodyPr/>
+        <p:spPr>
+          <a:xfrm>
+            <a:off x="804232" y="848297"/>
+            <a:ext cx="9518573" cy="1333041"/>
+          </a:xfrm>
+        </p:spPr>
+        <p:txBody>
+          <a:bodyPr>
+            <a:noAutofit/>
+          </a:bodyPr>
           <a:lstStyle/>
           <a:p>
             <a:r>
               <a:rPr lang="en-US" dirty="0"/>
-              <a:t>Postgres Server through </a:t>
-            </a:r>
-            <a:r>
-              <a:rPr lang="en-US" dirty="0" err="1"/>
-              <a:t>SqlAlchemy</a:t>
-            </a:r>
-            <a:endParaRPr lang="en-US" dirty="0"/>
+              <a:t>Postgres Server through SqlAlchemy</a:t>
+            </a:r>
           </a:p>
         </p:txBody>
       </p:sp>
@@ -6754,8 +6960,8 @@
         </p:blipFill>
         <p:spPr>
           <a:xfrm>
-            <a:off x="5262563" y="1928773"/>
-            <a:ext cx="6240462" cy="2619453"/>
+            <a:off x="1740665" y="2685646"/>
+            <a:ext cx="7481544" cy="3144715"/>
           </a:xfrm>
         </p:spPr>
       </p:pic>
@@ -6772,41 +6978,30 @@
             <a:spLocks noGrp="1"/>
           </p:cNvSpPr>
           <p:nvPr>
-            <p:ph type="body" sz="half" idx="2"/>
-          </p:nvPr>
-        </p:nvSpPr>
-        <p:spPr/>
-        <p:txBody>
-          <a:bodyPr/>
+            <p:ph type="body" sz="half" idx="4294967295"/>
+          </p:nvPr>
+        </p:nvSpPr>
+        <p:spPr>
+          <a:xfrm>
+            <a:off x="1422266" y="1889392"/>
+            <a:ext cx="7799943" cy="583893"/>
+          </a:xfrm>
+        </p:spPr>
+        <p:txBody>
+          <a:bodyPr>
+            <a:normAutofit/>
+          </a:bodyPr>
           <a:lstStyle/>
           <a:p>
-            <a:pPr algn="l"/>
-            <a:r>
-              <a:rPr lang="en-US" dirty="0">
-                <a:latin typeface="Arial" panose="020B0604020202020204" pitchFamily="34" charset="0"/>
-              </a:rPr>
-              <a:t>We </a:t>
-            </a:r>
+            <a:pPr marL="0" indent="0" algn="l">
+              <a:buNone/>
+            </a:pPr>
             <a:r>
               <a:rPr lang="en-US" b="0" i="0" dirty="0">
                 <a:effectLst/>
                 <a:latin typeface="Arial" panose="020B0604020202020204" pitchFamily="34" charset="0"/>
               </a:rPr>
-              <a:t>imported our Data it into Postgres, </a:t>
-            </a:r>
-            <a:r>
-              <a:rPr lang="en-US" b="0" i="0" dirty="0" err="1">
-                <a:effectLst/>
-                <a:latin typeface="Arial" panose="020B0604020202020204" pitchFamily="34" charset="0"/>
-              </a:rPr>
-              <a:t>SqlAlchemy</a:t>
-            </a:r>
-            <a:r>
-              <a:rPr lang="en-US" b="0" i="0" dirty="0">
-                <a:effectLst/>
-                <a:latin typeface="Arial" panose="020B0604020202020204" pitchFamily="34" charset="0"/>
-              </a:rPr>
-              <a:t>, to draw various insights </a:t>
+              <a:t>Imported Data into Postgres, SqlAlchemy, to draw various insights </a:t>
             </a:r>
           </a:p>
           <a:p>
@@ -6814,6 +7009,42 @@
           </a:p>
         </p:txBody>
       </p:sp>
+      <p:pic>
+        <p:nvPicPr>
+          <p:cNvPr id="5" name="Picture 4">
+            <a:extLst>
+              <a:ext uri="{FF2B5EF4-FFF2-40B4-BE49-F238E27FC236}">
+                <a16:creationId xmlns:a16="http://schemas.microsoft.com/office/drawing/2014/main" id="{2A3A9D05-2AFE-F34E-B9B7-DE8A5C461E7F}"/>
+              </a:ext>
+            </a:extLst>
+          </p:cNvPr>
+          <p:cNvPicPr>
+            <a:picLocks noChangeAspect="1"/>
+          </p:cNvPicPr>
+          <p:nvPr/>
+        </p:nvPicPr>
+        <p:blipFill>
+          <a:blip r:embed="rId3">
+            <a:extLst>
+              <a:ext uri="{28A0092B-C50C-407E-A947-70E740481C1C}">
+                <a14:useLocalDpi xmlns:a14="http://schemas.microsoft.com/office/drawing/2010/main" val="0"/>
+              </a:ext>
+            </a:extLst>
+          </a:blip>
+          <a:stretch>
+            <a:fillRect/>
+          </a:stretch>
+        </p:blipFill>
+        <p:spPr>
+          <a:xfrm>
+            <a:off x="9320054" y="5830361"/>
+            <a:ext cx="2871946" cy="1011716"/>
+          </a:xfrm>
+          <a:prstGeom prst="rect">
+            <a:avLst/>
+          </a:prstGeom>
+        </p:spPr>
+      </p:pic>
     </p:spTree>
     <p:extLst>
       <p:ext uri="{BB962C8B-B14F-4D97-AF65-F5344CB8AC3E}">
@@ -6844,39 +7075,6 @@
           <a:chExt cx="0" cy="0"/>
         </a:xfrm>
       </p:grpSpPr>
-      <p:sp>
-        <p:nvSpPr>
-          <p:cNvPr id="2" name="Title 1">
-            <a:extLst>
-              <a:ext uri="{FF2B5EF4-FFF2-40B4-BE49-F238E27FC236}">
-                <a16:creationId xmlns:a16="http://schemas.microsoft.com/office/drawing/2014/main" id="{5430416B-CD4D-4CFD-B882-048350EA28D9}"/>
-              </a:ext>
-            </a:extLst>
-          </p:cNvPr>
-          <p:cNvSpPr>
-            <a:spLocks noGrp="1"/>
-          </p:cNvSpPr>
-          <p:nvPr>
-            <p:ph type="title"/>
-          </p:nvPr>
-        </p:nvSpPr>
-        <p:spPr/>
-        <p:txBody>
-          <a:bodyPr/>
-          <a:lstStyle/>
-          <a:p>
-            <a:r>
-              <a:rPr lang="en-US" dirty="0"/>
-              <a:t>Creating Subsets to prepare for our </a:t>
-            </a:r>
-            <a:r>
-              <a:rPr lang="en-US" dirty="0" err="1"/>
-              <a:t>Viz’s</a:t>
-            </a:r>
-            <a:endParaRPr lang="en-US" dirty="0"/>
-          </a:p>
-        </p:txBody>
-      </p:sp>
       <p:pic>
         <p:nvPicPr>
           <p:cNvPr id="5" name="Content Placeholder 4">
@@ -6893,16 +7091,15 @@
             <p:ph idx="1"/>
           </p:nvPr>
         </p:nvPicPr>
-        <p:blipFill>
+        <p:blipFill rotWithShape="1">
           <a:blip r:embed="rId2"/>
-          <a:stretch>
-            <a:fillRect/>
-          </a:stretch>
+          <a:srcRect r="24310"/>
+          <a:stretch/>
         </p:blipFill>
         <p:spPr>
           <a:xfrm>
-            <a:off x="457481" y="2139738"/>
-            <a:ext cx="5115783" cy="3660775"/>
+            <a:off x="914645" y="1798214"/>
+            <a:ext cx="4204119" cy="3974624"/>
           </a:xfrm>
         </p:spPr>
       </p:pic>
@@ -6920,16 +7117,158 @@
           </p:cNvPicPr>
           <p:nvPr/>
         </p:nvPicPr>
+        <p:blipFill rotWithShape="1">
+          <a:blip r:embed="rId3"/>
+          <a:srcRect r="55912"/>
+          <a:stretch/>
+        </p:blipFill>
+        <p:spPr>
+          <a:xfrm>
+            <a:off x="5471550" y="1798214"/>
+            <a:ext cx="4002957" cy="3974624"/>
+          </a:xfrm>
+          <a:prstGeom prst="rect">
+            <a:avLst/>
+          </a:prstGeom>
+        </p:spPr>
+      </p:pic>
+      <p:sp>
+        <p:nvSpPr>
+          <p:cNvPr id="6" name="Title 1">
+            <a:extLst>
+              <a:ext uri="{FF2B5EF4-FFF2-40B4-BE49-F238E27FC236}">
+                <a16:creationId xmlns:a16="http://schemas.microsoft.com/office/drawing/2014/main" id="{4CC5D905-341C-774D-A59C-EB4200780E3A}"/>
+              </a:ext>
+            </a:extLst>
+          </p:cNvPr>
+          <p:cNvSpPr txBox="1">
+            <a:spLocks/>
+          </p:cNvSpPr>
+          <p:nvPr/>
+        </p:nvSpPr>
+        <p:spPr>
+          <a:xfrm>
+            <a:off x="727113" y="881348"/>
+            <a:ext cx="11248221" cy="1476261"/>
+          </a:xfrm>
+          <a:prstGeom prst="rect">
+            <a:avLst/>
+          </a:prstGeom>
+        </p:spPr>
+        <p:txBody>
+          <a:bodyPr vert="horz" lIns="91440" tIns="45720" rIns="91440" bIns="45720" rtlCol="0" anchor="t">
+            <a:noAutofit/>
+          </a:bodyPr>
+          <a:lstStyle>
+            <a:lvl1pPr algn="l" defTabSz="457200" rtl="0" eaLnBrk="1" latinLnBrk="0" hangingPunct="1">
+              <a:spcBef>
+                <a:spcPct val="0"/>
+              </a:spcBef>
+              <a:buNone/>
+              <a:defRPr sz="4200" b="0" i="0" kern="1200">
+                <a:solidFill>
+                  <a:schemeClr val="tx2"/>
+                </a:solidFill>
+                <a:latin typeface="+mj-lt"/>
+                <a:ea typeface="+mj-ea"/>
+                <a:cs typeface="+mj-cs"/>
+              </a:defRPr>
+            </a:lvl1pPr>
+            <a:lvl2pPr eaLnBrk="1" hangingPunct="1">
+              <a:defRPr>
+                <a:solidFill>
+                  <a:schemeClr val="tx2"/>
+                </a:solidFill>
+              </a:defRPr>
+            </a:lvl2pPr>
+            <a:lvl3pPr eaLnBrk="1" hangingPunct="1">
+              <a:defRPr>
+                <a:solidFill>
+                  <a:schemeClr val="tx2"/>
+                </a:solidFill>
+              </a:defRPr>
+            </a:lvl3pPr>
+            <a:lvl4pPr eaLnBrk="1" hangingPunct="1">
+              <a:defRPr>
+                <a:solidFill>
+                  <a:schemeClr val="tx2"/>
+                </a:solidFill>
+              </a:defRPr>
+            </a:lvl4pPr>
+            <a:lvl5pPr eaLnBrk="1" hangingPunct="1">
+              <a:defRPr>
+                <a:solidFill>
+                  <a:schemeClr val="tx2"/>
+                </a:solidFill>
+              </a:defRPr>
+            </a:lvl5pPr>
+            <a:lvl6pPr eaLnBrk="1" hangingPunct="1">
+              <a:defRPr>
+                <a:solidFill>
+                  <a:schemeClr val="tx2"/>
+                </a:solidFill>
+              </a:defRPr>
+            </a:lvl6pPr>
+            <a:lvl7pPr eaLnBrk="1" hangingPunct="1">
+              <a:defRPr>
+                <a:solidFill>
+                  <a:schemeClr val="tx2"/>
+                </a:solidFill>
+              </a:defRPr>
+            </a:lvl7pPr>
+            <a:lvl8pPr eaLnBrk="1" hangingPunct="1">
+              <a:defRPr>
+                <a:solidFill>
+                  <a:schemeClr val="tx2"/>
+                </a:solidFill>
+              </a:defRPr>
+            </a:lvl8pPr>
+            <a:lvl9pPr eaLnBrk="1" hangingPunct="1">
+              <a:defRPr>
+                <a:solidFill>
+                  <a:schemeClr val="tx2"/>
+                </a:solidFill>
+              </a:defRPr>
+            </a:lvl9pPr>
+          </a:lstStyle>
+          <a:p>
+            <a:r>
+              <a:rPr lang="en-US" dirty="0"/>
+              <a:t>Creating subsets to prepare Visualizations</a:t>
+            </a:r>
+          </a:p>
+        </p:txBody>
+      </p:sp>
+      <p:pic>
+        <p:nvPicPr>
+          <p:cNvPr id="8" name="Picture 7">
+            <a:extLst>
+              <a:ext uri="{FF2B5EF4-FFF2-40B4-BE49-F238E27FC236}">
+                <a16:creationId xmlns:a16="http://schemas.microsoft.com/office/drawing/2014/main" id="{97A05C01-CA51-804C-9E40-77845AA56654}"/>
+              </a:ext>
+            </a:extLst>
+          </p:cNvPr>
+          <p:cNvPicPr>
+            <a:picLocks noChangeAspect="1"/>
+          </p:cNvPicPr>
+          <p:nvPr/>
+        </p:nvPicPr>
         <p:blipFill>
-          <a:blip r:embed="rId3"/>
+          <a:blip r:embed="rId4">
+            <a:extLst>
+              <a:ext uri="{28A0092B-C50C-407E-A947-70E740481C1C}">
+                <a14:useLocalDpi xmlns:a14="http://schemas.microsoft.com/office/drawing/2010/main" val="0"/>
+              </a:ext>
+            </a:extLst>
+          </a:blip>
           <a:stretch>
             <a:fillRect/>
           </a:stretch>
         </p:blipFill>
         <p:spPr>
           <a:xfrm>
-            <a:off x="4810538" y="2139738"/>
-            <a:ext cx="7455212" cy="3660775"/>
+            <a:off x="9288948" y="5772838"/>
+            <a:ext cx="2871946" cy="1011716"/>
           </a:xfrm>
           <a:prstGeom prst="rect">
             <a:avLst/>
@@ -6984,8 +7323,8 @@
         </p:nvSpPr>
         <p:spPr>
           <a:xfrm>
-            <a:off x="127322" y="457200"/>
-            <a:ext cx="5243331" cy="1600200"/>
+            <a:off x="2100339" y="749147"/>
+            <a:ext cx="7363152" cy="993932"/>
           </a:xfrm>
         </p:spPr>
         <p:txBody>
@@ -6994,7 +7333,7 @@
           <a:p>
             <a:r>
               <a:rPr lang="en-US" dirty="0"/>
-              <a:t>Converting from Csv to Json	</a:t>
+              <a:t>Converting from csv to json	</a:t>
             </a:r>
           </a:p>
         </p:txBody>
@@ -7015,16 +7354,15 @@
             <p:ph idx="1"/>
           </p:nvPr>
         </p:nvPicPr>
-        <p:blipFill>
+        <p:blipFill rotWithShape="1">
           <a:blip r:embed="rId2"/>
-          <a:stretch>
-            <a:fillRect/>
-          </a:stretch>
+          <a:srcRect r="39824"/>
+          <a:stretch/>
         </p:blipFill>
         <p:spPr>
           <a:xfrm>
-            <a:off x="6311315" y="685800"/>
-            <a:ext cx="4142958" cy="5105400"/>
+            <a:off x="4361128" y="2737011"/>
+            <a:ext cx="2656618" cy="3734717"/>
           </a:xfrm>
         </p:spPr>
       </p:pic>
@@ -7041,37 +7379,72 @@
             <a:spLocks noGrp="1"/>
           </p:cNvSpPr>
           <p:nvPr>
-            <p:ph type="body" sz="half" idx="2"/>
-          </p:nvPr>
-        </p:nvSpPr>
-        <p:spPr/>
-        <p:txBody>
-          <a:bodyPr/>
+            <p:ph type="body" sz="half" idx="4294967295"/>
+          </p:nvPr>
+        </p:nvSpPr>
+        <p:spPr>
+          <a:xfrm>
+            <a:off x="2100340" y="1743079"/>
+            <a:ext cx="7363152" cy="838282"/>
+          </a:xfrm>
+        </p:spPr>
+        <p:txBody>
+          <a:bodyPr>
+            <a:normAutofit/>
+          </a:bodyPr>
           <a:lstStyle/>
           <a:p>
+            <a:pPr marL="0" indent="0">
+              <a:buNone/>
+            </a:pPr>
             <a:r>
               <a:rPr lang="en-US" dirty="0"/>
-              <a:t>For us to use </a:t>
+              <a:t>For Plotly visualizations, the postgres data was saved as csv and then converted to Json, to prepare for </a:t>
             </a:r>
             <a:r>
               <a:rPr lang="en-US" dirty="0" err="1"/>
-              <a:t>plotly</a:t>
-            </a:r>
-            <a:r>
-              <a:rPr lang="en-US" dirty="0"/>
-              <a:t> for our visualization the </a:t>
-            </a:r>
-            <a:r>
-              <a:rPr lang="en-US" dirty="0" err="1"/>
-              <a:t>postgres</a:t>
-            </a:r>
-            <a:r>
-              <a:rPr lang="en-US" dirty="0"/>
-              <a:t> data was saved as Csv, converted to Json, to prepare for Plotly.js</a:t>
-            </a:r>
-          </a:p>
-        </p:txBody>
-      </p:sp>
+              <a:t>Plotly.js</a:t>
+            </a:r>
+            <a:endParaRPr lang="en-US" dirty="0"/>
+          </a:p>
+        </p:txBody>
+      </p:sp>
+      <p:pic>
+        <p:nvPicPr>
+          <p:cNvPr id="5" name="Picture 4">
+            <a:extLst>
+              <a:ext uri="{FF2B5EF4-FFF2-40B4-BE49-F238E27FC236}">
+                <a16:creationId xmlns:a16="http://schemas.microsoft.com/office/drawing/2014/main" id="{617161D0-20E6-CE4A-9863-A225D44716F1}"/>
+              </a:ext>
+            </a:extLst>
+          </p:cNvPr>
+          <p:cNvPicPr>
+            <a:picLocks noChangeAspect="1"/>
+          </p:cNvPicPr>
+          <p:nvPr/>
+        </p:nvPicPr>
+        <p:blipFill>
+          <a:blip r:embed="rId3">
+            <a:extLst>
+              <a:ext uri="{28A0092B-C50C-407E-A947-70E740481C1C}">
+                <a14:useLocalDpi xmlns:a14="http://schemas.microsoft.com/office/drawing/2010/main" val="0"/>
+              </a:ext>
+            </a:extLst>
+          </a:blip>
+          <a:stretch>
+            <a:fillRect/>
+          </a:stretch>
+        </p:blipFill>
+        <p:spPr>
+          <a:xfrm>
+            <a:off x="9320054" y="5846284"/>
+            <a:ext cx="2871946" cy="1011716"/>
+          </a:xfrm>
+          <a:prstGeom prst="rect">
+            <a:avLst/>
+          </a:prstGeom>
+        </p:spPr>
+      </p:pic>
     </p:spTree>
     <p:extLst>
       <p:ext uri="{BB962C8B-B14F-4D97-AF65-F5344CB8AC3E}">
@@ -7118,18 +7491,20 @@
             <p:ph type="title"/>
           </p:nvPr>
         </p:nvSpPr>
-        <p:spPr/>
+        <p:spPr>
+          <a:xfrm>
+            <a:off x="1696598" y="848298"/>
+            <a:ext cx="8354236" cy="1004949"/>
+          </a:xfrm>
+        </p:spPr>
         <p:txBody>
           <a:bodyPr/>
           <a:lstStyle/>
           <a:p>
-            <a:r>
-              <a:rPr lang="en-US" dirty="0" err="1"/>
-              <a:t>Plotly</a:t>
-            </a:r>
+            <a:pPr algn="ctr"/>
             <a:r>
               <a:rPr lang="en-US" dirty="0"/>
-              <a:t> 	</a:t>
+              <a:t>Plotly Visualizations 	</a:t>
             </a:r>
           </a:p>
         </p:txBody>
@@ -7158,8 +7533,8 @@
         </p:blipFill>
         <p:spPr>
           <a:xfrm>
-            <a:off x="5477669" y="1119187"/>
-            <a:ext cx="5810250" cy="4238625"/>
+            <a:off x="3309632" y="2401678"/>
+            <a:ext cx="4644546" cy="4077982"/>
           </a:xfrm>
         </p:spPr>
       </p:pic>
@@ -7176,29 +7551,65 @@
             <a:spLocks noGrp="1"/>
           </p:cNvSpPr>
           <p:nvPr>
-            <p:ph type="body" sz="half" idx="2"/>
-          </p:nvPr>
-        </p:nvSpPr>
-        <p:spPr/>
+            <p:ph type="body" sz="half" idx="4294967295"/>
+          </p:nvPr>
+        </p:nvSpPr>
+        <p:spPr>
+          <a:xfrm>
+            <a:off x="3640138" y="1740838"/>
+            <a:ext cx="5199962" cy="782025"/>
+          </a:xfrm>
+        </p:spPr>
         <p:txBody>
           <a:bodyPr/>
           <a:lstStyle/>
           <a:p>
+            <a:pPr marL="0" indent="0">
+              <a:buNone/>
+            </a:pPr>
             <a:r>
               <a:rPr lang="en-US" dirty="0"/>
-              <a:t>Then we wrote the </a:t>
-            </a:r>
-            <a:r>
-              <a:rPr lang="en-US" dirty="0" err="1"/>
-              <a:t>plotly</a:t>
-            </a:r>
-            <a:r>
-              <a:rPr lang="en-US" dirty="0"/>
-              <a:t> script to visualize our data</a:t>
-            </a:r>
-          </a:p>
-        </p:txBody>
-      </p:sp>
+              <a:t>Plotly script to visualize our data</a:t>
+            </a:r>
+          </a:p>
+        </p:txBody>
+      </p:sp>
+      <p:pic>
+        <p:nvPicPr>
+          <p:cNvPr id="8" name="Picture 7">
+            <a:extLst>
+              <a:ext uri="{FF2B5EF4-FFF2-40B4-BE49-F238E27FC236}">
+                <a16:creationId xmlns:a16="http://schemas.microsoft.com/office/drawing/2014/main" id="{CA4A627A-144C-4E4B-A881-A5AD00567833}"/>
+              </a:ext>
+            </a:extLst>
+          </p:cNvPr>
+          <p:cNvPicPr>
+            <a:picLocks noChangeAspect="1"/>
+          </p:cNvPicPr>
+          <p:nvPr/>
+        </p:nvPicPr>
+        <p:blipFill>
+          <a:blip r:embed="rId3">
+            <a:extLst>
+              <a:ext uri="{28A0092B-C50C-407E-A947-70E740481C1C}">
+                <a14:useLocalDpi xmlns:a14="http://schemas.microsoft.com/office/drawing/2010/main" val="0"/>
+              </a:ext>
+            </a:extLst>
+          </a:blip>
+          <a:stretch>
+            <a:fillRect/>
+          </a:stretch>
+        </p:blipFill>
+        <p:spPr>
+          <a:xfrm>
+            <a:off x="9320054" y="5846284"/>
+            <a:ext cx="2871946" cy="1011716"/>
+          </a:xfrm>
+          <a:prstGeom prst="rect">
+            <a:avLst/>
+          </a:prstGeom>
+        </p:spPr>
+      </p:pic>
     </p:spTree>
     <p:extLst>
       <p:ext uri="{BB962C8B-B14F-4D97-AF65-F5344CB8AC3E}">
@@ -7245,11 +7656,17 @@
             <p:ph type="title"/>
           </p:nvPr>
         </p:nvSpPr>
-        <p:spPr/>
+        <p:spPr>
+          <a:xfrm>
+            <a:off x="646111" y="892366"/>
+            <a:ext cx="9404723" cy="960882"/>
+          </a:xfrm>
+        </p:spPr>
         <p:txBody>
           <a:bodyPr/>
           <a:lstStyle/>
           <a:p>
+            <a:pPr algn="ctr"/>
             <a:r>
               <a:rPr lang="en-US" dirty="0"/>
               <a:t>Challenges</a:t>
@@ -7278,54 +7695,83 @@
           <a:bodyPr/>
           <a:lstStyle/>
           <a:p>
+            <a:pPr>
+              <a:buFont typeface="Arial" panose="020B0604020202020204" pitchFamily="34" charset="0"/>
+              <a:buChar char="•"/>
+            </a:pPr>
             <a:r>
               <a:rPr lang="en-US" dirty="0"/>
               <a:t>Flask</a:t>
             </a:r>
           </a:p>
           <a:p>
-            <a:pPr lvl="1"/>
+            <a:pPr lvl="1">
+              <a:buFont typeface="Arial" panose="020B0604020202020204" pitchFamily="34" charset="0"/>
+              <a:buChar char="•"/>
+            </a:pPr>
             <a:r>
               <a:rPr lang="en-US" dirty="0"/>
-              <a:t>Unfortunately on our last day Project </a:t>
-            </a:r>
-            <a:r>
-              <a:rPr lang="en-US" dirty="0" err="1"/>
-              <a:t>workclass</a:t>
-            </a:r>
-            <a:r>
-              <a:rPr lang="en-US" dirty="0"/>
-              <a:t> we ran out of time with figuring out the Flask Server </a:t>
-            </a:r>
-          </a:p>
-          <a:p>
+              <a:t>Unfortunately on our last day Project work class we ran out of time with figuring out the Flask Server </a:t>
+            </a:r>
+          </a:p>
+          <a:p>
+            <a:pPr>
+              <a:buFont typeface="Arial" panose="020B0604020202020204" pitchFamily="34" charset="0"/>
+              <a:buChar char="•"/>
+            </a:pPr>
             <a:r>
               <a:rPr lang="en-US" dirty="0"/>
               <a:t>Datatypes</a:t>
             </a:r>
           </a:p>
           <a:p>
-            <a:pPr lvl="1"/>
+            <a:pPr lvl="1">
+              <a:buFont typeface="Arial" panose="020B0604020202020204" pitchFamily="34" charset="0"/>
+              <a:buChar char="•"/>
+            </a:pPr>
             <a:r>
               <a:rPr lang="en-US" dirty="0"/>
-              <a:t>We has an issue visualizing the results column dealing with the datatypes between </a:t>
-            </a:r>
-            <a:r>
-              <a:rPr lang="en-US" dirty="0" err="1"/>
-              <a:t>Sql</a:t>
-            </a:r>
-            <a:r>
-              <a:rPr lang="en-US" dirty="0"/>
-              <a:t> and Python </a:t>
-            </a:r>
-            <a:r>
-              <a:rPr lang="en-US" dirty="0" err="1"/>
-              <a:t>SqlAlchemy</a:t>
-            </a:r>
-            <a:endParaRPr lang="en-US" dirty="0"/>
-          </a:p>
-        </p:txBody>
-      </p:sp>
+              <a:t>We has an issue visualizing the results column dealing with the datatypes between Sql and Python SqlAlchemy</a:t>
+            </a:r>
+          </a:p>
+        </p:txBody>
+      </p:sp>
+      <p:pic>
+        <p:nvPicPr>
+          <p:cNvPr id="4" name="Picture 3">
+            <a:extLst>
+              <a:ext uri="{FF2B5EF4-FFF2-40B4-BE49-F238E27FC236}">
+                <a16:creationId xmlns:a16="http://schemas.microsoft.com/office/drawing/2014/main" id="{17108E2F-86E5-B34A-B7CD-7C793599EA51}"/>
+              </a:ext>
+            </a:extLst>
+          </p:cNvPr>
+          <p:cNvPicPr>
+            <a:picLocks noChangeAspect="1"/>
+          </p:cNvPicPr>
+          <p:nvPr/>
+        </p:nvPicPr>
+        <p:blipFill>
+          <a:blip r:embed="rId2">
+            <a:extLst>
+              <a:ext uri="{28A0092B-C50C-407E-A947-70E740481C1C}">
+                <a14:useLocalDpi xmlns:a14="http://schemas.microsoft.com/office/drawing/2010/main" val="0"/>
+              </a:ext>
+            </a:extLst>
+          </a:blip>
+          <a:stretch>
+            <a:fillRect/>
+          </a:stretch>
+        </p:blipFill>
+        <p:spPr>
+          <a:xfrm>
+            <a:off x="9320054" y="5742541"/>
+            <a:ext cx="2871946" cy="1011716"/>
+          </a:xfrm>
+          <a:prstGeom prst="rect">
+            <a:avLst/>
+          </a:prstGeom>
+        </p:spPr>
+      </p:pic>
     </p:spTree>
     <p:extLst>
       <p:ext uri="{BB962C8B-B14F-4D97-AF65-F5344CB8AC3E}">
@@ -7340,9 +7786,9 @@
 </file>
 
 <file path=ppt/theme/theme1.xml><?xml version="1.0" encoding="utf-8"?>
-<a:theme xmlns:a="http://schemas.openxmlformats.org/drawingml/2006/main" name="Parallax">
+<a:theme xmlns:a="http://schemas.openxmlformats.org/drawingml/2006/main" name="Ion">
   <a:themeElements>
-    <a:clrScheme name="Parallax">
+    <a:clrScheme name="Ion">
       <a:dk1>
         <a:sysClr val="windowText" lastClr="000000"/>
       </a:dk1>
@@ -7350,52 +7796,52 @@
         <a:sysClr val="window" lastClr="FFFFFF"/>
       </a:lt1>
       <a:dk2>
-        <a:srgbClr val="212121"/>
+        <a:srgbClr val="1E5155"/>
       </a:dk2>
       <a:lt2>
-        <a:srgbClr val="CDD0D1"/>
+        <a:srgbClr val="EBEBEB"/>
       </a:lt2>
       <a:accent1>
-        <a:srgbClr val="30ACEC"/>
+        <a:srgbClr val="B01513"/>
       </a:accent1>
       <a:accent2>
-        <a:srgbClr val="80C34F"/>
+        <a:srgbClr val="EA6312"/>
       </a:accent2>
       <a:accent3>
-        <a:srgbClr val="E29D3E"/>
+        <a:srgbClr val="E6B729"/>
       </a:accent3>
       <a:accent4>
-        <a:srgbClr val="D64A3B"/>
+        <a:srgbClr val="6AAC90"/>
       </a:accent4>
       <a:accent5>
-        <a:srgbClr val="D64787"/>
+        <a:srgbClr val="54849A"/>
       </a:accent5>
       <a:accent6>
-        <a:srgbClr val="A666E1"/>
+        <a:srgbClr val="9E5E9B"/>
       </a:accent6>
       <a:hlink>
-        <a:srgbClr val="3085ED"/>
+        <a:srgbClr val="58C1BA"/>
       </a:hlink>
       <a:folHlink>
-        <a:srgbClr val="82B6F4"/>
+        <a:srgbClr val="9DFFCB"/>
       </a:folHlink>
     </a:clrScheme>
-    <a:fontScheme name="Parallax">
+    <a:fontScheme name="Ion">
       <a:majorFont>
-        <a:latin typeface="Corbel" panose="020B0503020204020204"/>
+        <a:latin typeface="Century Gothic" panose="020B0502020202020204"/>
         <a:ea typeface=""/>
         <a:cs typeface=""/>
-        <a:font script="Jpan" typeface="HGｺﾞｼｯｸM"/>
-        <a:font script="Hang" typeface="HY엽서L"/>
-        <a:font script="Hans" typeface="华文楷体"/>
+        <a:font script="Jpan" typeface="メイリオ"/>
+        <a:font script="Hang" typeface="맑은 고딕"/>
+        <a:font script="Hans" typeface="宋体"/>
         <a:font script="Hant" typeface="新細明體"/>
-        <a:font script="Arab" typeface="Tahoma"/>
-        <a:font script="Hebr" typeface="Miriam"/>
-        <a:font script="Thai" typeface="DilleniaUPC"/>
+        <a:font script="Arab" typeface="Times New Roman"/>
+        <a:font script="Hebr" typeface="Times New Roman"/>
+        <a:font script="Thai" typeface="Angsana New"/>
         <a:font script="Ethi" typeface="Nyala"/>
         <a:font script="Beng" typeface="Vrinda"/>
         <a:font script="Gujr" typeface="Shruti"/>
-        <a:font script="Khmr" typeface="DaunPenh"/>
+        <a:font script="Khmr" typeface="MoolBoran"/>
         <a:font script="Knda" typeface="Tunga"/>
         <a:font script="Guru" typeface="Raavi"/>
         <a:font script="Cans" typeface="Euphemia"/>
@@ -7412,21 +7858,21 @@
         <a:font script="Laoo" typeface="DokChampa"/>
         <a:font script="Sinh" typeface="Iskoola Pota"/>
         <a:font script="Mong" typeface="Mongolian Baiti"/>
-        <a:font script="Viet" typeface="Arial"/>
+        <a:font script="Viet" typeface="Times New Roman"/>
         <a:font script="Uigh" typeface="Microsoft Uighur"/>
         <a:font script="Geor" typeface="Sylfaen"/>
       </a:majorFont>
       <a:minorFont>
-        <a:latin typeface="Corbel" panose="020B0503020204020204"/>
+        <a:latin typeface="Century Gothic" panose="020B0502020202020204"/>
         <a:ea typeface=""/>
         <a:cs typeface=""/>
-        <a:font script="Jpan" typeface="HGｺﾞｼｯｸM"/>
-        <a:font script="Hang" typeface="HY엽서L"/>
-        <a:font script="Hans" typeface="华文楷体"/>
+        <a:font script="Jpan" typeface="メイリオ"/>
+        <a:font script="Hang" typeface="맑은 고딕"/>
+        <a:font script="Hans" typeface="宋体"/>
         <a:font script="Hant" typeface="新細明體"/>
-        <a:font script="Arab" typeface="Tahoma"/>
-        <a:font script="Hebr" typeface="Miriam"/>
-        <a:font script="Thai" typeface="DilleniaUPC"/>
+        <a:font script="Arab" typeface="Arial"/>
+        <a:font script="Hebr" typeface="Arial"/>
+        <a:font script="Thai" typeface="Cordia New"/>
         <a:font script="Ethi" typeface="Nyala"/>
         <a:font script="Beng" typeface="Vrinda"/>
         <a:font script="Gujr" typeface="Shruti"/>
@@ -7452,7 +7898,7 @@
         <a:font script="Geor" typeface="Sylfaen"/>
       </a:minorFont>
     </a:fontScheme>
-    <a:fmtScheme name="Parallax">
+    <a:fmtScheme name="Ion">
       <a:fillStyleLst>
         <a:solidFill>
           <a:schemeClr val="phClr"/>
@@ -7461,13 +7907,15 @@
           <a:gsLst>
             <a:gs pos="0">
               <a:schemeClr val="phClr">
-                <a:tint val="60000"/>
-                <a:lumMod val="104000"/>
+                <a:tint val="64000"/>
+                <a:lumMod val="118000"/>
               </a:schemeClr>
             </a:gs>
             <a:gs pos="100000">
               <a:schemeClr val="phClr">
-                <a:tint val="84000"/>
+                <a:tint val="92000"/>
+                <a:alpha val="100000"/>
+                <a:lumMod val="110000"/>
               </a:schemeClr>
             </a:gs>
           </a:gsLst>
@@ -7477,38 +7925,34 @@
           <a:gsLst>
             <a:gs pos="0">
               <a:schemeClr val="phClr">
-                <a:tint val="96000"/>
-                <a:lumMod val="102000"/>
+                <a:tint val="98000"/>
+                <a:lumMod val="114000"/>
               </a:schemeClr>
             </a:gs>
             <a:gs pos="100000">
               <a:schemeClr val="phClr">
-                <a:shade val="88000"/>
-                <a:lumMod val="94000"/>
+                <a:shade val="90000"/>
+                <a:lumMod val="84000"/>
               </a:schemeClr>
             </a:gs>
           </a:gsLst>
-          <a:path path="circle">
-            <a:fillToRect l="50000" t="100000" r="100000" b="50000"/>
-          </a:path>
+          <a:lin ang="5400000" scaled="0"/>
         </a:gradFill>
       </a:fillStyleLst>
       <a:lnStyleLst>
         <a:ln w="9525" cap="rnd" cmpd="sng" algn="ctr">
           <a:solidFill>
-            <a:schemeClr val="phClr">
-              <a:tint val="60000"/>
-            </a:schemeClr>
+            <a:schemeClr val="phClr"/>
           </a:solidFill>
           <a:prstDash val="solid"/>
         </a:ln>
-        <a:ln w="15875" cap="rnd" cmpd="sng" algn="ctr">
+        <a:ln w="19050" cap="rnd" cmpd="sng" algn="ctr">
           <a:solidFill>
             <a:schemeClr val="phClr"/>
           </a:solidFill>
           <a:prstDash val="solid"/>
         </a:ln>
-        <a:ln w="22225" cap="rnd" cmpd="sng" algn="ctr">
+        <a:ln w="28575" cap="rnd" cmpd="sng" algn="ctr">
           <a:solidFill>
             <a:schemeClr val="phClr"/>
           </a:solidFill>
@@ -7521,14 +7965,18 @@
         </a:effectStyle>
         <a:effectStyle>
           <a:effectLst>
-            <a:reflection blurRad="12700" stA="26000" endPos="32000" dist="12700" dir="5400000" sy="-100000" rotWithShape="0"/>
+            <a:outerShdw blurRad="38100" dist="25400" dir="5400000" rotWithShape="0">
+              <a:srgbClr val="000000">
+                <a:alpha val="45000"/>
+              </a:srgbClr>
+            </a:outerShdw>
           </a:effectLst>
         </a:effectStyle>
         <a:effectStyle>
           <a:effectLst>
-            <a:outerShdw blurRad="38100" dist="25400" dir="5400000" rotWithShape="0">
+            <a:outerShdw blurRad="63500" dist="38100" dir="5400000" rotWithShape="0">
               <a:srgbClr val="000000">
-                <a:alpha val="64000"/>
+                <a:alpha val="60000"/>
               </a:srgbClr>
             </a:outerShdw>
           </a:effectLst>
@@ -7536,12 +7984,10 @@
             <a:camera prst="orthographicFront">
               <a:rot lat="0" lon="0" rev="0"/>
             </a:camera>
-            <a:lightRig rig="threePt" dir="tl">
-              <a:rot lat="0" lon="0" rev="1200000"/>
-            </a:lightRig>
+            <a:lightRig rig="threePt" dir="tl"/>
           </a:scene3d>
-          <a:sp3d>
-            <a:bevelT w="25400" h="12700"/>
+          <a:sp3d prstMaterial="plastic">
+            <a:bevelT w="0" h="0"/>
           </a:sp3d>
         </a:effectStyle>
       </a:effectStyleLst>
@@ -7553,30 +7999,40 @@
           <a:gsLst>
             <a:gs pos="0">
               <a:schemeClr val="phClr">
-                <a:tint val="90000"/>
-                <a:lumMod val="110000"/>
+                <a:tint val="97000"/>
+                <a:hueMod val="88000"/>
+                <a:satMod val="130000"/>
+                <a:lumMod val="124000"/>
               </a:schemeClr>
             </a:gs>
             <a:gs pos="100000">
               <a:schemeClr val="phClr">
-                <a:shade val="64000"/>
-                <a:lumMod val="98000"/>
+                <a:tint val="96000"/>
+                <a:shade val="88000"/>
+                <a:hueMod val="108000"/>
+                <a:satMod val="164000"/>
+                <a:lumMod val="76000"/>
               </a:schemeClr>
             </a:gs>
           </a:gsLst>
-          <a:lin ang="5400000" scaled="0"/>
+          <a:path path="circle">
+            <a:fillToRect l="45000" t="65000" r="125000" b="100000"/>
+          </a:path>
         </a:gradFill>
         <a:blipFill rotWithShape="1">
           <a:blip xmlns:r="http://schemas.openxmlformats.org/officeDocument/2006/relationships" r:embed="rId1">
             <a:duotone>
               <a:schemeClr val="phClr">
-                <a:shade val="76000"/>
-                <a:satMod val="180000"/>
+                <a:shade val="69000"/>
+                <a:hueMod val="108000"/>
+                <a:satMod val="164000"/>
+                <a:lumMod val="74000"/>
               </a:schemeClr>
               <a:schemeClr val="phClr">
-                <a:tint val="80000"/>
-                <a:satMod val="120000"/>
-                <a:lumMod val="180000"/>
+                <a:tint val="96000"/>
+                <a:hueMod val="88000"/>
+                <a:satMod val="140000"/>
+                <a:lumMod val="132000"/>
               </a:schemeClr>
             </a:duotone>
           </a:blip>
@@ -7589,7 +8045,7 @@
   <a:extraClrSchemeLst/>
   <a:extLst>
     <a:ext uri="{05A4C25C-085E-4340-85A3-A5531E510DB2}">
-      <thm15:themeFamily xmlns:thm15="http://schemas.microsoft.com/office/thememl/2012/main" name="Parallax" id="{3388167B-A2EB-4685-9635-1831D9AEF8C4}" vid="{4F7A876A-7598-49CA-AFC8-8EDA2551E4A7}"/>
+      <thm15:themeFamily xmlns:thm15="http://schemas.microsoft.com/office/thememl/2012/main" name="Ion" id="{B8441ADB-2E43-4AF7-B97A-BD870242C6A8}" vid="{292E63A9-BB86-4E3D-B92A-7223C6510D2E}"/>
     </a:ext>
   </a:extLst>
 </a:theme>
